--- a/PracticeTasks/Module2/Task_10/Task_10.pptx
+++ b/PracticeTasks/Module2/Task_10/Task_10.pptx
@@ -5,7 +5,7 @@
     <p:sldMasterId id="2147483659" r:id="rId1"/>
   </p:sldMasterIdLst>
   <p:notesMasterIdLst>
-    <p:notesMasterId r:id="rId10"/>
+    <p:notesMasterId r:id="rId14"/>
   </p:notesMasterIdLst>
   <p:sldIdLst>
     <p:sldId id="256" r:id="rId2"/>
@@ -14,8 +14,12 @@
     <p:sldId id="259" r:id="rId5"/>
     <p:sldId id="260" r:id="rId6"/>
     <p:sldId id="261" r:id="rId7"/>
-    <p:sldId id="262" r:id="rId8"/>
-    <p:sldId id="263" r:id="rId9"/>
+    <p:sldId id="268" r:id="rId8"/>
+    <p:sldId id="269" r:id="rId9"/>
+    <p:sldId id="270" r:id="rId10"/>
+    <p:sldId id="271" r:id="rId11"/>
+    <p:sldId id="262" r:id="rId12"/>
+    <p:sldId id="263" r:id="rId13"/>
   </p:sldIdLst>
   <p:sldSz cx="9144000" cy="5143500" type="screen16x9"/>
   <p:notesSz cx="6858000" cy="9144000"/>
@@ -812,6 +816,323 @@
 </p:notes>
 </file>
 
+<file path=ppt/notesSlides/notesSlide10.xml><?xml version="1.0" encoding="utf-8"?>
+<p:notes xmlns:a="http://schemas.openxmlformats.org/drawingml/2006/main" xmlns:r="http://schemas.openxmlformats.org/officeDocument/2006/relationships" xmlns:p="http://schemas.openxmlformats.org/presentationml/2006/main" showMasterSp="0" showMasterPhAnim="0">
+  <p:cSld>
+    <p:spTree>
+      <p:nvGrpSpPr>
+        <p:cNvPr id="1" name="Shape 80"/>
+        <p:cNvGrpSpPr/>
+        <p:nvPr/>
+      </p:nvGrpSpPr>
+      <p:grpSpPr>
+        <a:xfrm>
+          <a:off x="0" y="0"/>
+          <a:ext cx="0" cy="0"/>
+          <a:chOff x="0" y="0"/>
+          <a:chExt cx="0" cy="0"/>
+        </a:xfrm>
+      </p:grpSpPr>
+      <p:sp>
+        <p:nvSpPr>
+          <p:cNvPr id="81" name="Google Shape;81;g100adce3cd7_0_50:notes"/>
+          <p:cNvSpPr>
+            <a:spLocks noGrp="1" noRot="1" noChangeAspect="1"/>
+          </p:cNvSpPr>
+          <p:nvPr>
+            <p:ph type="sldImg" idx="2"/>
+          </p:nvPr>
+        </p:nvSpPr>
+        <p:spPr>
+          <a:xfrm>
+            <a:off x="381000" y="685800"/>
+            <a:ext cx="6096000" cy="3429000"/>
+          </a:xfrm>
+          <a:custGeom>
+            <a:avLst/>
+            <a:gdLst/>
+            <a:ahLst/>
+            <a:cxnLst/>
+            <a:rect l="l" t="t" r="r" b="b"/>
+            <a:pathLst>
+              <a:path w="120000" h="120000" extrusionOk="0">
+                <a:moveTo>
+                  <a:pt x="0" y="0"/>
+                </a:moveTo>
+                <a:lnTo>
+                  <a:pt x="120000" y="0"/>
+                </a:lnTo>
+                <a:lnTo>
+                  <a:pt x="120000" y="120000"/>
+                </a:lnTo>
+                <a:lnTo>
+                  <a:pt x="0" y="120000"/>
+                </a:lnTo>
+                <a:close/>
+              </a:path>
+            </a:pathLst>
+          </a:custGeom>
+        </p:spPr>
+      </p:sp>
+      <p:sp>
+        <p:nvSpPr>
+          <p:cNvPr id="82" name="Google Shape;82;g100adce3cd7_0_50:notes"/>
+          <p:cNvSpPr txBox="1">
+            <a:spLocks noGrp="1"/>
+          </p:cNvSpPr>
+          <p:nvPr>
+            <p:ph type="body" idx="1"/>
+          </p:nvPr>
+        </p:nvSpPr>
+        <p:spPr>
+          <a:xfrm>
+            <a:off x="685800" y="4343400"/>
+            <a:ext cx="5486400" cy="4114800"/>
+          </a:xfrm>
+          <a:prstGeom prst="rect">
+            <a:avLst/>
+          </a:prstGeom>
+        </p:spPr>
+        <p:txBody>
+          <a:bodyPr spcFirstLastPara="1" wrap="square" lIns="91425" tIns="91425" rIns="91425" bIns="91425" anchor="t" anchorCtr="0">
+            <a:noAutofit/>
+          </a:bodyPr>
+          <a:lstStyle/>
+          <a:p>
+            <a:pPr marL="0" lvl="0" indent="0" algn="l" rtl="0">
+              <a:spcBef>
+                <a:spcPts val="0"/>
+              </a:spcBef>
+              <a:spcAft>
+                <a:spcPts val="0"/>
+              </a:spcAft>
+              <a:buNone/>
+            </a:pPr>
+            <a:endParaRPr/>
+          </a:p>
+        </p:txBody>
+      </p:sp>
+    </p:spTree>
+    <p:extLst>
+      <p:ext uri="{BB962C8B-B14F-4D97-AF65-F5344CB8AC3E}">
+        <p14:creationId xmlns:p14="http://schemas.microsoft.com/office/powerpoint/2010/main" val="1520451257"/>
+      </p:ext>
+    </p:extLst>
+  </p:cSld>
+  <p:clrMapOvr>
+    <a:masterClrMapping/>
+  </p:clrMapOvr>
+</p:notes>
+</file>
+
+<file path=ppt/notesSlides/notesSlide11.xml><?xml version="1.0" encoding="utf-8"?>
+<p:notes xmlns:a="http://schemas.openxmlformats.org/drawingml/2006/main" xmlns:r="http://schemas.openxmlformats.org/officeDocument/2006/relationships" xmlns:p="http://schemas.openxmlformats.org/presentationml/2006/main" showMasterSp="0" showMasterPhAnim="0">
+  <p:cSld>
+    <p:spTree>
+      <p:nvGrpSpPr>
+        <p:cNvPr id="1" name="Shape 87"/>
+        <p:cNvGrpSpPr/>
+        <p:nvPr/>
+      </p:nvGrpSpPr>
+      <p:grpSpPr>
+        <a:xfrm>
+          <a:off x="0" y="0"/>
+          <a:ext cx="0" cy="0"/>
+          <a:chOff x="0" y="0"/>
+          <a:chExt cx="0" cy="0"/>
+        </a:xfrm>
+      </p:grpSpPr>
+      <p:sp>
+        <p:nvSpPr>
+          <p:cNvPr id="88" name="Google Shape;88;g100adce3cd7_0_101:notes"/>
+          <p:cNvSpPr>
+            <a:spLocks noGrp="1" noRot="1" noChangeAspect="1"/>
+          </p:cNvSpPr>
+          <p:nvPr>
+            <p:ph type="sldImg" idx="2"/>
+          </p:nvPr>
+        </p:nvSpPr>
+        <p:spPr>
+          <a:xfrm>
+            <a:off x="381000" y="685800"/>
+            <a:ext cx="6096000" cy="3429000"/>
+          </a:xfrm>
+          <a:custGeom>
+            <a:avLst/>
+            <a:gdLst/>
+            <a:ahLst/>
+            <a:cxnLst/>
+            <a:rect l="l" t="t" r="r" b="b"/>
+            <a:pathLst>
+              <a:path w="120000" h="120000" extrusionOk="0">
+                <a:moveTo>
+                  <a:pt x="0" y="0"/>
+                </a:moveTo>
+                <a:lnTo>
+                  <a:pt x="120000" y="0"/>
+                </a:lnTo>
+                <a:lnTo>
+                  <a:pt x="120000" y="120000"/>
+                </a:lnTo>
+                <a:lnTo>
+                  <a:pt x="0" y="120000"/>
+                </a:lnTo>
+                <a:close/>
+              </a:path>
+            </a:pathLst>
+          </a:custGeom>
+        </p:spPr>
+      </p:sp>
+      <p:sp>
+        <p:nvSpPr>
+          <p:cNvPr id="89" name="Google Shape;89;g100adce3cd7_0_101:notes"/>
+          <p:cNvSpPr txBox="1">
+            <a:spLocks noGrp="1"/>
+          </p:cNvSpPr>
+          <p:nvPr>
+            <p:ph type="body" idx="1"/>
+          </p:nvPr>
+        </p:nvSpPr>
+        <p:spPr>
+          <a:xfrm>
+            <a:off x="685800" y="4343400"/>
+            <a:ext cx="5486400" cy="4114800"/>
+          </a:xfrm>
+          <a:prstGeom prst="rect">
+            <a:avLst/>
+          </a:prstGeom>
+        </p:spPr>
+        <p:txBody>
+          <a:bodyPr spcFirstLastPara="1" wrap="square" lIns="91425" tIns="91425" rIns="91425" bIns="91425" anchor="t" anchorCtr="0">
+            <a:noAutofit/>
+          </a:bodyPr>
+          <a:lstStyle/>
+          <a:p>
+            <a:pPr marL="0" lvl="0" indent="0" algn="l" rtl="0">
+              <a:spcBef>
+                <a:spcPts val="0"/>
+              </a:spcBef>
+              <a:spcAft>
+                <a:spcPts val="0"/>
+              </a:spcAft>
+              <a:buNone/>
+            </a:pPr>
+            <a:endParaRPr/>
+          </a:p>
+        </p:txBody>
+      </p:sp>
+    </p:spTree>
+  </p:cSld>
+  <p:clrMapOvr>
+    <a:masterClrMapping/>
+  </p:clrMapOvr>
+</p:notes>
+</file>
+
+<file path=ppt/notesSlides/notesSlide12.xml><?xml version="1.0" encoding="utf-8"?>
+<p:notes xmlns:a="http://schemas.openxmlformats.org/drawingml/2006/main" xmlns:r="http://schemas.openxmlformats.org/officeDocument/2006/relationships" xmlns:p="http://schemas.openxmlformats.org/presentationml/2006/main" showMasterSp="0" showMasterPhAnim="0">
+  <p:cSld>
+    <p:spTree>
+      <p:nvGrpSpPr>
+        <p:cNvPr id="1" name="Shape 95"/>
+        <p:cNvGrpSpPr/>
+        <p:nvPr/>
+      </p:nvGrpSpPr>
+      <p:grpSpPr>
+        <a:xfrm>
+          <a:off x="0" y="0"/>
+          <a:ext cx="0" cy="0"/>
+          <a:chOff x="0" y="0"/>
+          <a:chExt cx="0" cy="0"/>
+        </a:xfrm>
+      </p:grpSpPr>
+      <p:sp>
+        <p:nvSpPr>
+          <p:cNvPr id="96" name="Google Shape;96;g100ace3ded2_0_5:notes"/>
+          <p:cNvSpPr>
+            <a:spLocks noGrp="1" noRot="1" noChangeAspect="1"/>
+          </p:cNvSpPr>
+          <p:nvPr>
+            <p:ph type="sldImg" idx="2"/>
+          </p:nvPr>
+        </p:nvSpPr>
+        <p:spPr>
+          <a:xfrm>
+            <a:off x="381000" y="685800"/>
+            <a:ext cx="6096000" cy="3429000"/>
+          </a:xfrm>
+          <a:custGeom>
+            <a:avLst/>
+            <a:gdLst/>
+            <a:ahLst/>
+            <a:cxnLst/>
+            <a:rect l="l" t="t" r="r" b="b"/>
+            <a:pathLst>
+              <a:path w="120000" h="120000" extrusionOk="0">
+                <a:moveTo>
+                  <a:pt x="0" y="0"/>
+                </a:moveTo>
+                <a:lnTo>
+                  <a:pt x="120000" y="0"/>
+                </a:lnTo>
+                <a:lnTo>
+                  <a:pt x="120000" y="120000"/>
+                </a:lnTo>
+                <a:lnTo>
+                  <a:pt x="0" y="120000"/>
+                </a:lnTo>
+                <a:close/>
+              </a:path>
+            </a:pathLst>
+          </a:custGeom>
+        </p:spPr>
+      </p:sp>
+      <p:sp>
+        <p:nvSpPr>
+          <p:cNvPr id="97" name="Google Shape;97;g100ace3ded2_0_5:notes"/>
+          <p:cNvSpPr txBox="1">
+            <a:spLocks noGrp="1"/>
+          </p:cNvSpPr>
+          <p:nvPr>
+            <p:ph type="body" idx="1"/>
+          </p:nvPr>
+        </p:nvSpPr>
+        <p:spPr>
+          <a:xfrm>
+            <a:off x="685800" y="4343400"/>
+            <a:ext cx="5486400" cy="4114800"/>
+          </a:xfrm>
+          <a:prstGeom prst="rect">
+            <a:avLst/>
+          </a:prstGeom>
+        </p:spPr>
+        <p:txBody>
+          <a:bodyPr spcFirstLastPara="1" wrap="square" lIns="91425" tIns="91425" rIns="91425" bIns="91425" anchor="t" anchorCtr="0">
+            <a:noAutofit/>
+          </a:bodyPr>
+          <a:lstStyle/>
+          <a:p>
+            <a:pPr marL="0" lvl="0" indent="0" algn="l" rtl="0">
+              <a:spcBef>
+                <a:spcPts val="0"/>
+              </a:spcBef>
+              <a:spcAft>
+                <a:spcPts val="0"/>
+              </a:spcAft>
+              <a:buNone/>
+            </a:pPr>
+            <a:endParaRPr/>
+          </a:p>
+        </p:txBody>
+      </p:sp>
+    </p:spTree>
+  </p:cSld>
+  <p:clrMapOvr>
+    <a:masterClrMapping/>
+  </p:clrMapOvr>
+</p:notes>
+</file>
+
 <file path=ppt/notesSlides/notesSlide2.xml><?xml version="1.0" encoding="utf-8"?>
 <p:notes xmlns:a="http://schemas.openxmlformats.org/drawingml/2006/main" xmlns:r="http://schemas.openxmlformats.org/officeDocument/2006/relationships" xmlns:p="http://schemas.openxmlformats.org/presentationml/2006/main" showMasterSp="0" showMasterPhAnim="0">
   <p:cSld>
@@ -1342,7 +1663,7 @@
   <p:cSld>
     <p:spTree>
       <p:nvGrpSpPr>
-        <p:cNvPr id="1" name="Shape 87"/>
+        <p:cNvPr id="1" name="Shape 80"/>
         <p:cNvGrpSpPr/>
         <p:nvPr/>
       </p:nvGrpSpPr>
@@ -1356,7 +1677,7 @@
       </p:grpSpPr>
       <p:sp>
         <p:nvSpPr>
-          <p:cNvPr id="88" name="Google Shape;88;g100adce3cd7_0_101:notes"/>
+          <p:cNvPr id="81" name="Google Shape;81;g100adce3cd7_0_50:notes"/>
           <p:cNvSpPr>
             <a:spLocks noGrp="1" noRot="1" noChangeAspect="1"/>
           </p:cNvSpPr>
@@ -1397,7 +1718,7 @@
       </p:sp>
       <p:sp>
         <p:nvSpPr>
-          <p:cNvPr id="89" name="Google Shape;89;g100adce3cd7_0_101:notes"/>
+          <p:cNvPr id="82" name="Google Shape;82;g100adce3cd7_0_50:notes"/>
           <p:cNvSpPr txBox="1">
             <a:spLocks noGrp="1"/>
           </p:cNvSpPr>
@@ -1434,6 +1755,11 @@
         </p:txBody>
       </p:sp>
     </p:spTree>
+    <p:extLst>
+      <p:ext uri="{BB962C8B-B14F-4D97-AF65-F5344CB8AC3E}">
+        <p14:creationId xmlns:p14="http://schemas.microsoft.com/office/powerpoint/2010/main" val="265012011"/>
+      </p:ext>
+    </p:extLst>
   </p:cSld>
   <p:clrMapOvr>
     <a:masterClrMapping/>
@@ -1446,7 +1772,7 @@
   <p:cSld>
     <p:spTree>
       <p:nvGrpSpPr>
-        <p:cNvPr id="1" name="Shape 95"/>
+        <p:cNvPr id="1" name="Shape 80"/>
         <p:cNvGrpSpPr/>
         <p:nvPr/>
       </p:nvGrpSpPr>
@@ -1460,7 +1786,7 @@
       </p:grpSpPr>
       <p:sp>
         <p:nvSpPr>
-          <p:cNvPr id="96" name="Google Shape;96;g100ace3ded2_0_5:notes"/>
+          <p:cNvPr id="81" name="Google Shape;81;g100adce3cd7_0_50:notes"/>
           <p:cNvSpPr>
             <a:spLocks noGrp="1" noRot="1" noChangeAspect="1"/>
           </p:cNvSpPr>
@@ -1501,7 +1827,7 @@
       </p:sp>
       <p:sp>
         <p:nvSpPr>
-          <p:cNvPr id="97" name="Google Shape;97;g100ace3ded2_0_5:notes"/>
+          <p:cNvPr id="82" name="Google Shape;82;g100adce3cd7_0_50:notes"/>
           <p:cNvSpPr txBox="1">
             <a:spLocks noGrp="1"/>
           </p:cNvSpPr>
@@ -1538,6 +1864,120 @@
         </p:txBody>
       </p:sp>
     </p:spTree>
+    <p:extLst>
+      <p:ext uri="{BB962C8B-B14F-4D97-AF65-F5344CB8AC3E}">
+        <p14:creationId xmlns:p14="http://schemas.microsoft.com/office/powerpoint/2010/main" val="1537165346"/>
+      </p:ext>
+    </p:extLst>
+  </p:cSld>
+  <p:clrMapOvr>
+    <a:masterClrMapping/>
+  </p:clrMapOvr>
+</p:notes>
+</file>
+
+<file path=ppt/notesSlides/notesSlide9.xml><?xml version="1.0" encoding="utf-8"?>
+<p:notes xmlns:a="http://schemas.openxmlformats.org/drawingml/2006/main" xmlns:r="http://schemas.openxmlformats.org/officeDocument/2006/relationships" xmlns:p="http://schemas.openxmlformats.org/presentationml/2006/main" showMasterSp="0" showMasterPhAnim="0">
+  <p:cSld>
+    <p:spTree>
+      <p:nvGrpSpPr>
+        <p:cNvPr id="1" name="Shape 80"/>
+        <p:cNvGrpSpPr/>
+        <p:nvPr/>
+      </p:nvGrpSpPr>
+      <p:grpSpPr>
+        <a:xfrm>
+          <a:off x="0" y="0"/>
+          <a:ext cx="0" cy="0"/>
+          <a:chOff x="0" y="0"/>
+          <a:chExt cx="0" cy="0"/>
+        </a:xfrm>
+      </p:grpSpPr>
+      <p:sp>
+        <p:nvSpPr>
+          <p:cNvPr id="81" name="Google Shape;81;g100adce3cd7_0_50:notes"/>
+          <p:cNvSpPr>
+            <a:spLocks noGrp="1" noRot="1" noChangeAspect="1"/>
+          </p:cNvSpPr>
+          <p:nvPr>
+            <p:ph type="sldImg" idx="2"/>
+          </p:nvPr>
+        </p:nvSpPr>
+        <p:spPr>
+          <a:xfrm>
+            <a:off x="381000" y="685800"/>
+            <a:ext cx="6096000" cy="3429000"/>
+          </a:xfrm>
+          <a:custGeom>
+            <a:avLst/>
+            <a:gdLst/>
+            <a:ahLst/>
+            <a:cxnLst/>
+            <a:rect l="l" t="t" r="r" b="b"/>
+            <a:pathLst>
+              <a:path w="120000" h="120000" extrusionOk="0">
+                <a:moveTo>
+                  <a:pt x="0" y="0"/>
+                </a:moveTo>
+                <a:lnTo>
+                  <a:pt x="120000" y="0"/>
+                </a:lnTo>
+                <a:lnTo>
+                  <a:pt x="120000" y="120000"/>
+                </a:lnTo>
+                <a:lnTo>
+                  <a:pt x="0" y="120000"/>
+                </a:lnTo>
+                <a:close/>
+              </a:path>
+            </a:pathLst>
+          </a:custGeom>
+        </p:spPr>
+      </p:sp>
+      <p:sp>
+        <p:nvSpPr>
+          <p:cNvPr id="82" name="Google Shape;82;g100adce3cd7_0_50:notes"/>
+          <p:cNvSpPr txBox="1">
+            <a:spLocks noGrp="1"/>
+          </p:cNvSpPr>
+          <p:nvPr>
+            <p:ph type="body" idx="1"/>
+          </p:nvPr>
+        </p:nvSpPr>
+        <p:spPr>
+          <a:xfrm>
+            <a:off x="685800" y="4343400"/>
+            <a:ext cx="5486400" cy="4114800"/>
+          </a:xfrm>
+          <a:prstGeom prst="rect">
+            <a:avLst/>
+          </a:prstGeom>
+        </p:spPr>
+        <p:txBody>
+          <a:bodyPr spcFirstLastPara="1" wrap="square" lIns="91425" tIns="91425" rIns="91425" bIns="91425" anchor="t" anchorCtr="0">
+            <a:noAutofit/>
+          </a:bodyPr>
+          <a:lstStyle/>
+          <a:p>
+            <a:pPr marL="0" lvl="0" indent="0" algn="l" rtl="0">
+              <a:spcBef>
+                <a:spcPts val="0"/>
+              </a:spcBef>
+              <a:spcAft>
+                <a:spcPts val="0"/>
+              </a:spcAft>
+              <a:buNone/>
+            </a:pPr>
+            <a:endParaRPr/>
+          </a:p>
+        </p:txBody>
+      </p:sp>
+    </p:spTree>
+    <p:extLst>
+      <p:ext uri="{BB962C8B-B14F-4D97-AF65-F5344CB8AC3E}">
+        <p14:creationId xmlns:p14="http://schemas.microsoft.com/office/powerpoint/2010/main" val="3733318764"/>
+      </p:ext>
+    </p:extLst>
   </p:cSld>
   <p:clrMapOvr>
     <a:masterClrMapping/>
@@ -6403,6 +6843,1257 @@
 </p:sld>
 </file>
 
+<file path=ppt/slides/slide10.xml><?xml version="1.0" encoding="utf-8"?>
+<p:sld xmlns:a="http://schemas.openxmlformats.org/drawingml/2006/main" xmlns:r="http://schemas.openxmlformats.org/officeDocument/2006/relationships" xmlns:p="http://schemas.openxmlformats.org/presentationml/2006/main">
+  <p:cSld>
+    <p:spTree>
+      <p:nvGrpSpPr>
+        <p:cNvPr id="1" name="Shape 83"/>
+        <p:cNvGrpSpPr/>
+        <p:nvPr/>
+      </p:nvGrpSpPr>
+      <p:grpSpPr>
+        <a:xfrm>
+          <a:off x="0" y="0"/>
+          <a:ext cx="0" cy="0"/>
+          <a:chOff x="0" y="0"/>
+          <a:chExt cx="0" cy="0"/>
+        </a:xfrm>
+      </p:grpSpPr>
+      <p:sp>
+        <p:nvSpPr>
+          <p:cNvPr id="84" name="Google Shape;84;p18"/>
+          <p:cNvSpPr txBox="1">
+            <a:spLocks noGrp="1"/>
+          </p:cNvSpPr>
+          <p:nvPr>
+            <p:ph type="title"/>
+          </p:nvPr>
+        </p:nvSpPr>
+        <p:spPr>
+          <a:xfrm>
+            <a:off x="311700" y="445025"/>
+            <a:ext cx="8520600" cy="572700"/>
+          </a:xfrm>
+          <a:prstGeom prst="rect">
+            <a:avLst/>
+          </a:prstGeom>
+        </p:spPr>
+        <p:txBody>
+          <a:bodyPr spcFirstLastPara="1" wrap="square" lIns="91425" tIns="91425" rIns="91425" bIns="91425" anchor="t" anchorCtr="0">
+            <a:noAutofit/>
+          </a:bodyPr>
+          <a:lstStyle/>
+          <a:p>
+            <a:r>
+              <a:rPr lang="en-GB" dirty="0"/>
+              <a:t>API usage </a:t>
+            </a:r>
+            <a:r>
+              <a:rPr lang="en-US" b="1" dirty="0" err="1"/>
+              <a:t>RequestRouter</a:t>
+            </a:r>
+            <a:br>
+              <a:rPr lang="en-US" b="1" dirty="0"/>
+            </a:br>
+            <a:endParaRPr dirty="0"/>
+          </a:p>
+        </p:txBody>
+      </p:sp>
+      <p:sp>
+        <p:nvSpPr>
+          <p:cNvPr id="86" name="Google Shape;86;p18"/>
+          <p:cNvSpPr txBox="1">
+            <a:spLocks noGrp="1"/>
+          </p:cNvSpPr>
+          <p:nvPr>
+            <p:ph type="body" idx="1"/>
+          </p:nvPr>
+        </p:nvSpPr>
+        <p:spPr>
+          <a:xfrm>
+            <a:off x="311700" y="1152475"/>
+            <a:ext cx="3000300" cy="3416400"/>
+          </a:xfrm>
+          <a:prstGeom prst="rect">
+            <a:avLst/>
+          </a:prstGeom>
+        </p:spPr>
+        <p:txBody>
+          <a:bodyPr spcFirstLastPara="1" wrap="square" lIns="91425" tIns="91425" rIns="91425" bIns="91425" anchor="t" anchorCtr="0">
+            <a:noAutofit/>
+          </a:bodyPr>
+          <a:lstStyle/>
+          <a:p>
+            <a:pPr marL="0" lvl="0" indent="0" algn="l" rtl="0">
+              <a:spcBef>
+                <a:spcPts val="0"/>
+              </a:spcBef>
+              <a:spcAft>
+                <a:spcPts val="0"/>
+              </a:spcAft>
+              <a:buNone/>
+            </a:pPr>
+            <a:r>
+              <a:rPr lang="en-GB" dirty="0">
+                <a:solidFill>
+                  <a:srgbClr val="FF0000"/>
+                </a:solidFill>
+              </a:rPr>
+              <a:t>Fragment of a scenario - step before, step when invoked, a step after</a:t>
+            </a:r>
+            <a:endParaRPr dirty="0">
+              <a:solidFill>
+                <a:srgbClr val="FF0000"/>
+              </a:solidFill>
+            </a:endParaRPr>
+          </a:p>
+          <a:p>
+            <a:pPr marL="0" lvl="0" indent="0" algn="l" rtl="0">
+              <a:spcBef>
+                <a:spcPts val="1200"/>
+              </a:spcBef>
+              <a:spcAft>
+                <a:spcPts val="0"/>
+              </a:spcAft>
+              <a:buNone/>
+            </a:pPr>
+            <a:r>
+              <a:rPr lang="en-GB" dirty="0">
+                <a:solidFill>
+                  <a:srgbClr val="FF0000"/>
+                </a:solidFill>
+              </a:rPr>
+              <a:t>Or user story</a:t>
+            </a:r>
+            <a:endParaRPr dirty="0">
+              <a:solidFill>
+                <a:srgbClr val="FF0000"/>
+              </a:solidFill>
+            </a:endParaRPr>
+          </a:p>
+          <a:p>
+            <a:pPr marL="0" lvl="0" indent="0" algn="l" rtl="0">
+              <a:spcBef>
+                <a:spcPts val="1200"/>
+              </a:spcBef>
+              <a:spcAft>
+                <a:spcPts val="0"/>
+              </a:spcAft>
+              <a:buNone/>
+            </a:pPr>
+            <a:r>
+              <a:rPr lang="en-GB" dirty="0">
+                <a:solidFill>
+                  <a:srgbClr val="FF0000"/>
+                </a:solidFill>
+              </a:rPr>
+              <a:t>Or event flow fragment</a:t>
+            </a:r>
+            <a:endParaRPr dirty="0">
+              <a:solidFill>
+                <a:srgbClr val="FF0000"/>
+              </a:solidFill>
+            </a:endParaRPr>
+          </a:p>
+          <a:p>
+            <a:pPr marL="0" lvl="0" indent="0" algn="l" rtl="0">
+              <a:spcBef>
+                <a:spcPts val="1200"/>
+              </a:spcBef>
+              <a:spcAft>
+                <a:spcPts val="0"/>
+              </a:spcAft>
+              <a:buNone/>
+            </a:pPr>
+            <a:r>
+              <a:rPr lang="en-GB" dirty="0">
+                <a:solidFill>
+                  <a:srgbClr val="FF0000"/>
+                </a:solidFill>
+              </a:rPr>
+              <a:t>Show all (most) places where the service is used</a:t>
+            </a:r>
+            <a:endParaRPr dirty="0">
+              <a:solidFill>
+                <a:srgbClr val="FF0000"/>
+              </a:solidFill>
+            </a:endParaRPr>
+          </a:p>
+          <a:p>
+            <a:pPr marL="0" lvl="0" indent="0" algn="l" rtl="0">
+              <a:spcBef>
+                <a:spcPts val="1200"/>
+              </a:spcBef>
+              <a:spcAft>
+                <a:spcPts val="1200"/>
+              </a:spcAft>
+              <a:buNone/>
+            </a:pPr>
+            <a:endParaRPr dirty="0"/>
+          </a:p>
+        </p:txBody>
+      </p:sp>
+      <p:pic>
+        <p:nvPicPr>
+          <p:cNvPr id="5" name="Picture 4">
+            <a:extLst>
+              <a:ext uri="{FF2B5EF4-FFF2-40B4-BE49-F238E27FC236}">
+                <a16:creationId xmlns:a16="http://schemas.microsoft.com/office/drawing/2014/main" id="{F27EAB64-52E9-4F07-B4D9-407AD54431C9}"/>
+              </a:ext>
+            </a:extLst>
+          </p:cNvPr>
+          <p:cNvPicPr>
+            <a:picLocks noChangeAspect="1"/>
+          </p:cNvPicPr>
+          <p:nvPr/>
+        </p:nvPicPr>
+        <p:blipFill>
+          <a:blip r:embed="rId3"/>
+          <a:srcRect/>
+          <a:stretch/>
+        </p:blipFill>
+        <p:spPr>
+          <a:xfrm>
+            <a:off x="3684063" y="1017725"/>
+            <a:ext cx="5090714" cy="3451009"/>
+          </a:xfrm>
+          <a:prstGeom prst="rect">
+            <a:avLst/>
+          </a:prstGeom>
+        </p:spPr>
+      </p:pic>
+    </p:spTree>
+    <p:extLst>
+      <p:ext uri="{BB962C8B-B14F-4D97-AF65-F5344CB8AC3E}">
+        <p14:creationId xmlns:p14="http://schemas.microsoft.com/office/powerpoint/2010/main" val="1911688575"/>
+      </p:ext>
+    </p:extLst>
+  </p:cSld>
+  <p:clrMapOvr>
+    <a:masterClrMapping/>
+  </p:clrMapOvr>
+</p:sld>
+</file>
+
+<file path=ppt/slides/slide11.xml><?xml version="1.0" encoding="utf-8"?>
+<p:sld xmlns:a="http://schemas.openxmlformats.org/drawingml/2006/main" xmlns:r="http://schemas.openxmlformats.org/officeDocument/2006/relationships" xmlns:p="http://schemas.openxmlformats.org/presentationml/2006/main">
+  <p:cSld>
+    <p:spTree>
+      <p:nvGrpSpPr>
+        <p:cNvPr id="1" name="Shape 90"/>
+        <p:cNvGrpSpPr/>
+        <p:nvPr/>
+      </p:nvGrpSpPr>
+      <p:grpSpPr>
+        <a:xfrm>
+          <a:off x="0" y="0"/>
+          <a:ext cx="0" cy="0"/>
+          <a:chOff x="0" y="0"/>
+          <a:chExt cx="0" cy="0"/>
+        </a:xfrm>
+      </p:grpSpPr>
+      <p:sp>
+        <p:nvSpPr>
+          <p:cNvPr id="91" name="Google Shape;91;p19"/>
+          <p:cNvSpPr txBox="1">
+            <a:spLocks noGrp="1"/>
+          </p:cNvSpPr>
+          <p:nvPr>
+            <p:ph type="title"/>
+          </p:nvPr>
+        </p:nvSpPr>
+        <p:spPr>
+          <a:xfrm>
+            <a:off x="311700" y="445025"/>
+            <a:ext cx="8520600" cy="572700"/>
+          </a:xfrm>
+          <a:prstGeom prst="rect">
+            <a:avLst/>
+          </a:prstGeom>
+        </p:spPr>
+        <p:txBody>
+          <a:bodyPr spcFirstLastPara="1" wrap="square" lIns="91425" tIns="91425" rIns="91425" bIns="91425" anchor="t" anchorCtr="0">
+            <a:noAutofit/>
+          </a:bodyPr>
+          <a:lstStyle/>
+          <a:p>
+            <a:pPr marL="0" lvl="0" indent="0" algn="l" rtl="0">
+              <a:spcBef>
+                <a:spcPts val="0"/>
+              </a:spcBef>
+              <a:spcAft>
+                <a:spcPts val="0"/>
+              </a:spcAft>
+              <a:buNone/>
+            </a:pPr>
+            <a:r>
+              <a:rPr lang="en-GB" dirty="0">
+                <a:solidFill>
+                  <a:srgbClr val="FF0000"/>
+                </a:solidFill>
+              </a:rPr>
+              <a:t>Solution stack (prepare)</a:t>
+            </a:r>
+            <a:endParaRPr dirty="0">
+              <a:solidFill>
+                <a:srgbClr val="FF0000"/>
+              </a:solidFill>
+            </a:endParaRPr>
+          </a:p>
+        </p:txBody>
+      </p:sp>
+      <p:sp>
+        <p:nvSpPr>
+          <p:cNvPr id="92" name="Google Shape;92;p19"/>
+          <p:cNvSpPr txBox="1">
+            <a:spLocks noGrp="1"/>
+          </p:cNvSpPr>
+          <p:nvPr>
+            <p:ph type="body" idx="1"/>
+          </p:nvPr>
+        </p:nvSpPr>
+        <p:spPr>
+          <a:xfrm>
+            <a:off x="311700" y="1152475"/>
+            <a:ext cx="8520600" cy="626100"/>
+          </a:xfrm>
+          <a:prstGeom prst="rect">
+            <a:avLst/>
+          </a:prstGeom>
+        </p:spPr>
+        <p:txBody>
+          <a:bodyPr spcFirstLastPara="1" wrap="square" lIns="91425" tIns="91425" rIns="91425" bIns="91425" anchor="t" anchorCtr="0">
+            <a:noAutofit/>
+          </a:bodyPr>
+          <a:lstStyle/>
+          <a:p>
+            <a:pPr marL="0" lvl="0" indent="0" algn="l" rtl="0">
+              <a:spcBef>
+                <a:spcPts val="0"/>
+              </a:spcBef>
+              <a:spcAft>
+                <a:spcPts val="0"/>
+              </a:spcAft>
+              <a:buClr>
+                <a:schemeClr val="dk1"/>
+              </a:buClr>
+              <a:buSzPts val="1100"/>
+              <a:buFont typeface="Arial"/>
+              <a:buNone/>
+            </a:pPr>
+            <a:r>
+              <a:rPr lang="en-GB" sz="1400"/>
+              <a:t>Find an example implementation of a microservices application in the programming language chosen. Specify one value for each option below</a:t>
+            </a:r>
+            <a:endParaRPr sz="1400"/>
+          </a:p>
+          <a:p>
+            <a:pPr marL="0" lvl="0" indent="0" algn="l" rtl="0">
+              <a:spcBef>
+                <a:spcPts val="1200"/>
+              </a:spcBef>
+              <a:spcAft>
+                <a:spcPts val="1200"/>
+              </a:spcAft>
+              <a:buNone/>
+            </a:pPr>
+            <a:endParaRPr sz="1400"/>
+          </a:p>
+        </p:txBody>
+      </p:sp>
+      <p:sp>
+        <p:nvSpPr>
+          <p:cNvPr id="93" name="Google Shape;93;p19"/>
+          <p:cNvSpPr txBox="1"/>
+          <p:nvPr/>
+        </p:nvSpPr>
+        <p:spPr>
+          <a:xfrm>
+            <a:off x="228600" y="1824025"/>
+            <a:ext cx="5034000" cy="3319500"/>
+          </a:xfrm>
+          <a:prstGeom prst="rect">
+            <a:avLst/>
+          </a:prstGeom>
+          <a:noFill/>
+          <a:ln>
+            <a:noFill/>
+          </a:ln>
+        </p:spPr>
+        <p:txBody>
+          <a:bodyPr spcFirstLastPara="1" wrap="square" lIns="91425" tIns="91425" rIns="91425" bIns="91425" anchor="t" anchorCtr="0">
+            <a:noAutofit/>
+          </a:bodyPr>
+          <a:lstStyle/>
+          <a:p>
+            <a:pPr marL="0" lvl="0" indent="0" algn="l" rtl="0">
+              <a:lnSpc>
+                <a:spcPct val="115000"/>
+              </a:lnSpc>
+              <a:spcBef>
+                <a:spcPts val="0"/>
+              </a:spcBef>
+              <a:spcAft>
+                <a:spcPts val="0"/>
+              </a:spcAft>
+              <a:buNone/>
+            </a:pPr>
+            <a:r>
+              <a:rPr lang="en-GB" b="1" dirty="0">
+                <a:solidFill>
+                  <a:schemeClr val="dk2"/>
+                </a:solidFill>
+              </a:rPr>
+              <a:t>Implementation</a:t>
+            </a:r>
+            <a:endParaRPr b="1" dirty="0">
+              <a:solidFill>
+                <a:schemeClr val="dk2"/>
+              </a:solidFill>
+            </a:endParaRPr>
+          </a:p>
+          <a:p>
+            <a:pPr marL="457200" lvl="0" indent="-317500" algn="l" rtl="0">
+              <a:lnSpc>
+                <a:spcPct val="115000"/>
+              </a:lnSpc>
+              <a:spcBef>
+                <a:spcPts val="1200"/>
+              </a:spcBef>
+              <a:spcAft>
+                <a:spcPts val="0"/>
+              </a:spcAft>
+              <a:buClr>
+                <a:schemeClr val="dk2"/>
+              </a:buClr>
+              <a:buSzPts val="1400"/>
+              <a:buChar char="-"/>
+            </a:pPr>
+            <a:r>
+              <a:rPr lang="en-GB" dirty="0">
+                <a:solidFill>
+                  <a:schemeClr val="dk2"/>
+                </a:solidFill>
+              </a:rPr>
+              <a:t>API definition (e.g. </a:t>
+            </a:r>
+            <a:r>
+              <a:rPr lang="en-GB" dirty="0" err="1">
+                <a:solidFill>
+                  <a:schemeClr val="dk2"/>
+                </a:solidFill>
+              </a:rPr>
+              <a:t>OpenAPI</a:t>
+            </a:r>
+            <a:r>
+              <a:rPr lang="en-GB" dirty="0">
+                <a:solidFill>
+                  <a:schemeClr val="dk2"/>
+                </a:solidFill>
+              </a:rPr>
+              <a:t>, </a:t>
+            </a:r>
+            <a:r>
+              <a:rPr lang="en-GB" dirty="0" err="1">
+                <a:solidFill>
+                  <a:schemeClr val="dk2"/>
+                </a:solidFill>
+              </a:rPr>
+              <a:t>jax-rs</a:t>
+            </a:r>
+            <a:r>
+              <a:rPr lang="en-GB" dirty="0">
+                <a:solidFill>
+                  <a:schemeClr val="dk2"/>
+                </a:solidFill>
+              </a:rPr>
+              <a:t>, </a:t>
+            </a:r>
+            <a:r>
+              <a:rPr lang="en-GB" dirty="0" err="1">
+                <a:solidFill>
+                  <a:schemeClr val="dk2"/>
+                </a:solidFill>
+              </a:rPr>
+              <a:t>gRPC</a:t>
+            </a:r>
+            <a:r>
+              <a:rPr lang="en-GB" dirty="0">
+                <a:solidFill>
+                  <a:schemeClr val="dk2"/>
+                </a:solidFill>
+              </a:rPr>
+              <a:t>, pact?)</a:t>
+            </a:r>
+            <a:endParaRPr dirty="0">
+              <a:solidFill>
+                <a:schemeClr val="dk2"/>
+              </a:solidFill>
+            </a:endParaRPr>
+          </a:p>
+          <a:p>
+            <a:pPr marL="457200" lvl="0" indent="-317500" algn="l" rtl="0">
+              <a:lnSpc>
+                <a:spcPct val="115000"/>
+              </a:lnSpc>
+              <a:spcBef>
+                <a:spcPts val="0"/>
+              </a:spcBef>
+              <a:spcAft>
+                <a:spcPts val="0"/>
+              </a:spcAft>
+              <a:buClr>
+                <a:schemeClr val="dk2"/>
+              </a:buClr>
+              <a:buSzPts val="1400"/>
+              <a:buChar char="-"/>
+            </a:pPr>
+            <a:r>
+              <a:rPr lang="en-GB" dirty="0">
+                <a:solidFill>
+                  <a:schemeClr val="dk2"/>
+                </a:solidFill>
+              </a:rPr>
+              <a:t>Connection server for API (e.g. python </a:t>
+            </a:r>
+            <a:r>
+              <a:rPr lang="en-GB" dirty="0" err="1">
+                <a:solidFill>
+                  <a:schemeClr val="dk2"/>
+                </a:solidFill>
+              </a:rPr>
+              <a:t>gunicorn</a:t>
+            </a:r>
+            <a:r>
+              <a:rPr lang="en-GB" dirty="0">
+                <a:solidFill>
+                  <a:schemeClr val="dk2"/>
+                </a:solidFill>
+              </a:rPr>
+              <a:t>, java servlets, spring boot/cloud, glassfish...)</a:t>
+            </a:r>
+            <a:endParaRPr dirty="0">
+              <a:solidFill>
+                <a:schemeClr val="dk2"/>
+              </a:solidFill>
+            </a:endParaRPr>
+          </a:p>
+          <a:p>
+            <a:pPr marL="457200" lvl="0" indent="-317500" algn="l" rtl="0">
+              <a:lnSpc>
+                <a:spcPct val="115000"/>
+              </a:lnSpc>
+              <a:spcBef>
+                <a:spcPts val="0"/>
+              </a:spcBef>
+              <a:spcAft>
+                <a:spcPts val="0"/>
+              </a:spcAft>
+              <a:buClr>
+                <a:schemeClr val="dk2"/>
+              </a:buClr>
+              <a:buSzPts val="1400"/>
+              <a:buChar char="-"/>
+            </a:pPr>
+            <a:r>
+              <a:rPr lang="en-GB" dirty="0">
+                <a:solidFill>
+                  <a:schemeClr val="dk2"/>
+                </a:solidFill>
+              </a:rPr>
+              <a:t>App framework (e.g. python flask/</a:t>
+            </a:r>
+            <a:r>
+              <a:rPr lang="en-GB" dirty="0" err="1">
+                <a:solidFill>
+                  <a:schemeClr val="dk2"/>
+                </a:solidFill>
+              </a:rPr>
+              <a:t>django</a:t>
+            </a:r>
+            <a:r>
+              <a:rPr lang="en-GB" dirty="0">
+                <a:solidFill>
+                  <a:schemeClr val="dk2"/>
+                </a:solidFill>
+              </a:rPr>
+              <a:t>, node.js, spring framework, </a:t>
+            </a:r>
+            <a:r>
+              <a:rPr lang="en-GB" dirty="0" err="1">
+                <a:solidFill>
+                  <a:schemeClr val="dk2"/>
+                </a:solidFill>
+              </a:rPr>
+              <a:t>jakarta</a:t>
+            </a:r>
+            <a:r>
+              <a:rPr lang="en-GB" dirty="0">
+                <a:solidFill>
+                  <a:schemeClr val="dk2"/>
+                </a:solidFill>
+              </a:rPr>
+              <a:t>?…)</a:t>
+            </a:r>
+            <a:endParaRPr dirty="0">
+              <a:solidFill>
+                <a:schemeClr val="dk2"/>
+              </a:solidFill>
+            </a:endParaRPr>
+          </a:p>
+          <a:p>
+            <a:pPr marL="457200" lvl="0" indent="-317500" algn="l" rtl="0">
+              <a:lnSpc>
+                <a:spcPct val="115000"/>
+              </a:lnSpc>
+              <a:spcBef>
+                <a:spcPts val="0"/>
+              </a:spcBef>
+              <a:spcAft>
+                <a:spcPts val="0"/>
+              </a:spcAft>
+              <a:buClr>
+                <a:schemeClr val="dk2"/>
+              </a:buClr>
+              <a:buSzPts val="1400"/>
+              <a:buChar char="-"/>
+            </a:pPr>
+            <a:r>
+              <a:rPr lang="en-GB" dirty="0">
+                <a:solidFill>
+                  <a:schemeClr val="dk2"/>
+                </a:solidFill>
+              </a:rPr>
+              <a:t>Serialization/state format (json, xml, </a:t>
+            </a:r>
+            <a:r>
+              <a:rPr lang="en-GB" dirty="0" err="1">
+                <a:solidFill>
+                  <a:schemeClr val="dk2"/>
+                </a:solidFill>
+              </a:rPr>
+              <a:t>protobuf</a:t>
+            </a:r>
+            <a:r>
+              <a:rPr lang="en-GB" dirty="0">
+                <a:solidFill>
+                  <a:schemeClr val="dk2"/>
+                </a:solidFill>
+              </a:rPr>
+              <a:t>…)</a:t>
+            </a:r>
+            <a:endParaRPr dirty="0">
+              <a:solidFill>
+                <a:schemeClr val="dk2"/>
+              </a:solidFill>
+            </a:endParaRPr>
+          </a:p>
+          <a:p>
+            <a:pPr marL="0" lvl="0" indent="0" algn="l" rtl="0">
+              <a:lnSpc>
+                <a:spcPct val="115000"/>
+              </a:lnSpc>
+              <a:spcBef>
+                <a:spcPts val="1200"/>
+              </a:spcBef>
+              <a:spcAft>
+                <a:spcPts val="0"/>
+              </a:spcAft>
+              <a:buNone/>
+            </a:pPr>
+            <a:r>
+              <a:rPr lang="en-GB" b="1" dirty="0">
+                <a:solidFill>
+                  <a:schemeClr val="dk2"/>
+                </a:solidFill>
+              </a:rPr>
+              <a:t>Asynchronous interactions (optional)</a:t>
+            </a:r>
+            <a:endParaRPr b="1" dirty="0">
+              <a:solidFill>
+                <a:schemeClr val="dk2"/>
+              </a:solidFill>
+            </a:endParaRPr>
+          </a:p>
+          <a:p>
+            <a:pPr marL="457200" lvl="0" indent="-317500" algn="l" rtl="0">
+              <a:lnSpc>
+                <a:spcPct val="115000"/>
+              </a:lnSpc>
+              <a:spcBef>
+                <a:spcPts val="1200"/>
+              </a:spcBef>
+              <a:spcAft>
+                <a:spcPts val="0"/>
+              </a:spcAft>
+              <a:buClr>
+                <a:schemeClr val="dk2"/>
+              </a:buClr>
+              <a:buSzPts val="1400"/>
+              <a:buChar char="-"/>
+            </a:pPr>
+            <a:r>
+              <a:rPr lang="en-GB" dirty="0">
+                <a:solidFill>
+                  <a:schemeClr val="dk2"/>
+                </a:solidFill>
+              </a:rPr>
+              <a:t>Message queue (e.g. </a:t>
+            </a:r>
+            <a:r>
+              <a:rPr lang="en-GB" dirty="0" err="1">
+                <a:solidFill>
+                  <a:schemeClr val="dk2"/>
+                </a:solidFill>
+              </a:rPr>
+              <a:t>rabbitmq</a:t>
+            </a:r>
+            <a:r>
+              <a:rPr lang="en-GB" dirty="0">
+                <a:solidFill>
+                  <a:schemeClr val="dk2"/>
+                </a:solidFill>
+              </a:rPr>
+              <a:t>, </a:t>
+            </a:r>
+            <a:r>
+              <a:rPr lang="en-GB" dirty="0" err="1">
+                <a:solidFill>
+                  <a:schemeClr val="dk2"/>
+                </a:solidFill>
+              </a:rPr>
+              <a:t>kafka</a:t>
+            </a:r>
+            <a:r>
+              <a:rPr lang="en-GB" dirty="0">
+                <a:solidFill>
+                  <a:schemeClr val="dk2"/>
+                </a:solidFill>
+              </a:rPr>
+              <a:t>, </a:t>
+            </a:r>
+            <a:r>
+              <a:rPr lang="en-GB" dirty="0" err="1">
+                <a:solidFill>
+                  <a:schemeClr val="dk2"/>
+                </a:solidFill>
+              </a:rPr>
+              <a:t>redis</a:t>
+            </a:r>
+            <a:r>
+              <a:rPr lang="en-GB" dirty="0">
+                <a:solidFill>
+                  <a:schemeClr val="dk2"/>
+                </a:solidFill>
+              </a:rPr>
+              <a:t> streams…)</a:t>
+            </a:r>
+            <a:endParaRPr dirty="0">
+              <a:solidFill>
+                <a:schemeClr val="dk2"/>
+              </a:solidFill>
+            </a:endParaRPr>
+          </a:p>
+          <a:p>
+            <a:pPr marL="457200" lvl="0" indent="-317500" algn="l" rtl="0">
+              <a:lnSpc>
+                <a:spcPct val="115000"/>
+              </a:lnSpc>
+              <a:spcBef>
+                <a:spcPts val="0"/>
+              </a:spcBef>
+              <a:spcAft>
+                <a:spcPts val="0"/>
+              </a:spcAft>
+              <a:buClr>
+                <a:schemeClr val="dk2"/>
+              </a:buClr>
+              <a:buSzPts val="1400"/>
+              <a:buChar char="-"/>
+            </a:pPr>
+            <a:r>
+              <a:rPr lang="en-GB" dirty="0">
+                <a:solidFill>
+                  <a:schemeClr val="dk2"/>
+                </a:solidFill>
+              </a:rPr>
+              <a:t>Messaging client library (e.g. celery, spring stream …)</a:t>
+            </a:r>
+            <a:endParaRPr dirty="0"/>
+          </a:p>
+        </p:txBody>
+      </p:sp>
+      <p:sp>
+        <p:nvSpPr>
+          <p:cNvPr id="94" name="Google Shape;94;p19"/>
+          <p:cNvSpPr txBox="1"/>
+          <p:nvPr/>
+        </p:nvSpPr>
+        <p:spPr>
+          <a:xfrm>
+            <a:off x="5256800" y="1824025"/>
+            <a:ext cx="3674400" cy="3000000"/>
+          </a:xfrm>
+          <a:prstGeom prst="rect">
+            <a:avLst/>
+          </a:prstGeom>
+          <a:noFill/>
+          <a:ln>
+            <a:noFill/>
+          </a:ln>
+        </p:spPr>
+        <p:txBody>
+          <a:bodyPr spcFirstLastPara="1" wrap="square" lIns="91425" tIns="91425" rIns="91425" bIns="91425" anchor="t" anchorCtr="0">
+            <a:noAutofit/>
+          </a:bodyPr>
+          <a:lstStyle/>
+          <a:p>
+            <a:pPr marL="0" lvl="0" indent="0" algn="l" rtl="0">
+              <a:lnSpc>
+                <a:spcPct val="115000"/>
+              </a:lnSpc>
+              <a:spcBef>
+                <a:spcPts val="0"/>
+              </a:spcBef>
+              <a:spcAft>
+                <a:spcPts val="0"/>
+              </a:spcAft>
+              <a:buNone/>
+            </a:pPr>
+            <a:r>
+              <a:rPr lang="en-GB" b="1">
+                <a:solidFill>
+                  <a:schemeClr val="dk2"/>
+                </a:solidFill>
+              </a:rPr>
+              <a:t>Testing tools</a:t>
+            </a:r>
+            <a:r>
+              <a:rPr lang="en-GB">
+                <a:solidFill>
+                  <a:schemeClr val="dk2"/>
+                </a:solidFill>
+              </a:rPr>
+              <a:t> (e.g. pytest, junit, mockito, arquillian …)</a:t>
+            </a:r>
+            <a:endParaRPr>
+              <a:solidFill>
+                <a:schemeClr val="dk2"/>
+              </a:solidFill>
+            </a:endParaRPr>
+          </a:p>
+          <a:p>
+            <a:pPr marL="0" lvl="0" indent="0" algn="l" rtl="0">
+              <a:lnSpc>
+                <a:spcPct val="115000"/>
+              </a:lnSpc>
+              <a:spcBef>
+                <a:spcPts val="1200"/>
+              </a:spcBef>
+              <a:spcAft>
+                <a:spcPts val="0"/>
+              </a:spcAft>
+              <a:buNone/>
+            </a:pPr>
+            <a:r>
+              <a:rPr lang="en-GB" b="1">
+                <a:solidFill>
+                  <a:schemeClr val="dk2"/>
+                </a:solidFill>
+              </a:rPr>
+              <a:t>Operations</a:t>
+            </a:r>
+            <a:endParaRPr b="1">
+              <a:solidFill>
+                <a:schemeClr val="dk2"/>
+              </a:solidFill>
+            </a:endParaRPr>
+          </a:p>
+          <a:p>
+            <a:pPr marL="457200" lvl="0" indent="-317500" algn="l" rtl="0">
+              <a:lnSpc>
+                <a:spcPct val="115000"/>
+              </a:lnSpc>
+              <a:spcBef>
+                <a:spcPts val="1200"/>
+              </a:spcBef>
+              <a:spcAft>
+                <a:spcPts val="0"/>
+              </a:spcAft>
+              <a:buClr>
+                <a:schemeClr val="dk2"/>
+              </a:buClr>
+              <a:buSzPts val="1400"/>
+              <a:buChar char="-"/>
+            </a:pPr>
+            <a:r>
+              <a:rPr lang="en-GB">
+                <a:solidFill>
+                  <a:schemeClr val="dk2"/>
+                </a:solidFill>
+              </a:rPr>
+              <a:t>App initializer (e.g. Spring Initializr)</a:t>
+            </a:r>
+            <a:endParaRPr>
+              <a:solidFill>
+                <a:schemeClr val="dk2"/>
+              </a:solidFill>
+            </a:endParaRPr>
+          </a:p>
+          <a:p>
+            <a:pPr marL="457200" lvl="0" indent="-317500" algn="l" rtl="0">
+              <a:lnSpc>
+                <a:spcPct val="115000"/>
+              </a:lnSpc>
+              <a:spcBef>
+                <a:spcPts val="0"/>
+              </a:spcBef>
+              <a:spcAft>
+                <a:spcPts val="0"/>
+              </a:spcAft>
+              <a:buClr>
+                <a:schemeClr val="dk2"/>
+              </a:buClr>
+              <a:buSzPts val="1400"/>
+              <a:buChar char="-"/>
+            </a:pPr>
+            <a:r>
+              <a:rPr lang="en-GB">
+                <a:solidFill>
+                  <a:schemeClr val="dk2"/>
+                </a:solidFill>
+              </a:rPr>
+              <a:t>Code build (e.g. maven, makefile)</a:t>
+            </a:r>
+            <a:endParaRPr>
+              <a:solidFill>
+                <a:schemeClr val="dk2"/>
+              </a:solidFill>
+            </a:endParaRPr>
+          </a:p>
+          <a:p>
+            <a:pPr marL="457200" lvl="0" indent="-317500" algn="l" rtl="0">
+              <a:lnSpc>
+                <a:spcPct val="115000"/>
+              </a:lnSpc>
+              <a:spcBef>
+                <a:spcPts val="0"/>
+              </a:spcBef>
+              <a:spcAft>
+                <a:spcPts val="0"/>
+              </a:spcAft>
+              <a:buClr>
+                <a:schemeClr val="dk2"/>
+              </a:buClr>
+              <a:buSzPts val="1400"/>
+              <a:buChar char="-"/>
+            </a:pPr>
+            <a:r>
+              <a:rPr lang="en-GB">
+                <a:solidFill>
+                  <a:schemeClr val="dk2"/>
+                </a:solidFill>
+              </a:rPr>
+              <a:t>CI/CD pipeline (e.g. jenkins, gitlab..)</a:t>
+            </a:r>
+            <a:endParaRPr>
+              <a:solidFill>
+                <a:schemeClr val="dk2"/>
+              </a:solidFill>
+            </a:endParaRPr>
+          </a:p>
+          <a:p>
+            <a:pPr marL="457200" lvl="0" indent="-317500" algn="l" rtl="0">
+              <a:lnSpc>
+                <a:spcPct val="115000"/>
+              </a:lnSpc>
+              <a:spcBef>
+                <a:spcPts val="0"/>
+              </a:spcBef>
+              <a:spcAft>
+                <a:spcPts val="0"/>
+              </a:spcAft>
+              <a:buClr>
+                <a:schemeClr val="dk2"/>
+              </a:buClr>
+              <a:buSzPts val="1400"/>
+              <a:buChar char="-"/>
+            </a:pPr>
+            <a:r>
+              <a:rPr lang="en-GB">
+                <a:solidFill>
+                  <a:schemeClr val="dk2"/>
+                </a:solidFill>
+              </a:rPr>
+              <a:t>Delivery method (e.g. docker, war/ear, helm)</a:t>
+            </a:r>
+            <a:endParaRPr>
+              <a:solidFill>
+                <a:schemeClr val="dk2"/>
+              </a:solidFill>
+            </a:endParaRPr>
+          </a:p>
+          <a:p>
+            <a:pPr marL="457200" lvl="0" indent="-317500" algn="l" rtl="0">
+              <a:lnSpc>
+                <a:spcPct val="115000"/>
+              </a:lnSpc>
+              <a:spcBef>
+                <a:spcPts val="0"/>
+              </a:spcBef>
+              <a:spcAft>
+                <a:spcPts val="0"/>
+              </a:spcAft>
+              <a:buClr>
+                <a:schemeClr val="dk2"/>
+              </a:buClr>
+              <a:buSzPts val="1400"/>
+              <a:buChar char="-"/>
+            </a:pPr>
+            <a:r>
+              <a:rPr lang="en-GB">
+                <a:solidFill>
+                  <a:schemeClr val="dk2"/>
+                </a:solidFill>
+              </a:rPr>
+              <a:t>Logging &amp; monitoring (logrotate, prometheus, ELK, grafana, …) (optional)</a:t>
+            </a:r>
+            <a:endParaRPr>
+              <a:solidFill>
+                <a:schemeClr val="dk2"/>
+              </a:solidFill>
+            </a:endParaRPr>
+          </a:p>
+        </p:txBody>
+      </p:sp>
+    </p:spTree>
+  </p:cSld>
+  <p:clrMapOvr>
+    <a:masterClrMapping/>
+  </p:clrMapOvr>
+</p:sld>
+</file>
+
+<file path=ppt/slides/slide12.xml><?xml version="1.0" encoding="utf-8"?>
+<p:sld xmlns:a="http://schemas.openxmlformats.org/drawingml/2006/main" xmlns:r="http://schemas.openxmlformats.org/officeDocument/2006/relationships" xmlns:p="http://schemas.openxmlformats.org/presentationml/2006/main">
+  <p:cSld>
+    <p:spTree>
+      <p:nvGrpSpPr>
+        <p:cNvPr id="1" name="Shape 98"/>
+        <p:cNvGrpSpPr/>
+        <p:nvPr/>
+      </p:nvGrpSpPr>
+      <p:grpSpPr>
+        <a:xfrm>
+          <a:off x="0" y="0"/>
+          <a:ext cx="0" cy="0"/>
+          <a:chOff x="0" y="0"/>
+          <a:chExt cx="0" cy="0"/>
+        </a:xfrm>
+      </p:grpSpPr>
+      <p:sp>
+        <p:nvSpPr>
+          <p:cNvPr id="99" name="Google Shape;99;p20"/>
+          <p:cNvSpPr txBox="1">
+            <a:spLocks noGrp="1"/>
+          </p:cNvSpPr>
+          <p:nvPr>
+            <p:ph type="title"/>
+          </p:nvPr>
+        </p:nvSpPr>
+        <p:spPr>
+          <a:xfrm>
+            <a:off x="311700" y="445025"/>
+            <a:ext cx="8520600" cy="572700"/>
+          </a:xfrm>
+          <a:prstGeom prst="rect">
+            <a:avLst/>
+          </a:prstGeom>
+        </p:spPr>
+        <p:txBody>
+          <a:bodyPr spcFirstLastPara="1" wrap="square" lIns="91425" tIns="91425" rIns="91425" bIns="91425" anchor="t" anchorCtr="0">
+            <a:noAutofit/>
+          </a:bodyPr>
+          <a:lstStyle/>
+          <a:p>
+            <a:pPr marL="0" lvl="0" indent="0" algn="l" rtl="0">
+              <a:spcBef>
+                <a:spcPts val="0"/>
+              </a:spcBef>
+              <a:spcAft>
+                <a:spcPts val="0"/>
+              </a:spcAft>
+              <a:buNone/>
+            </a:pPr>
+            <a:r>
+              <a:rPr lang="en-GB"/>
+              <a:t>Some references</a:t>
+            </a:r>
+            <a:endParaRPr/>
+          </a:p>
+        </p:txBody>
+      </p:sp>
+      <p:sp>
+        <p:nvSpPr>
+          <p:cNvPr id="100" name="Google Shape;100;p20"/>
+          <p:cNvSpPr txBox="1">
+            <a:spLocks noGrp="1"/>
+          </p:cNvSpPr>
+          <p:nvPr>
+            <p:ph type="body" idx="1"/>
+          </p:nvPr>
+        </p:nvSpPr>
+        <p:spPr>
+          <a:xfrm>
+            <a:off x="311700" y="1152475"/>
+            <a:ext cx="8520600" cy="3416400"/>
+          </a:xfrm>
+          <a:prstGeom prst="rect">
+            <a:avLst/>
+          </a:prstGeom>
+        </p:spPr>
+        <p:txBody>
+          <a:bodyPr spcFirstLastPara="1" wrap="square" lIns="91425" tIns="91425" rIns="91425" bIns="91425" anchor="t" anchorCtr="0">
+            <a:noAutofit/>
+          </a:bodyPr>
+          <a:lstStyle/>
+          <a:p>
+            <a:pPr marL="0" lvl="0" indent="0" algn="l" rtl="0">
+              <a:spcBef>
+                <a:spcPts val="0"/>
+              </a:spcBef>
+              <a:spcAft>
+                <a:spcPts val="0"/>
+              </a:spcAft>
+              <a:buClr>
+                <a:schemeClr val="dk1"/>
+              </a:buClr>
+              <a:buSzPts val="1100"/>
+              <a:buFont typeface="Arial"/>
+              <a:buNone/>
+            </a:pPr>
+            <a:r>
+              <a:rPr lang="en-GB" u="sng">
+                <a:solidFill>
+                  <a:schemeClr val="accent5"/>
+                </a:solidFill>
+                <a:hlinkClick r:id="rId3">
+                  <a:extLst>
+                    <a:ext uri="{A12FA001-AC4F-418D-AE19-62706E023703}">
+                      <ahyp:hlinkClr xmlns:ahyp="http://schemas.microsoft.com/office/drawing/2018/hyperlinkcolor" val="tx"/>
+                    </a:ext>
+                  </a:extLst>
+                </a:hlinkClick>
+              </a:rPr>
+              <a:t>https://github.com/mfornos/awesome-microservices</a:t>
+            </a:r>
+            <a:r>
+              <a:rPr lang="en-GB"/>
+              <a:t> </a:t>
+            </a:r>
+            <a:endParaRPr/>
+          </a:p>
+          <a:p>
+            <a:pPr marL="0" lvl="0" indent="0" algn="l" rtl="0">
+              <a:spcBef>
+                <a:spcPts val="1200"/>
+              </a:spcBef>
+              <a:spcAft>
+                <a:spcPts val="0"/>
+              </a:spcAft>
+              <a:buClr>
+                <a:schemeClr val="dk1"/>
+              </a:buClr>
+              <a:buSzPts val="1100"/>
+              <a:buFont typeface="Arial"/>
+              <a:buNone/>
+            </a:pPr>
+            <a:r>
+              <a:rPr lang="en-GB" u="sng">
+                <a:solidFill>
+                  <a:schemeClr val="accent5"/>
+                </a:solidFill>
+                <a:hlinkClick r:id="rId4">
+                  <a:extLst>
+                    <a:ext uri="{A12FA001-AC4F-418D-AE19-62706E023703}">
+                      <ahyp:hlinkClr xmlns:ahyp="http://schemas.microsoft.com/office/drawing/2018/hyperlinkcolor" val="tx"/>
+                    </a:ext>
+                  </a:extLst>
+                </a:hlinkClick>
+              </a:rPr>
+              <a:t>https://awesomeopensource.com/projects/microservices-architecture</a:t>
+            </a:r>
+            <a:endParaRPr/>
+          </a:p>
+          <a:p>
+            <a:pPr marL="0" lvl="0" indent="0" algn="l" rtl="0">
+              <a:spcBef>
+                <a:spcPts val="1200"/>
+              </a:spcBef>
+              <a:spcAft>
+                <a:spcPts val="0"/>
+              </a:spcAft>
+              <a:buNone/>
+            </a:pPr>
+            <a:r>
+              <a:rPr lang="en-GB" u="sng">
+                <a:solidFill>
+                  <a:schemeClr val="hlink"/>
+                </a:solidFill>
+                <a:hlinkClick r:id="rId5"/>
+              </a:rPr>
+              <a:t>https://www.redhat.com/en/blog/comparing-openapi-grpc</a:t>
+            </a:r>
+            <a:endParaRPr/>
+          </a:p>
+          <a:p>
+            <a:pPr marL="0" lvl="0" indent="0" algn="l" rtl="0">
+              <a:spcBef>
+                <a:spcPts val="1200"/>
+              </a:spcBef>
+              <a:spcAft>
+                <a:spcPts val="0"/>
+              </a:spcAft>
+              <a:buNone/>
+            </a:pPr>
+            <a:r>
+              <a:rPr lang="en-GB" u="sng">
+                <a:solidFill>
+                  <a:schemeClr val="hlink"/>
+                </a:solidFill>
+                <a:hlinkClick r:id="rId6"/>
+              </a:rPr>
+              <a:t>https://cloud.google.com/apis/design/resources</a:t>
+            </a:r>
+            <a:r>
+              <a:rPr lang="en-GB"/>
+              <a:t> </a:t>
+            </a:r>
+            <a:endParaRPr/>
+          </a:p>
+          <a:p>
+            <a:pPr marL="0" lvl="0" indent="0" algn="l" rtl="0">
+              <a:spcBef>
+                <a:spcPts val="1200"/>
+              </a:spcBef>
+              <a:spcAft>
+                <a:spcPts val="1200"/>
+              </a:spcAft>
+              <a:buNone/>
+            </a:pPr>
+            <a:endParaRPr/>
+          </a:p>
+        </p:txBody>
+      </p:sp>
+    </p:spTree>
+  </p:cSld>
+  <p:clrMapOvr>
+    <a:masterClrMapping/>
+  </p:clrMapOvr>
+</p:sld>
+</file>
+
 <file path=ppt/slides/slide2.xml><?xml version="1.0" encoding="utf-8"?>
 <p:sld xmlns:a="http://schemas.openxmlformats.org/drawingml/2006/main" xmlns:r="http://schemas.openxmlformats.org/officeDocument/2006/relationships" xmlns:p="http://schemas.openxmlformats.org/presentationml/2006/main">
   <p:cSld>
@@ -7119,10 +8810,10 @@
               <a:buNone/>
             </a:pPr>
             <a:r>
-              <a:rPr lang="en-GB"/>
+              <a:rPr lang="en-GB" dirty="0"/>
               <a:t>Open API</a:t>
             </a:r>
-            <a:endParaRPr/>
+            <a:endParaRPr dirty="0"/>
           </a:p>
         </p:txBody>
       </p:sp>
@@ -7138,19 +8829,294 @@
         </p:nvSpPr>
         <p:spPr>
           <a:xfrm>
-            <a:off x="311700" y="1152475"/>
-            <a:ext cx="8520600" cy="3416400"/>
+            <a:off x="3701875" y="1506162"/>
+            <a:ext cx="5752672" cy="3416400"/>
           </a:xfrm>
           <a:prstGeom prst="rect">
             <a:avLst/>
           </a:prstGeom>
         </p:spPr>
         <p:txBody>
-          <a:bodyPr spcFirstLastPara="1" wrap="square" lIns="91425" tIns="91425" rIns="91425" bIns="91425" anchor="t" anchorCtr="0">
+          <a:bodyPr spcFirstLastPara="1" wrap="square" lIns="91425" tIns="91425" rIns="91425" bIns="91425" numCol="2" anchor="t" anchorCtr="0">
             <a:noAutofit/>
           </a:bodyPr>
           <a:lstStyle/>
           <a:p>
+            <a:pPr marL="285750" indent="-285750"/>
+            <a:r>
+              <a:rPr lang="en-US" sz="1500" dirty="0" err="1">
+                <a:solidFill>
+                  <a:schemeClr val="tx1"/>
+                </a:solidFill>
+              </a:rPr>
+              <a:t>LoadBalancerConfig</a:t>
+            </a:r>
+            <a:endParaRPr lang="en-US" sz="1500" dirty="0">
+              <a:solidFill>
+                <a:schemeClr val="tx1"/>
+              </a:solidFill>
+            </a:endParaRPr>
+          </a:p>
+          <a:p>
+            <a:pPr marL="285750" indent="-285750"/>
+            <a:r>
+              <a:rPr lang="en-US" sz="1500" dirty="0" err="1">
+                <a:solidFill>
+                  <a:schemeClr val="tx1"/>
+                </a:solidFill>
+              </a:rPr>
+              <a:t>LoadBalancerResponse</a:t>
+            </a:r>
+            <a:endParaRPr lang="en-US" sz="1500" dirty="0">
+              <a:solidFill>
+                <a:schemeClr val="tx1"/>
+              </a:solidFill>
+            </a:endParaRPr>
+          </a:p>
+          <a:p>
+            <a:pPr marL="285750" indent="-285750"/>
+            <a:r>
+              <a:rPr lang="en-US" sz="1500" dirty="0" err="1">
+                <a:solidFill>
+                  <a:schemeClr val="tx1"/>
+                </a:solidFill>
+              </a:rPr>
+              <a:t>LoadBalancerlnfo</a:t>
+            </a:r>
+            <a:endParaRPr lang="en-US" sz="1500" dirty="0">
+              <a:solidFill>
+                <a:schemeClr val="tx1"/>
+              </a:solidFill>
+            </a:endParaRPr>
+          </a:p>
+          <a:p>
+            <a:pPr marL="285750" indent="-285750"/>
+            <a:r>
+              <a:rPr lang="en-US" sz="1500" dirty="0" err="1">
+                <a:solidFill>
+                  <a:schemeClr val="tx1"/>
+                </a:solidFill>
+              </a:rPr>
+              <a:t>LoadBalancerDetails</a:t>
+            </a:r>
+            <a:endParaRPr lang="en-US" sz="1500" dirty="0">
+              <a:solidFill>
+                <a:schemeClr val="tx1"/>
+              </a:solidFill>
+            </a:endParaRPr>
+          </a:p>
+          <a:p>
+            <a:pPr marL="285750" indent="-285750"/>
+            <a:r>
+              <a:rPr lang="en-US" sz="1500" dirty="0" err="1">
+                <a:solidFill>
+                  <a:schemeClr val="tx1"/>
+                </a:solidFill>
+              </a:rPr>
+              <a:t>DeployRequest</a:t>
+            </a:r>
+            <a:endParaRPr lang="en-US" sz="1500" dirty="0">
+              <a:solidFill>
+                <a:schemeClr val="tx1"/>
+              </a:solidFill>
+            </a:endParaRPr>
+          </a:p>
+          <a:p>
+            <a:pPr marL="285750" indent="-285750"/>
+            <a:r>
+              <a:rPr lang="en-US" sz="1500" dirty="0" err="1">
+                <a:solidFill>
+                  <a:schemeClr val="tx1"/>
+                </a:solidFill>
+              </a:rPr>
+              <a:t>DeployResponse</a:t>
+            </a:r>
+            <a:endParaRPr lang="en-US" sz="1500" dirty="0">
+              <a:solidFill>
+                <a:schemeClr val="tx1"/>
+              </a:solidFill>
+            </a:endParaRPr>
+          </a:p>
+          <a:p>
+            <a:pPr marL="285750" indent="-285750"/>
+            <a:r>
+              <a:rPr lang="en-US" sz="1500" dirty="0" err="1">
+                <a:solidFill>
+                  <a:schemeClr val="tx1"/>
+                </a:solidFill>
+              </a:rPr>
+              <a:t>Senricelnfo</a:t>
+            </a:r>
+            <a:endParaRPr lang="en-US" sz="1500" dirty="0">
+              <a:solidFill>
+                <a:schemeClr val="tx1"/>
+              </a:solidFill>
+            </a:endParaRPr>
+          </a:p>
+          <a:p>
+            <a:pPr marL="285750" indent="-285750"/>
+            <a:r>
+              <a:rPr lang="en-US" sz="1500" dirty="0" err="1">
+                <a:solidFill>
+                  <a:schemeClr val="tx1"/>
+                </a:solidFill>
+              </a:rPr>
+              <a:t>ServiceDetails</a:t>
+            </a:r>
+            <a:endParaRPr lang="en-US" sz="1500" dirty="0">
+              <a:solidFill>
+                <a:schemeClr val="tx1"/>
+              </a:solidFill>
+            </a:endParaRPr>
+          </a:p>
+          <a:p>
+            <a:pPr marL="285750" indent="-285750"/>
+            <a:r>
+              <a:rPr lang="en-US" sz="1500" dirty="0" err="1">
+                <a:solidFill>
+                  <a:schemeClr val="tx1"/>
+                </a:solidFill>
+              </a:rPr>
+              <a:t>UpdateRequest</a:t>
+            </a:r>
+            <a:endParaRPr lang="en-US" sz="1500" dirty="0">
+              <a:solidFill>
+                <a:schemeClr val="tx1"/>
+              </a:solidFill>
+            </a:endParaRPr>
+          </a:p>
+          <a:p>
+            <a:pPr marL="285750" indent="-285750"/>
+            <a:r>
+              <a:rPr lang="en-US" sz="1500" dirty="0" err="1">
+                <a:solidFill>
+                  <a:schemeClr val="tx1"/>
+                </a:solidFill>
+              </a:rPr>
+              <a:t>UpdateResponse</a:t>
+            </a:r>
+            <a:endParaRPr lang="en-US" sz="1500" dirty="0">
+              <a:solidFill>
+                <a:schemeClr val="tx1"/>
+              </a:solidFill>
+            </a:endParaRPr>
+          </a:p>
+          <a:p>
+            <a:pPr marL="285750" indent="-285750"/>
+            <a:r>
+              <a:rPr lang="en-US" sz="1500" dirty="0" err="1">
+                <a:solidFill>
+                  <a:schemeClr val="tx1"/>
+                </a:solidFill>
+              </a:rPr>
+              <a:t>PredictRequest</a:t>
+            </a:r>
+            <a:endParaRPr lang="en-US" sz="1500" dirty="0">
+              <a:solidFill>
+                <a:schemeClr val="tx1"/>
+              </a:solidFill>
+            </a:endParaRPr>
+          </a:p>
+          <a:p>
+            <a:pPr marL="285750" indent="-285750"/>
+            <a:r>
+              <a:rPr lang="en-US" sz="1500" dirty="0" err="1">
+                <a:solidFill>
+                  <a:schemeClr val="tx1"/>
+                </a:solidFill>
+              </a:rPr>
+              <a:t>PredictResponse</a:t>
+            </a:r>
+            <a:endParaRPr lang="en-US" sz="1500" dirty="0">
+              <a:solidFill>
+                <a:schemeClr val="tx1"/>
+              </a:solidFill>
+            </a:endParaRPr>
+          </a:p>
+          <a:p>
+            <a:pPr marL="285750" indent="-285750"/>
+            <a:r>
+              <a:rPr lang="en-US" sz="1500" dirty="0" err="1">
+                <a:solidFill>
+                  <a:schemeClr val="tx1"/>
+                </a:solidFill>
+              </a:rPr>
+              <a:t>LoginRequest</a:t>
+            </a:r>
+            <a:endParaRPr lang="en-US" sz="1500" dirty="0">
+              <a:solidFill>
+                <a:schemeClr val="tx1"/>
+              </a:solidFill>
+            </a:endParaRPr>
+          </a:p>
+          <a:p>
+            <a:pPr marL="285750" indent="-285750"/>
+            <a:r>
+              <a:rPr lang="en-US" sz="1500" dirty="0" err="1">
+                <a:solidFill>
+                  <a:schemeClr val="tx1"/>
+                </a:solidFill>
+              </a:rPr>
+              <a:t>LoginResponse</a:t>
+            </a:r>
+            <a:endParaRPr lang="en-US" sz="1500" dirty="0">
+              <a:solidFill>
+                <a:schemeClr val="tx1"/>
+              </a:solidFill>
+            </a:endParaRPr>
+          </a:p>
+          <a:p>
+            <a:pPr marL="285750" indent="-285750"/>
+            <a:r>
+              <a:rPr lang="en-US" sz="1500" dirty="0">
+                <a:solidFill>
+                  <a:schemeClr val="tx1"/>
+                </a:solidFill>
+              </a:rPr>
+              <a:t>Logs</a:t>
+            </a:r>
+          </a:p>
+          <a:p>
+            <a:pPr marL="285750" indent="-285750"/>
+            <a:r>
+              <a:rPr lang="en-US" sz="1500" dirty="0">
+                <a:solidFill>
+                  <a:schemeClr val="tx1"/>
+                </a:solidFill>
+              </a:rPr>
+              <a:t>Validation Request</a:t>
+            </a:r>
+          </a:p>
+        </p:txBody>
+      </p:sp>
+      <p:sp>
+        <p:nvSpPr>
+          <p:cNvPr id="5" name="TextBox 4">
+            <a:extLst>
+              <a:ext uri="{FF2B5EF4-FFF2-40B4-BE49-F238E27FC236}">
+                <a16:creationId xmlns:a16="http://schemas.microsoft.com/office/drawing/2014/main" id="{D9F2B8B8-93A1-424F-84EB-AA567F19BF54}"/>
+              </a:ext>
+            </a:extLst>
+          </p:cNvPr>
+          <p:cNvSpPr txBox="1"/>
+          <p:nvPr/>
+        </p:nvSpPr>
+        <p:spPr>
+          <a:xfrm>
+            <a:off x="3795623" y="1136830"/>
+            <a:ext cx="4572000" cy="369332"/>
+          </a:xfrm>
+          <a:prstGeom prst="rect">
+            <a:avLst/>
+          </a:prstGeom>
+          <a:noFill/>
+        </p:spPr>
+        <p:txBody>
+          <a:bodyPr wrap="square">
+            <a:spAutoFit/>
+          </a:bodyPr>
+          <a:lstStyle/>
+          <a:p>
             <a:pPr marL="0" lvl="0" indent="0" algn="l" rtl="0">
               <a:spcBef>
                 <a:spcPts val="0"/>
@@ -7161,15 +9127,86 @@
               <a:buNone/>
             </a:pPr>
             <a:r>
-              <a:rPr lang="en-GB"/>
-              <a:t>Using an Open API editor develop RESTful API for all microservices in the project, including data transfer objects. Store the API schema in your repository</a:t>
-            </a:r>
-            <a:endParaRPr/>
-          </a:p>
+              <a:rPr lang="en-US" sz="1800" dirty="0">
+                <a:solidFill>
+                  <a:schemeClr val="tx1"/>
+                </a:solidFill>
+              </a:rPr>
+              <a:t>Schemas:</a:t>
+            </a:r>
+          </a:p>
+        </p:txBody>
+      </p:sp>
+      <p:sp>
+        <p:nvSpPr>
+          <p:cNvPr id="7" name="TextBox 6">
+            <a:extLst>
+              <a:ext uri="{FF2B5EF4-FFF2-40B4-BE49-F238E27FC236}">
+                <a16:creationId xmlns:a16="http://schemas.microsoft.com/office/drawing/2014/main" id="{155C2DB5-50CA-4472-8545-D23CE92AA8AC}"/>
+              </a:ext>
+            </a:extLst>
+          </p:cNvPr>
+          <p:cNvSpPr txBox="1"/>
+          <p:nvPr/>
+        </p:nvSpPr>
+        <p:spPr>
+          <a:xfrm>
+            <a:off x="-60385" y="4880812"/>
+            <a:ext cx="9851366" cy="307777"/>
+          </a:xfrm>
+          <a:prstGeom prst="rect">
+            <a:avLst/>
+          </a:prstGeom>
+          <a:noFill/>
+        </p:spPr>
+        <p:txBody>
+          <a:bodyPr wrap="square">
+            <a:spAutoFit/>
+          </a:bodyPr>
+          <a:lstStyle/>
+          <a:p>
+            <a:r>
+              <a:rPr lang="ru-RU" dirty="0">
+                <a:solidFill>
+                  <a:srgbClr val="595959"/>
+                </a:solidFill>
+              </a:rPr>
+              <a:t>https://github.com/fanglores/Advanced-Software-Design/blob/master/PracticeTasks/Module2/Task_10/openapi.yaml</a:t>
+            </a:r>
+          </a:p>
+        </p:txBody>
+      </p:sp>
+      <p:sp>
+        <p:nvSpPr>
+          <p:cNvPr id="8" name="TextBox 7">
+            <a:extLst>
+              <a:ext uri="{FF2B5EF4-FFF2-40B4-BE49-F238E27FC236}">
+                <a16:creationId xmlns:a16="http://schemas.microsoft.com/office/drawing/2014/main" id="{0EBBF3EC-35C5-40A0-8426-B1D84B89473C}"/>
+              </a:ext>
+            </a:extLst>
+          </p:cNvPr>
+          <p:cNvSpPr txBox="1"/>
+          <p:nvPr/>
+        </p:nvSpPr>
+        <p:spPr>
+          <a:xfrm>
+            <a:off x="0" y="1136830"/>
+            <a:ext cx="4572000" cy="369332"/>
+          </a:xfrm>
+          <a:prstGeom prst="rect">
+            <a:avLst/>
+          </a:prstGeom>
+          <a:noFill/>
+        </p:spPr>
+        <p:txBody>
+          <a:bodyPr wrap="square">
+            <a:spAutoFit/>
+          </a:bodyPr>
+          <a:lstStyle/>
           <a:p>
             <a:pPr marL="0" lvl="0" indent="0" algn="l" rtl="0">
               <a:spcBef>
-                <a:spcPts val="1200"/>
+                <a:spcPts val="0"/>
               </a:spcBef>
               <a:spcAft>
                 <a:spcPts val="0"/>
@@ -7177,83 +9214,528 @@
               <a:buNone/>
             </a:pPr>
             <a:r>
-              <a:rPr lang="en-GB"/>
-              <a:t>(Note that the default example is excessive in detail)</a:t>
-            </a:r>
-            <a:endParaRPr/>
-          </a:p>
-          <a:p>
-            <a:pPr marL="0" lvl="0" indent="0" algn="l" rtl="0">
-              <a:spcBef>
-                <a:spcPts val="1200"/>
-              </a:spcBef>
-              <a:spcAft>
-                <a:spcPts val="0"/>
-              </a:spcAft>
-              <a:buNone/>
-            </a:pPr>
-            <a:r>
-              <a:rPr lang="en-GB" u="sng">
-                <a:solidFill>
-                  <a:schemeClr val="hlink"/>
-                </a:solidFill>
-                <a:hlinkClick r:id="rId3"/>
-              </a:rPr>
-              <a:t>https:///editor.swagger.io</a:t>
-            </a:r>
-            <a:r>
-              <a:rPr lang="en-GB"/>
-              <a:t> </a:t>
-            </a:r>
-            <a:endParaRPr/>
-          </a:p>
-          <a:p>
-            <a:pPr marL="0" lvl="0" indent="0" algn="l" rtl="0">
-              <a:spcBef>
-                <a:spcPts val="1200"/>
-              </a:spcBef>
-              <a:spcAft>
-                <a:spcPts val="0"/>
-              </a:spcAft>
-              <a:buNone/>
-            </a:pPr>
-            <a:r>
-              <a:rPr lang="en-GB"/>
-              <a:t>Verify step-by-step that your API supports scenarios or event flow</a:t>
-            </a:r>
-            <a:endParaRPr/>
-          </a:p>
-          <a:p>
-            <a:pPr marL="0" lvl="0" indent="0" algn="l" rtl="0">
-              <a:spcBef>
-                <a:spcPts val="1200"/>
-              </a:spcBef>
-              <a:spcAft>
-                <a:spcPts val="0"/>
-              </a:spcAft>
-              <a:buNone/>
-            </a:pPr>
-            <a:r>
-              <a:rPr lang="en-GB"/>
-              <a:t>For each of the microservices show a scenario fragment/flow fragment where its API is invoked</a:t>
-            </a:r>
-            <a:endParaRPr/>
-          </a:p>
-          <a:p>
-            <a:pPr marL="0" lvl="0" indent="0" algn="l" rtl="0">
-              <a:spcBef>
-                <a:spcPts val="1200"/>
-              </a:spcBef>
-              <a:spcAft>
-                <a:spcPts val="1200"/>
-              </a:spcAft>
-              <a:buNone/>
-            </a:pPr>
-            <a:r>
-              <a:rPr lang="en-GB"/>
-              <a:t>&lt;At least one microservice per team member&gt;</a:t>
-            </a:r>
-            <a:endParaRPr/>
+              <a:rPr lang="en-US" sz="1800" dirty="0">
+                <a:solidFill>
+                  <a:schemeClr val="tx1"/>
+                </a:solidFill>
+              </a:rPr>
+              <a:t>Paths:</a:t>
+            </a:r>
+          </a:p>
+        </p:txBody>
+      </p:sp>
+      <p:sp>
+        <p:nvSpPr>
+          <p:cNvPr id="11" name="Google Shape;79;p17">
+            <a:extLst>
+              <a:ext uri="{FF2B5EF4-FFF2-40B4-BE49-F238E27FC236}">
+                <a16:creationId xmlns:a16="http://schemas.microsoft.com/office/drawing/2014/main" id="{7FC1074C-0FF2-43BC-8414-7F52D60DA439}"/>
+              </a:ext>
+            </a:extLst>
+          </p:cNvPr>
+          <p:cNvSpPr txBox="1">
+            <a:spLocks/>
+          </p:cNvSpPr>
+          <p:nvPr/>
+        </p:nvSpPr>
+        <p:spPr>
+          <a:xfrm>
+            <a:off x="52908" y="1506162"/>
+            <a:ext cx="3742715" cy="3416400"/>
+          </a:xfrm>
+          <a:prstGeom prst="rect">
+            <a:avLst/>
+          </a:prstGeom>
+          <a:noFill/>
+          <a:ln>
+            <a:noFill/>
+          </a:ln>
+        </p:spPr>
+        <p:txBody>
+          <a:bodyPr spcFirstLastPara="1" wrap="square" lIns="91425" tIns="91425" rIns="91425" bIns="91425" numCol="1" anchor="t" anchorCtr="0">
+            <a:noAutofit/>
+          </a:bodyPr>
+          <a:lstStyle>
+            <a:defPPr marR="0" lvl="0" algn="l" rtl="0">
+              <a:lnSpc>
+                <a:spcPct val="100000"/>
+              </a:lnSpc>
+              <a:spcBef>
+                <a:spcPts val="0"/>
+              </a:spcBef>
+              <a:spcAft>
+                <a:spcPts val="0"/>
+              </a:spcAft>
+            </a:defPPr>
+            <a:lvl1pPr marL="457200" marR="0" lvl="0" indent="-342900" algn="l" rtl="0">
+              <a:lnSpc>
+                <a:spcPct val="115000"/>
+              </a:lnSpc>
+              <a:spcBef>
+                <a:spcPts val="0"/>
+              </a:spcBef>
+              <a:spcAft>
+                <a:spcPts val="0"/>
+              </a:spcAft>
+              <a:buClr>
+                <a:schemeClr val="dk2"/>
+              </a:buClr>
+              <a:buSzPts val="1800"/>
+              <a:buFont typeface="Arial"/>
+              <a:buChar char="●"/>
+              <a:defRPr sz="1800" b="0" i="0" u="none" strike="noStrike" cap="none">
+                <a:solidFill>
+                  <a:schemeClr val="dk2"/>
+                </a:solidFill>
+                <a:latin typeface="Arial"/>
+                <a:ea typeface="Arial"/>
+                <a:cs typeface="Arial"/>
+                <a:sym typeface="Arial"/>
+              </a:defRPr>
+            </a:lvl1pPr>
+            <a:lvl2pPr marL="914400" marR="0" lvl="1" indent="-317500" algn="l" rtl="0">
+              <a:lnSpc>
+                <a:spcPct val="115000"/>
+              </a:lnSpc>
+              <a:spcBef>
+                <a:spcPts val="0"/>
+              </a:spcBef>
+              <a:spcAft>
+                <a:spcPts val="0"/>
+              </a:spcAft>
+              <a:buClr>
+                <a:schemeClr val="dk2"/>
+              </a:buClr>
+              <a:buSzPts val="1400"/>
+              <a:buFont typeface="Arial"/>
+              <a:buChar char="○"/>
+              <a:defRPr sz="1400" b="0" i="0" u="none" strike="noStrike" cap="none">
+                <a:solidFill>
+                  <a:schemeClr val="dk2"/>
+                </a:solidFill>
+                <a:latin typeface="Arial"/>
+                <a:ea typeface="Arial"/>
+                <a:cs typeface="Arial"/>
+                <a:sym typeface="Arial"/>
+              </a:defRPr>
+            </a:lvl2pPr>
+            <a:lvl3pPr marL="1371600" marR="0" lvl="2" indent="-317500" algn="l" rtl="0">
+              <a:lnSpc>
+                <a:spcPct val="115000"/>
+              </a:lnSpc>
+              <a:spcBef>
+                <a:spcPts val="0"/>
+              </a:spcBef>
+              <a:spcAft>
+                <a:spcPts val="0"/>
+              </a:spcAft>
+              <a:buClr>
+                <a:schemeClr val="dk2"/>
+              </a:buClr>
+              <a:buSzPts val="1400"/>
+              <a:buFont typeface="Arial"/>
+              <a:buChar char="■"/>
+              <a:defRPr sz="1400" b="0" i="0" u="none" strike="noStrike" cap="none">
+                <a:solidFill>
+                  <a:schemeClr val="dk2"/>
+                </a:solidFill>
+                <a:latin typeface="Arial"/>
+                <a:ea typeface="Arial"/>
+                <a:cs typeface="Arial"/>
+                <a:sym typeface="Arial"/>
+              </a:defRPr>
+            </a:lvl3pPr>
+            <a:lvl4pPr marL="1828800" marR="0" lvl="3" indent="-317500" algn="l" rtl="0">
+              <a:lnSpc>
+                <a:spcPct val="115000"/>
+              </a:lnSpc>
+              <a:spcBef>
+                <a:spcPts val="0"/>
+              </a:spcBef>
+              <a:spcAft>
+                <a:spcPts val="0"/>
+              </a:spcAft>
+              <a:buClr>
+                <a:schemeClr val="dk2"/>
+              </a:buClr>
+              <a:buSzPts val="1400"/>
+              <a:buFont typeface="Arial"/>
+              <a:buChar char="●"/>
+              <a:defRPr sz="1400" b="0" i="0" u="none" strike="noStrike" cap="none">
+                <a:solidFill>
+                  <a:schemeClr val="dk2"/>
+                </a:solidFill>
+                <a:latin typeface="Arial"/>
+                <a:ea typeface="Arial"/>
+                <a:cs typeface="Arial"/>
+                <a:sym typeface="Arial"/>
+              </a:defRPr>
+            </a:lvl4pPr>
+            <a:lvl5pPr marL="2286000" marR="0" lvl="4" indent="-317500" algn="l" rtl="0">
+              <a:lnSpc>
+                <a:spcPct val="115000"/>
+              </a:lnSpc>
+              <a:spcBef>
+                <a:spcPts val="0"/>
+              </a:spcBef>
+              <a:spcAft>
+                <a:spcPts val="0"/>
+              </a:spcAft>
+              <a:buClr>
+                <a:schemeClr val="dk2"/>
+              </a:buClr>
+              <a:buSzPts val="1400"/>
+              <a:buFont typeface="Arial"/>
+              <a:buChar char="○"/>
+              <a:defRPr sz="1400" b="0" i="0" u="none" strike="noStrike" cap="none">
+                <a:solidFill>
+                  <a:schemeClr val="dk2"/>
+                </a:solidFill>
+                <a:latin typeface="Arial"/>
+                <a:ea typeface="Arial"/>
+                <a:cs typeface="Arial"/>
+                <a:sym typeface="Arial"/>
+              </a:defRPr>
+            </a:lvl5pPr>
+            <a:lvl6pPr marL="2743200" marR="0" lvl="5" indent="-317500" algn="l" rtl="0">
+              <a:lnSpc>
+                <a:spcPct val="115000"/>
+              </a:lnSpc>
+              <a:spcBef>
+                <a:spcPts val="0"/>
+              </a:spcBef>
+              <a:spcAft>
+                <a:spcPts val="0"/>
+              </a:spcAft>
+              <a:buClr>
+                <a:schemeClr val="dk2"/>
+              </a:buClr>
+              <a:buSzPts val="1400"/>
+              <a:buFont typeface="Arial"/>
+              <a:buChar char="■"/>
+              <a:defRPr sz="1400" b="0" i="0" u="none" strike="noStrike" cap="none">
+                <a:solidFill>
+                  <a:schemeClr val="dk2"/>
+                </a:solidFill>
+                <a:latin typeface="Arial"/>
+                <a:ea typeface="Arial"/>
+                <a:cs typeface="Arial"/>
+                <a:sym typeface="Arial"/>
+              </a:defRPr>
+            </a:lvl6pPr>
+            <a:lvl7pPr marL="3200400" marR="0" lvl="6" indent="-317500" algn="l" rtl="0">
+              <a:lnSpc>
+                <a:spcPct val="115000"/>
+              </a:lnSpc>
+              <a:spcBef>
+                <a:spcPts val="0"/>
+              </a:spcBef>
+              <a:spcAft>
+                <a:spcPts val="0"/>
+              </a:spcAft>
+              <a:buClr>
+                <a:schemeClr val="dk2"/>
+              </a:buClr>
+              <a:buSzPts val="1400"/>
+              <a:buFont typeface="Arial"/>
+              <a:buChar char="●"/>
+              <a:defRPr sz="1400" b="0" i="0" u="none" strike="noStrike" cap="none">
+                <a:solidFill>
+                  <a:schemeClr val="dk2"/>
+                </a:solidFill>
+                <a:latin typeface="Arial"/>
+                <a:ea typeface="Arial"/>
+                <a:cs typeface="Arial"/>
+                <a:sym typeface="Arial"/>
+              </a:defRPr>
+            </a:lvl7pPr>
+            <a:lvl8pPr marL="3657600" marR="0" lvl="7" indent="-317500" algn="l" rtl="0">
+              <a:lnSpc>
+                <a:spcPct val="115000"/>
+              </a:lnSpc>
+              <a:spcBef>
+                <a:spcPts val="0"/>
+              </a:spcBef>
+              <a:spcAft>
+                <a:spcPts val="0"/>
+              </a:spcAft>
+              <a:buClr>
+                <a:schemeClr val="dk2"/>
+              </a:buClr>
+              <a:buSzPts val="1400"/>
+              <a:buFont typeface="Arial"/>
+              <a:buChar char="○"/>
+              <a:defRPr sz="1400" b="0" i="0" u="none" strike="noStrike" cap="none">
+                <a:solidFill>
+                  <a:schemeClr val="dk2"/>
+                </a:solidFill>
+                <a:latin typeface="Arial"/>
+                <a:ea typeface="Arial"/>
+                <a:cs typeface="Arial"/>
+                <a:sym typeface="Arial"/>
+              </a:defRPr>
+            </a:lvl8pPr>
+            <a:lvl9pPr marL="4114800" marR="0" lvl="8" indent="-317500" algn="l" rtl="0">
+              <a:lnSpc>
+                <a:spcPct val="115000"/>
+              </a:lnSpc>
+              <a:spcBef>
+                <a:spcPts val="0"/>
+              </a:spcBef>
+              <a:spcAft>
+                <a:spcPts val="0"/>
+              </a:spcAft>
+              <a:buClr>
+                <a:schemeClr val="dk2"/>
+              </a:buClr>
+              <a:buSzPts val="1400"/>
+              <a:buFont typeface="Arial"/>
+              <a:buChar char="■"/>
+              <a:defRPr sz="1400" b="0" i="0" u="none" strike="noStrike" cap="none">
+                <a:solidFill>
+                  <a:schemeClr val="dk2"/>
+                </a:solidFill>
+                <a:latin typeface="Arial"/>
+                <a:ea typeface="Arial"/>
+                <a:cs typeface="Arial"/>
+                <a:sym typeface="Arial"/>
+              </a:defRPr>
+            </a:lvl9pPr>
+          </a:lstStyle>
+          <a:p>
+            <a:pPr marL="285750" indent="-285750"/>
+            <a:r>
+              <a:rPr lang="en-US" sz="1500" dirty="0">
+                <a:solidFill>
+                  <a:schemeClr val="tx1"/>
+                </a:solidFill>
+              </a:rPr>
+              <a:t>/router/</a:t>
+            </a:r>
+            <a:r>
+              <a:rPr lang="en-US" sz="1500" dirty="0" err="1">
+                <a:solidFill>
+                  <a:schemeClr val="tx1"/>
+                </a:solidFill>
+              </a:rPr>
+              <a:t>loadbalancer</a:t>
+            </a:r>
+            <a:endParaRPr lang="en-US" sz="1500" dirty="0">
+              <a:solidFill>
+                <a:schemeClr val="tx1"/>
+              </a:solidFill>
+            </a:endParaRPr>
+          </a:p>
+          <a:p>
+            <a:pPr marL="285750" indent="-285750"/>
+            <a:r>
+              <a:rPr lang="en-US" sz="1500" dirty="0">
+                <a:solidFill>
+                  <a:schemeClr val="tx1"/>
+                </a:solidFill>
+              </a:rPr>
+              <a:t>/router/</a:t>
+            </a:r>
+            <a:r>
+              <a:rPr lang="en-US" sz="1500" dirty="0" err="1">
+                <a:solidFill>
+                  <a:schemeClr val="tx1"/>
+                </a:solidFill>
+              </a:rPr>
+              <a:t>loadbalancer</a:t>
+            </a:r>
+            <a:r>
+              <a:rPr lang="en-US" sz="1500" dirty="0">
+                <a:solidFill>
+                  <a:schemeClr val="tx1"/>
+                </a:solidFill>
+              </a:rPr>
+              <a:t>/{</a:t>
+            </a:r>
+            <a:r>
+              <a:rPr lang="en-US" sz="1500" dirty="0" err="1">
+                <a:solidFill>
+                  <a:schemeClr val="tx1"/>
+                </a:solidFill>
+              </a:rPr>
+              <a:t>serviceId</a:t>
+            </a:r>
+            <a:r>
+              <a:rPr lang="en-US" sz="1500" dirty="0">
+                <a:solidFill>
+                  <a:schemeClr val="tx1"/>
+                </a:solidFill>
+              </a:rPr>
+              <a:t>}</a:t>
+            </a:r>
+          </a:p>
+          <a:p>
+            <a:pPr marL="285750" indent="-285750"/>
+            <a:r>
+              <a:rPr lang="en-US" sz="1500" dirty="0">
+                <a:solidFill>
+                  <a:schemeClr val="tx1"/>
+                </a:solidFill>
+              </a:rPr>
+              <a:t>/services</a:t>
+            </a:r>
+          </a:p>
+          <a:p>
+            <a:pPr marL="285750" indent="-285750"/>
+            <a:r>
+              <a:rPr lang="en-US" sz="1500" dirty="0">
+                <a:solidFill>
+                  <a:schemeClr val="tx1"/>
+                </a:solidFill>
+              </a:rPr>
+              <a:t>/services/{</a:t>
+            </a:r>
+            <a:r>
+              <a:rPr lang="en-US" sz="1500" dirty="0" err="1">
+                <a:solidFill>
+                  <a:schemeClr val="tx1"/>
+                </a:solidFill>
+              </a:rPr>
+              <a:t>serviceId</a:t>
+            </a:r>
+            <a:r>
+              <a:rPr lang="en-US" sz="1500" dirty="0">
+                <a:solidFill>
+                  <a:schemeClr val="tx1"/>
+                </a:solidFill>
+              </a:rPr>
+              <a:t>}</a:t>
+            </a:r>
+          </a:p>
+          <a:p>
+            <a:pPr marL="285750" indent="-285750"/>
+            <a:r>
+              <a:rPr lang="en-US" sz="1500" dirty="0">
+                <a:solidFill>
+                  <a:schemeClr val="tx1"/>
+                </a:solidFill>
+              </a:rPr>
+              <a:t>/services/{</a:t>
+            </a:r>
+            <a:r>
+              <a:rPr lang="en-US" sz="1500" dirty="0" err="1">
+                <a:solidFill>
+                  <a:schemeClr val="tx1"/>
+                </a:solidFill>
+              </a:rPr>
+              <a:t>serviceId</a:t>
+            </a:r>
+            <a:r>
+              <a:rPr lang="en-US" sz="1500" dirty="0">
+                <a:solidFill>
+                  <a:schemeClr val="tx1"/>
+                </a:solidFill>
+              </a:rPr>
+              <a:t>}/predict</a:t>
+            </a:r>
+          </a:p>
+          <a:p>
+            <a:pPr marL="285750" indent="-285750"/>
+            <a:r>
+              <a:rPr lang="en-US" sz="1500" dirty="0">
+                <a:solidFill>
+                  <a:schemeClr val="tx1"/>
+                </a:solidFill>
+              </a:rPr>
+              <a:t>/auth/login</a:t>
+            </a:r>
+          </a:p>
+          <a:p>
+            <a:pPr marL="285750" indent="-285750"/>
+            <a:r>
+              <a:rPr lang="en-US" sz="1500" dirty="0">
+                <a:solidFill>
+                  <a:schemeClr val="tx1"/>
+                </a:solidFill>
+              </a:rPr>
+              <a:t>/</a:t>
+            </a:r>
+            <a:r>
+              <a:rPr lang="en-US" sz="1500" dirty="0" err="1">
+                <a:solidFill>
+                  <a:schemeClr val="tx1"/>
+                </a:solidFill>
+              </a:rPr>
+              <a:t>openapi</a:t>
+            </a:r>
+            <a:r>
+              <a:rPr lang="en-US" sz="1500" dirty="0">
+                <a:solidFill>
+                  <a:schemeClr val="tx1"/>
+                </a:solidFill>
+              </a:rPr>
+              <a:t>/{</a:t>
+            </a:r>
+            <a:r>
+              <a:rPr lang="en-US" sz="1500" dirty="0" err="1">
+                <a:solidFill>
+                  <a:schemeClr val="tx1"/>
+                </a:solidFill>
+              </a:rPr>
+              <a:t>serviceId</a:t>
+            </a:r>
+            <a:r>
+              <a:rPr lang="en-US" sz="1500" dirty="0">
+                <a:solidFill>
+                  <a:schemeClr val="tx1"/>
+                </a:solidFill>
+              </a:rPr>
+              <a:t>}</a:t>
+            </a:r>
+          </a:p>
+          <a:p>
+            <a:pPr marL="285750" indent="-285750"/>
+            <a:r>
+              <a:rPr lang="en-US" sz="1500" dirty="0">
+                <a:solidFill>
+                  <a:schemeClr val="tx1"/>
+                </a:solidFill>
+              </a:rPr>
+              <a:t>/logs/{</a:t>
+            </a:r>
+            <a:r>
+              <a:rPr lang="en-US" sz="1500" dirty="0" err="1">
+                <a:solidFill>
+                  <a:schemeClr val="tx1"/>
+                </a:solidFill>
+              </a:rPr>
+              <a:t>serviceId</a:t>
+            </a:r>
+            <a:r>
+              <a:rPr lang="en-US" sz="1500" dirty="0">
+                <a:solidFill>
+                  <a:schemeClr val="tx1"/>
+                </a:solidFill>
+              </a:rPr>
+              <a:t>}</a:t>
+            </a:r>
+          </a:p>
+          <a:p>
+            <a:pPr marL="285750" indent="-285750"/>
+            <a:r>
+              <a:rPr lang="en-US" sz="1500" dirty="0">
+                <a:solidFill>
+                  <a:schemeClr val="tx1"/>
+                </a:solidFill>
+              </a:rPr>
+              <a:t>/router/validate</a:t>
+            </a:r>
+          </a:p>
+          <a:p>
+            <a:pPr marL="285750" indent="-285750"/>
+            <a:r>
+              <a:rPr lang="en-US" sz="1500" dirty="0">
+                <a:solidFill>
+                  <a:schemeClr val="tx1"/>
+                </a:solidFill>
+              </a:rPr>
+              <a:t>/router/cache</a:t>
+            </a:r>
           </a:p>
         </p:txBody>
       </p:sp>
@@ -7307,51 +9789,21 @@
           </a:bodyPr>
           <a:lstStyle/>
           <a:p>
-            <a:pPr marL="0" lvl="0" indent="0" algn="l" rtl="0">
-              <a:spcBef>
-                <a:spcPts val="0"/>
-              </a:spcBef>
-              <a:spcAft>
-                <a:spcPts val="0"/>
-              </a:spcAft>
-              <a:buNone/>
-            </a:pPr>
-            <a:r>
-              <a:rPr lang="en-GB"/>
-              <a:t>API usage &lt;Service-1&gt;</a:t>
-            </a:r>
-            <a:endParaRPr/>
+            <a:r>
+              <a:rPr lang="en-GB" dirty="0"/>
+              <a:t>API usage </a:t>
+            </a:r>
+            <a:r>
+              <a:rPr lang="en-US" b="1" dirty="0" err="1"/>
+              <a:t>ServiceDeployer</a:t>
+            </a:r>
+            <a:br>
+              <a:rPr lang="en-US" b="1" dirty="0"/>
+            </a:br>
+            <a:endParaRPr dirty="0"/>
           </a:p>
         </p:txBody>
       </p:sp>
-      <p:pic>
-        <p:nvPicPr>
-          <p:cNvPr id="85" name="Google Shape;85;p18"/>
-          <p:cNvPicPr preferRelativeResize="0"/>
-          <p:nvPr/>
-        </p:nvPicPr>
-        <p:blipFill>
-          <a:blip r:embed="rId3">
-            <a:alphaModFix/>
-          </a:blip>
-          <a:stretch>
-            <a:fillRect/>
-          </a:stretch>
-        </p:blipFill>
-        <p:spPr>
-          <a:xfrm>
-            <a:off x="3474875" y="1238125"/>
-            <a:ext cx="5357425" cy="1783750"/>
-          </a:xfrm>
-          <a:prstGeom prst="rect">
-            <a:avLst/>
-          </a:prstGeom>
-          <a:noFill/>
-          <a:ln>
-            <a:noFill/>
-          </a:ln>
-        </p:spPr>
-      </p:pic>
       <p:sp>
         <p:nvSpPr>
           <p:cNvPr id="86" name="Google Shape;86;p18"/>
@@ -7387,10 +9839,18 @@
               <a:buNone/>
             </a:pPr>
             <a:r>
-              <a:rPr lang="en-GB"/>
+              <a:rPr lang="en-GB" dirty="0">
+                <a:solidFill>
+                  <a:srgbClr val="FF0000"/>
+                </a:solidFill>
+              </a:rPr>
               <a:t>Fragment of a scenario - step before, step when invoked, a step after</a:t>
             </a:r>
-            <a:endParaRPr/>
+            <a:endParaRPr dirty="0">
+              <a:solidFill>
+                <a:srgbClr val="FF0000"/>
+              </a:solidFill>
+            </a:endParaRPr>
           </a:p>
           <a:p>
             <a:pPr marL="0" lvl="0" indent="0" algn="l" rtl="0">
@@ -7403,10 +9863,18 @@
               <a:buNone/>
             </a:pPr>
             <a:r>
-              <a:rPr lang="en-GB"/>
+              <a:rPr lang="en-GB" dirty="0">
+                <a:solidFill>
+                  <a:srgbClr val="FF0000"/>
+                </a:solidFill>
+              </a:rPr>
               <a:t>Or user story</a:t>
             </a:r>
-            <a:endParaRPr/>
+            <a:endParaRPr dirty="0">
+              <a:solidFill>
+                <a:srgbClr val="FF0000"/>
+              </a:solidFill>
+            </a:endParaRPr>
           </a:p>
           <a:p>
             <a:pPr marL="0" lvl="0" indent="0" algn="l" rtl="0">
@@ -7419,10 +9887,18 @@
               <a:buNone/>
             </a:pPr>
             <a:r>
-              <a:rPr lang="en-GB"/>
+              <a:rPr lang="en-GB" dirty="0">
+                <a:solidFill>
+                  <a:srgbClr val="FF0000"/>
+                </a:solidFill>
+              </a:rPr>
               <a:t>Or event flow fragment</a:t>
             </a:r>
-            <a:endParaRPr/>
+            <a:endParaRPr dirty="0">
+              <a:solidFill>
+                <a:srgbClr val="FF0000"/>
+              </a:solidFill>
+            </a:endParaRPr>
           </a:p>
           <a:p>
             <a:pPr marL="0" lvl="0" indent="0" algn="l" rtl="0">
@@ -7435,10 +9911,18 @@
               <a:buNone/>
             </a:pPr>
             <a:r>
-              <a:rPr lang="en-GB"/>
+              <a:rPr lang="en-GB" dirty="0">
+                <a:solidFill>
+                  <a:srgbClr val="FF0000"/>
+                </a:solidFill>
+              </a:rPr>
               <a:t>Show all (most) places where the service is used</a:t>
             </a:r>
-            <a:endParaRPr/>
+            <a:endParaRPr dirty="0">
+              <a:solidFill>
+                <a:srgbClr val="FF0000"/>
+              </a:solidFill>
+            </a:endParaRPr>
           </a:p>
           <a:p>
             <a:pPr marL="0" lvl="0" indent="0" algn="l" rtl="0">
@@ -7450,10 +9934,40 @@
               </a:spcAft>
               <a:buNone/>
             </a:pPr>
-            <a:endParaRPr/>
+            <a:endParaRPr dirty="0"/>
           </a:p>
         </p:txBody>
       </p:sp>
+      <p:pic>
+        <p:nvPicPr>
+          <p:cNvPr id="5" name="Picture 4">
+            <a:extLst>
+              <a:ext uri="{FF2B5EF4-FFF2-40B4-BE49-F238E27FC236}">
+                <a16:creationId xmlns:a16="http://schemas.microsoft.com/office/drawing/2014/main" id="{F27EAB64-52E9-4F07-B4D9-407AD54431C9}"/>
+              </a:ext>
+            </a:extLst>
+          </p:cNvPr>
+          <p:cNvPicPr>
+            <a:picLocks noChangeAspect="1"/>
+          </p:cNvPicPr>
+          <p:nvPr/>
+        </p:nvPicPr>
+        <p:blipFill>
+          <a:blip r:embed="rId3"/>
+          <a:stretch>
+            <a:fillRect/>
+          </a:stretch>
+        </p:blipFill>
+        <p:spPr>
+          <a:xfrm>
+            <a:off x="3626541" y="1017725"/>
+            <a:ext cx="5205759" cy="3451009"/>
+          </a:xfrm>
+          <a:prstGeom prst="rect">
+            <a:avLst/>
+          </a:prstGeom>
+        </p:spPr>
+      </p:pic>
     </p:spTree>
   </p:cSld>
   <p:clrMapOvr>
@@ -7467,7 +9981,7 @@
   <p:cSld>
     <p:spTree>
       <p:nvGrpSpPr>
-        <p:cNvPr id="1" name="Shape 90"/>
+        <p:cNvPr id="1" name="Shape 83"/>
         <p:cNvGrpSpPr/>
         <p:nvPr/>
       </p:nvGrpSpPr>
@@ -7481,7 +9995,7 @@
       </p:grpSpPr>
       <p:sp>
         <p:nvSpPr>
-          <p:cNvPr id="91" name="Google Shape;91;p19"/>
+          <p:cNvPr id="84" name="Google Shape;84;p18"/>
           <p:cNvSpPr txBox="1">
             <a:spLocks noGrp="1"/>
           </p:cNvSpPr>
@@ -7504,26 +10018,24 @@
           </a:bodyPr>
           <a:lstStyle/>
           <a:p>
-            <a:pPr marL="0" lvl="0" indent="0" algn="l" rtl="0">
-              <a:spcBef>
-                <a:spcPts val="0"/>
-              </a:spcBef>
-              <a:spcAft>
-                <a:spcPts val="0"/>
-              </a:spcAft>
-              <a:buNone/>
-            </a:pPr>
-            <a:r>
-              <a:rPr lang="en-GB"/>
-              <a:t>Solution stack (prepare)</a:t>
-            </a:r>
-            <a:endParaRPr/>
+            <a:r>
+              <a:rPr lang="en-GB" dirty="0"/>
+              <a:t>API usage </a:t>
+            </a:r>
+            <a:r>
+              <a:rPr lang="en-US" b="1" dirty="0"/>
+              <a:t>Authenticator</a:t>
+            </a:r>
+            <a:br>
+              <a:rPr lang="en-US" b="1" dirty="0"/>
+            </a:br>
+            <a:endParaRPr dirty="0"/>
           </a:p>
         </p:txBody>
       </p:sp>
       <p:sp>
         <p:nvSpPr>
-          <p:cNvPr id="92" name="Google Shape;92;p19"/>
+          <p:cNvPr id="86" name="Google Shape;86;p18"/>
           <p:cNvSpPr txBox="1">
             <a:spLocks noGrp="1"/>
           </p:cNvSpPr>
@@ -7534,7 +10046,7 @@
         <p:spPr>
           <a:xfrm>
             <a:off x="311700" y="1152475"/>
-            <a:ext cx="8520600" cy="626100"/>
+            <a:ext cx="3000300" cy="3416400"/>
           </a:xfrm>
           <a:prstGeom prst="rect">
             <a:avLst/>
@@ -7553,18 +10065,21 @@
               <a:spcAft>
                 <a:spcPts val="0"/>
               </a:spcAft>
-              <a:buClr>
-                <a:schemeClr val="dk1"/>
-              </a:buClr>
-              <a:buSzPts val="1100"/>
-              <a:buFont typeface="Arial"/>
               <a:buNone/>
             </a:pPr>
             <a:r>
-              <a:rPr lang="en-GB" sz="1400"/>
-              <a:t>Find an example implementation of a microservices application in the programming language chosen. Specify one value for each option below</a:t>
-            </a:r>
-            <a:endParaRPr sz="1400"/>
+              <a:rPr lang="en-GB" dirty="0">
+                <a:solidFill>
+                  <a:srgbClr val="FF0000"/>
+                </a:solidFill>
+              </a:rPr>
+              <a:t>Fragment of a scenario - step before, step when invoked, a step after</a:t>
+            </a:r>
+            <a:endParaRPr dirty="0">
+              <a:solidFill>
+                <a:srgbClr val="FF0000"/>
+              </a:solidFill>
+            </a:endParaRPr>
           </a:p>
           <a:p>
             <a:pPr marL="0" lvl="0" indent="0" algn="l" rtl="0">
@@ -7572,24 +10087,133 @@
                 <a:spcPts val="1200"/>
               </a:spcBef>
               <a:spcAft>
+                <a:spcPts val="0"/>
+              </a:spcAft>
+              <a:buNone/>
+            </a:pPr>
+            <a:r>
+              <a:rPr lang="en-GB" dirty="0">
+                <a:solidFill>
+                  <a:srgbClr val="FF0000"/>
+                </a:solidFill>
+              </a:rPr>
+              <a:t>Or user story</a:t>
+            </a:r>
+            <a:endParaRPr dirty="0">
+              <a:solidFill>
+                <a:srgbClr val="FF0000"/>
+              </a:solidFill>
+            </a:endParaRPr>
+          </a:p>
+          <a:p>
+            <a:pPr marL="0" lvl="0" indent="0" algn="l" rtl="0">
+              <a:spcBef>
                 <a:spcPts val="1200"/>
+              </a:spcBef>
+              <a:spcAft>
+                <a:spcPts val="0"/>
               </a:spcAft>
               <a:buNone/>
             </a:pPr>
-            <a:endParaRPr sz="1400"/>
+            <a:r>
+              <a:rPr lang="en-GB" dirty="0">
+                <a:solidFill>
+                  <a:srgbClr val="FF0000"/>
+                </a:solidFill>
+              </a:rPr>
+              <a:t>Or event flow fragment</a:t>
+            </a:r>
+            <a:endParaRPr dirty="0">
+              <a:solidFill>
+                <a:srgbClr val="FF0000"/>
+              </a:solidFill>
+            </a:endParaRPr>
+          </a:p>
+          <a:p>
+            <a:pPr marL="0" lvl="0" indent="0" algn="l" rtl="0">
+              <a:spcBef>
+                <a:spcPts val="1200"/>
+              </a:spcBef>
+              <a:spcAft>
+                <a:spcPts val="0"/>
+              </a:spcAft>
+              <a:buNone/>
+            </a:pPr>
+            <a:r>
+              <a:rPr lang="en-GB" dirty="0">
+                <a:solidFill>
+                  <a:srgbClr val="FF0000"/>
+                </a:solidFill>
+              </a:rPr>
+              <a:t>Show all (most) places where the service is used</a:t>
+            </a:r>
+            <a:endParaRPr dirty="0">
+              <a:solidFill>
+                <a:srgbClr val="FF0000"/>
+              </a:solidFill>
+            </a:endParaRPr>
+          </a:p>
+          <a:p>
+            <a:pPr marL="0" lvl="0" indent="0" algn="l" rtl="0">
+              <a:spcBef>
+                <a:spcPts val="1200"/>
+              </a:spcBef>
+              <a:spcAft>
+                <a:spcPts val="1200"/>
+              </a:spcAft>
+              <a:buNone/>
+            </a:pPr>
+            <a:endParaRPr dirty="0"/>
           </a:p>
         </p:txBody>
       </p:sp>
+      <p:pic>
+        <p:nvPicPr>
+          <p:cNvPr id="5" name="Picture 4">
+            <a:extLst>
+              <a:ext uri="{FF2B5EF4-FFF2-40B4-BE49-F238E27FC236}">
+                <a16:creationId xmlns:a16="http://schemas.microsoft.com/office/drawing/2014/main" id="{F27EAB64-52E9-4F07-B4D9-407AD54431C9}"/>
+              </a:ext>
+            </a:extLst>
+          </p:cNvPr>
+          <p:cNvPicPr>
+            <a:picLocks noChangeAspect="1"/>
+          </p:cNvPicPr>
+          <p:nvPr/>
+        </p:nvPicPr>
+        <p:blipFill>
+          <a:blip r:embed="rId3"/>
+          <a:srcRect/>
+          <a:stretch/>
+        </p:blipFill>
+        <p:spPr>
+          <a:xfrm>
+            <a:off x="3626541" y="2207056"/>
+            <a:ext cx="5205759" cy="1072347"/>
+          </a:xfrm>
+          <a:prstGeom prst="rect">
+            <a:avLst/>
+          </a:prstGeom>
+        </p:spPr>
+      </p:pic>
       <p:sp>
         <p:nvSpPr>
-          <p:cNvPr id="93" name="Google Shape;93;p19"/>
-          <p:cNvSpPr txBox="1"/>
+          <p:cNvPr id="2" name="Rectangle 1">
+            <a:extLst>
+              <a:ext uri="{FF2B5EF4-FFF2-40B4-BE49-F238E27FC236}">
+                <a16:creationId xmlns:a16="http://schemas.microsoft.com/office/drawing/2014/main" id="{575A1C00-12C6-44D1-8DDB-5947204B7660}"/>
+              </a:ext>
+            </a:extLst>
+          </p:cNvPr>
+          <p:cNvSpPr>
+            <a:spLocks noChangeArrowheads="1"/>
+          </p:cNvSpPr>
           <p:nvPr/>
         </p:nvSpPr>
-        <p:spPr>
+        <p:spPr bwMode="auto">
           <a:xfrm>
-            <a:off x="228600" y="1824025"/>
-            <a:ext cx="5034000" cy="3319500"/>
+            <a:off x="0" y="0"/>
+            <a:ext cx="9144000" cy="0"/>
           </a:xfrm>
           <a:prstGeom prst="rect">
             <a:avLst/>
@@ -7598,494 +10222,121 @@
           <a:ln>
             <a:noFill/>
           </a:ln>
+          <a:effectLst/>
+          <a:extLst>
+            <a:ext uri="{909E8E84-426E-40DD-AFC4-6F175D3DCCD1}">
+              <a14:hiddenFill xmlns:a14="http://schemas.microsoft.com/office/drawing/2010/main">
+                <a:solidFill>
+                  <a:schemeClr val="accent1"/>
+                </a:solidFill>
+              </a14:hiddenFill>
+            </a:ext>
+            <a:ext uri="{91240B29-F687-4F45-9708-019B960494DF}">
+              <a14:hiddenLine xmlns:a14="http://schemas.microsoft.com/office/drawing/2010/main" w="9525">
+                <a:solidFill>
+                  <a:schemeClr val="tx1"/>
+                </a:solidFill>
+                <a:miter lim="800000"/>
+                <a:headEnd/>
+                <a:tailEnd/>
+              </a14:hiddenLine>
+            </a:ext>
+            <a:ext uri="{AF507438-7753-43E0-B8FC-AC1667EBCBE1}">
+              <a14:hiddenEffects xmlns:a14="http://schemas.microsoft.com/office/drawing/2010/main">
+                <a:effectLst>
+                  <a:outerShdw dist="35921" dir="2700000" algn="ctr" rotWithShape="0">
+                    <a:schemeClr val="bg2"/>
+                  </a:outerShdw>
+                </a:effectLst>
+              </a14:hiddenEffects>
+            </a:ext>
+          </a:extLst>
         </p:spPr>
         <p:txBody>
-          <a:bodyPr spcFirstLastPara="1" wrap="square" lIns="91425" tIns="91425" rIns="91425" bIns="91425" anchor="t" anchorCtr="0">
-            <a:noAutofit/>
+          <a:bodyPr vert="horz" wrap="none" lIns="91440" tIns="45720" rIns="91440" bIns="45720" numCol="1" anchor="ctr" anchorCtr="0" compatLnSpc="1">
+            <a:prstTxWarp prst="textNoShape">
+              <a:avLst/>
+            </a:prstTxWarp>
+            <a:spAutoFit/>
           </a:bodyPr>
           <a:lstStyle/>
           <a:p>
-            <a:pPr marL="0" lvl="0" indent="0" algn="l" rtl="0">
+            <a:pPr marL="0" marR="0" lvl="0" indent="0" algn="l" defTabSz="914400" rtl="0" eaLnBrk="0" fontAlgn="base" latinLnBrk="0" hangingPunct="0">
               <a:lnSpc>
-                <a:spcPct val="115000"/>
+                <a:spcPct val="100000"/>
               </a:lnSpc>
               <a:spcBef>
-                <a:spcPts val="0"/>
-              </a:spcBef>
-              <a:spcAft>
-                <a:spcPts val="0"/>
-              </a:spcAft>
-              <a:buNone/>
+                <a:spcPct val="0"/>
+              </a:spcBef>
+              <a:spcAft>
+                <a:spcPct val="0"/>
+              </a:spcAft>
+              <a:buClrTx/>
+              <a:buSzTx/>
+              <a:buFontTx/>
+              <a:buNone/>
+              <a:tabLst/>
             </a:pPr>
             <a:r>
-              <a:rPr lang="en-GB" b="1">
-                <a:solidFill>
-                  <a:schemeClr val="dk2"/>
-                </a:solidFill>
-              </a:rPr>
-              <a:t>Implementation</a:t>
-            </a:r>
-            <a:endParaRPr b="1">
+              <a:rPr kumimoji="0" lang="ru-RU" altLang="ru-RU" sz="300" b="1" i="0" u="none" strike="noStrike" cap="none" normalizeH="0" baseline="0">
+                <a:ln>
+                  <a:noFill/>
+                </a:ln>
+                <a:solidFill>
+                  <a:schemeClr val="tx1"/>
+                </a:solidFill>
+                <a:effectLst/>
+                <a:latin typeface="Arial" panose="020B0604020202020204" pitchFamily="34" charset="0"/>
+              </a:rPr>
+              <a:t>Authenticator</a:t>
+            </a:r>
+            <a:endParaRPr kumimoji="0" lang="ru-RU" altLang="ru-RU" sz="200" b="1" i="0" u="none" strike="noStrike" cap="none" normalizeH="0" baseline="0">
+              <a:ln>
+                <a:noFill/>
+              </a:ln>
               <a:solidFill>
-                <a:schemeClr val="dk2"/>
+                <a:schemeClr val="tx1"/>
               </a:solidFill>
+              <a:effectLst/>
+              <a:latin typeface="Arial" panose="020B0604020202020204" pitchFamily="34" charset="0"/>
             </a:endParaRPr>
           </a:p>
           <a:p>
-            <a:pPr marL="457200" lvl="0" indent="-317500" algn="l" rtl="0">
+            <a:pPr marL="0" marR="0" lvl="0" indent="0" algn="l" defTabSz="914400" rtl="0" eaLnBrk="0" fontAlgn="base" latinLnBrk="0" hangingPunct="0">
               <a:lnSpc>
-                <a:spcPct val="115000"/>
+                <a:spcPct val="100000"/>
               </a:lnSpc>
               <a:spcBef>
-                <a:spcPts val="1200"/>
-              </a:spcBef>
-              <a:spcAft>
-                <a:spcPts val="0"/>
-              </a:spcAft>
-              <a:buClr>
-                <a:schemeClr val="dk2"/>
-              </a:buClr>
-              <a:buSzPts val="1400"/>
-              <a:buChar char="-"/>
+                <a:spcPct val="0"/>
+              </a:spcBef>
+              <a:spcAft>
+                <a:spcPct val="0"/>
+              </a:spcAft>
+              <a:buClrTx/>
+              <a:buSzTx/>
+              <a:buFontTx/>
+              <a:buNone/>
+              <a:tabLst/>
             </a:pPr>
-            <a:r>
-              <a:rPr lang="en-GB">
-                <a:solidFill>
-                  <a:schemeClr val="dk2"/>
-                </a:solidFill>
-              </a:rPr>
-              <a:t>API definition (e.g. OpenAPI, jax-rs, gRPC, pact?)</a:t>
-            </a:r>
-            <a:endParaRPr>
+            <a:endParaRPr kumimoji="0" lang="ru-RU" altLang="ru-RU" sz="1800" b="0" i="0" u="none" strike="noStrike" cap="none" normalizeH="0" baseline="0">
+              <a:ln>
+                <a:noFill/>
+              </a:ln>
               <a:solidFill>
-                <a:schemeClr val="dk2"/>
+                <a:schemeClr val="tx1"/>
               </a:solidFill>
-            </a:endParaRPr>
-          </a:p>
-          <a:p>
-            <a:pPr marL="457200" lvl="0" indent="-317500" algn="l" rtl="0">
-              <a:lnSpc>
-                <a:spcPct val="115000"/>
-              </a:lnSpc>
-              <a:spcBef>
-                <a:spcPts val="0"/>
-              </a:spcBef>
-              <a:spcAft>
-                <a:spcPts val="0"/>
-              </a:spcAft>
-              <a:buClr>
-                <a:schemeClr val="dk2"/>
-              </a:buClr>
-              <a:buSzPts val="1400"/>
-              <a:buChar char="-"/>
-            </a:pPr>
-            <a:r>
-              <a:rPr lang="en-GB">
-                <a:solidFill>
-                  <a:schemeClr val="dk2"/>
-                </a:solidFill>
-              </a:rPr>
-              <a:t>Connection server for API (e.g. python gunicorn, java servlets, spring boot/cloud, glassfish...)</a:t>
-            </a:r>
-            <a:endParaRPr>
-              <a:solidFill>
-                <a:schemeClr val="dk2"/>
-              </a:solidFill>
-            </a:endParaRPr>
-          </a:p>
-          <a:p>
-            <a:pPr marL="457200" lvl="0" indent="-317500" algn="l" rtl="0">
-              <a:lnSpc>
-                <a:spcPct val="115000"/>
-              </a:lnSpc>
-              <a:spcBef>
-                <a:spcPts val="0"/>
-              </a:spcBef>
-              <a:spcAft>
-                <a:spcPts val="0"/>
-              </a:spcAft>
-              <a:buClr>
-                <a:schemeClr val="dk2"/>
-              </a:buClr>
-              <a:buSzPts val="1400"/>
-              <a:buChar char="-"/>
-            </a:pPr>
-            <a:r>
-              <a:rPr lang="en-GB">
-                <a:solidFill>
-                  <a:schemeClr val="dk2"/>
-                </a:solidFill>
-              </a:rPr>
-              <a:t>App framework (e.g. python flask/django, node.js, spring framework, jakarta?…)</a:t>
-            </a:r>
-            <a:endParaRPr>
-              <a:solidFill>
-                <a:schemeClr val="dk2"/>
-              </a:solidFill>
-            </a:endParaRPr>
-          </a:p>
-          <a:p>
-            <a:pPr marL="457200" lvl="0" indent="-317500" algn="l" rtl="0">
-              <a:lnSpc>
-                <a:spcPct val="115000"/>
-              </a:lnSpc>
-              <a:spcBef>
-                <a:spcPts val="0"/>
-              </a:spcBef>
-              <a:spcAft>
-                <a:spcPts val="0"/>
-              </a:spcAft>
-              <a:buClr>
-                <a:schemeClr val="dk2"/>
-              </a:buClr>
-              <a:buSzPts val="1400"/>
-              <a:buChar char="-"/>
-            </a:pPr>
-            <a:r>
-              <a:rPr lang="en-GB">
-                <a:solidFill>
-                  <a:schemeClr val="dk2"/>
-                </a:solidFill>
-              </a:rPr>
-              <a:t>Serialization/state format (json, xml, protobuf…)</a:t>
-            </a:r>
-            <a:endParaRPr>
-              <a:solidFill>
-                <a:schemeClr val="dk2"/>
-              </a:solidFill>
-            </a:endParaRPr>
-          </a:p>
-          <a:p>
-            <a:pPr marL="0" lvl="0" indent="0" algn="l" rtl="0">
-              <a:lnSpc>
-                <a:spcPct val="115000"/>
-              </a:lnSpc>
-              <a:spcBef>
-                <a:spcPts val="1200"/>
-              </a:spcBef>
-              <a:spcAft>
-                <a:spcPts val="0"/>
-              </a:spcAft>
-              <a:buNone/>
-            </a:pPr>
-            <a:r>
-              <a:rPr lang="en-GB" b="1">
-                <a:solidFill>
-                  <a:schemeClr val="dk2"/>
-                </a:solidFill>
-              </a:rPr>
-              <a:t>Asynchronous interactions (optional)</a:t>
-            </a:r>
-            <a:endParaRPr b="1">
-              <a:solidFill>
-                <a:schemeClr val="dk2"/>
-              </a:solidFill>
-            </a:endParaRPr>
-          </a:p>
-          <a:p>
-            <a:pPr marL="457200" lvl="0" indent="-317500" algn="l" rtl="0">
-              <a:lnSpc>
-                <a:spcPct val="115000"/>
-              </a:lnSpc>
-              <a:spcBef>
-                <a:spcPts val="1200"/>
-              </a:spcBef>
-              <a:spcAft>
-                <a:spcPts val="0"/>
-              </a:spcAft>
-              <a:buClr>
-                <a:schemeClr val="dk2"/>
-              </a:buClr>
-              <a:buSzPts val="1400"/>
-              <a:buChar char="-"/>
-            </a:pPr>
-            <a:r>
-              <a:rPr lang="en-GB">
-                <a:solidFill>
-                  <a:schemeClr val="dk2"/>
-                </a:solidFill>
-              </a:rPr>
-              <a:t>Message queue (e.g. rabbitmq, kafka, redis streams…)</a:t>
-            </a:r>
-            <a:endParaRPr>
-              <a:solidFill>
-                <a:schemeClr val="dk2"/>
-              </a:solidFill>
-            </a:endParaRPr>
-          </a:p>
-          <a:p>
-            <a:pPr marL="457200" lvl="0" indent="-317500" algn="l" rtl="0">
-              <a:lnSpc>
-                <a:spcPct val="115000"/>
-              </a:lnSpc>
-              <a:spcBef>
-                <a:spcPts val="0"/>
-              </a:spcBef>
-              <a:spcAft>
-                <a:spcPts val="0"/>
-              </a:spcAft>
-              <a:buClr>
-                <a:schemeClr val="dk2"/>
-              </a:buClr>
-              <a:buSzPts val="1400"/>
-              <a:buChar char="-"/>
-            </a:pPr>
-            <a:r>
-              <a:rPr lang="en-GB">
-                <a:solidFill>
-                  <a:schemeClr val="dk2"/>
-                </a:solidFill>
-              </a:rPr>
-              <a:t>Messaging client library (e.g. celery, spring stream …)</a:t>
-            </a:r>
-            <a:endParaRPr/>
-          </a:p>
-        </p:txBody>
-      </p:sp>
-      <p:sp>
-        <p:nvSpPr>
-          <p:cNvPr id="94" name="Google Shape;94;p19"/>
-          <p:cNvSpPr txBox="1"/>
-          <p:nvPr/>
-        </p:nvSpPr>
-        <p:spPr>
-          <a:xfrm>
-            <a:off x="5256800" y="1824025"/>
-            <a:ext cx="3674400" cy="3000000"/>
-          </a:xfrm>
-          <a:prstGeom prst="rect">
-            <a:avLst/>
-          </a:prstGeom>
-          <a:noFill/>
-          <a:ln>
-            <a:noFill/>
-          </a:ln>
-        </p:spPr>
-        <p:txBody>
-          <a:bodyPr spcFirstLastPara="1" wrap="square" lIns="91425" tIns="91425" rIns="91425" bIns="91425" anchor="t" anchorCtr="0">
-            <a:noAutofit/>
-          </a:bodyPr>
-          <a:lstStyle/>
-          <a:p>
-            <a:pPr marL="0" lvl="0" indent="0" algn="l" rtl="0">
-              <a:lnSpc>
-                <a:spcPct val="115000"/>
-              </a:lnSpc>
-              <a:spcBef>
-                <a:spcPts val="0"/>
-              </a:spcBef>
-              <a:spcAft>
-                <a:spcPts val="0"/>
-              </a:spcAft>
-              <a:buNone/>
-            </a:pPr>
-            <a:r>
-              <a:rPr lang="en-GB" b="1">
-                <a:solidFill>
-                  <a:schemeClr val="dk2"/>
-                </a:solidFill>
-              </a:rPr>
-              <a:t>Testing tools</a:t>
-            </a:r>
-            <a:r>
-              <a:rPr lang="en-GB">
-                <a:solidFill>
-                  <a:schemeClr val="dk2"/>
-                </a:solidFill>
-              </a:rPr>
-              <a:t> (e.g. pytest, junit, mockito, arquillian …)</a:t>
-            </a:r>
-            <a:endParaRPr>
-              <a:solidFill>
-                <a:schemeClr val="dk2"/>
-              </a:solidFill>
-            </a:endParaRPr>
-          </a:p>
-          <a:p>
-            <a:pPr marL="0" lvl="0" indent="0" algn="l" rtl="0">
-              <a:lnSpc>
-                <a:spcPct val="115000"/>
-              </a:lnSpc>
-              <a:spcBef>
-                <a:spcPts val="1200"/>
-              </a:spcBef>
-              <a:spcAft>
-                <a:spcPts val="0"/>
-              </a:spcAft>
-              <a:buNone/>
-            </a:pPr>
-            <a:r>
-              <a:rPr lang="en-GB" b="1">
-                <a:solidFill>
-                  <a:schemeClr val="dk2"/>
-                </a:solidFill>
-              </a:rPr>
-              <a:t>Operations</a:t>
-            </a:r>
-            <a:endParaRPr b="1">
-              <a:solidFill>
-                <a:schemeClr val="dk2"/>
-              </a:solidFill>
-            </a:endParaRPr>
-          </a:p>
-          <a:p>
-            <a:pPr marL="457200" lvl="0" indent="-317500" algn="l" rtl="0">
-              <a:lnSpc>
-                <a:spcPct val="115000"/>
-              </a:lnSpc>
-              <a:spcBef>
-                <a:spcPts val="1200"/>
-              </a:spcBef>
-              <a:spcAft>
-                <a:spcPts val="0"/>
-              </a:spcAft>
-              <a:buClr>
-                <a:schemeClr val="dk2"/>
-              </a:buClr>
-              <a:buSzPts val="1400"/>
-              <a:buChar char="-"/>
-            </a:pPr>
-            <a:r>
-              <a:rPr lang="en-GB">
-                <a:solidFill>
-                  <a:schemeClr val="dk2"/>
-                </a:solidFill>
-              </a:rPr>
-              <a:t>App initializer (e.g. Spring Initializr)</a:t>
-            </a:r>
-            <a:endParaRPr>
-              <a:solidFill>
-                <a:schemeClr val="dk2"/>
-              </a:solidFill>
-            </a:endParaRPr>
-          </a:p>
-          <a:p>
-            <a:pPr marL="457200" lvl="0" indent="-317500" algn="l" rtl="0">
-              <a:lnSpc>
-                <a:spcPct val="115000"/>
-              </a:lnSpc>
-              <a:spcBef>
-                <a:spcPts val="0"/>
-              </a:spcBef>
-              <a:spcAft>
-                <a:spcPts val="0"/>
-              </a:spcAft>
-              <a:buClr>
-                <a:schemeClr val="dk2"/>
-              </a:buClr>
-              <a:buSzPts val="1400"/>
-              <a:buChar char="-"/>
-            </a:pPr>
-            <a:r>
-              <a:rPr lang="en-GB">
-                <a:solidFill>
-                  <a:schemeClr val="dk2"/>
-                </a:solidFill>
-              </a:rPr>
-              <a:t>Code build (e.g. maven, makefile)</a:t>
-            </a:r>
-            <a:endParaRPr>
-              <a:solidFill>
-                <a:schemeClr val="dk2"/>
-              </a:solidFill>
-            </a:endParaRPr>
-          </a:p>
-          <a:p>
-            <a:pPr marL="457200" lvl="0" indent="-317500" algn="l" rtl="0">
-              <a:lnSpc>
-                <a:spcPct val="115000"/>
-              </a:lnSpc>
-              <a:spcBef>
-                <a:spcPts val="0"/>
-              </a:spcBef>
-              <a:spcAft>
-                <a:spcPts val="0"/>
-              </a:spcAft>
-              <a:buClr>
-                <a:schemeClr val="dk2"/>
-              </a:buClr>
-              <a:buSzPts val="1400"/>
-              <a:buChar char="-"/>
-            </a:pPr>
-            <a:r>
-              <a:rPr lang="en-GB">
-                <a:solidFill>
-                  <a:schemeClr val="dk2"/>
-                </a:solidFill>
-              </a:rPr>
-              <a:t>CI/CD pipeline (e.g. jenkins, gitlab..)</a:t>
-            </a:r>
-            <a:endParaRPr>
-              <a:solidFill>
-                <a:schemeClr val="dk2"/>
-              </a:solidFill>
-            </a:endParaRPr>
-          </a:p>
-          <a:p>
-            <a:pPr marL="457200" lvl="0" indent="-317500" algn="l" rtl="0">
-              <a:lnSpc>
-                <a:spcPct val="115000"/>
-              </a:lnSpc>
-              <a:spcBef>
-                <a:spcPts val="0"/>
-              </a:spcBef>
-              <a:spcAft>
-                <a:spcPts val="0"/>
-              </a:spcAft>
-              <a:buClr>
-                <a:schemeClr val="dk2"/>
-              </a:buClr>
-              <a:buSzPts val="1400"/>
-              <a:buChar char="-"/>
-            </a:pPr>
-            <a:r>
-              <a:rPr lang="en-GB">
-                <a:solidFill>
-                  <a:schemeClr val="dk2"/>
-                </a:solidFill>
-              </a:rPr>
-              <a:t>Delivery method (e.g. docker, war/ear, helm)</a:t>
-            </a:r>
-            <a:endParaRPr>
-              <a:solidFill>
-                <a:schemeClr val="dk2"/>
-              </a:solidFill>
-            </a:endParaRPr>
-          </a:p>
-          <a:p>
-            <a:pPr marL="457200" lvl="0" indent="-317500" algn="l" rtl="0">
-              <a:lnSpc>
-                <a:spcPct val="115000"/>
-              </a:lnSpc>
-              <a:spcBef>
-                <a:spcPts val="0"/>
-              </a:spcBef>
-              <a:spcAft>
-                <a:spcPts val="0"/>
-              </a:spcAft>
-              <a:buClr>
-                <a:schemeClr val="dk2"/>
-              </a:buClr>
-              <a:buSzPts val="1400"/>
-              <a:buChar char="-"/>
-            </a:pPr>
-            <a:r>
-              <a:rPr lang="en-GB">
-                <a:solidFill>
-                  <a:schemeClr val="dk2"/>
-                </a:solidFill>
-              </a:rPr>
-              <a:t>Logging &amp; monitoring (logrotate, prometheus, ELK, grafana, …) (optional)</a:t>
-            </a:r>
-            <a:endParaRPr>
-              <a:solidFill>
-                <a:schemeClr val="dk2"/>
-              </a:solidFill>
+              <a:effectLst/>
+              <a:latin typeface="Arial" panose="020B0604020202020204" pitchFamily="34" charset="0"/>
             </a:endParaRPr>
           </a:p>
         </p:txBody>
       </p:sp>
     </p:spTree>
+    <p:extLst>
+      <p:ext uri="{BB962C8B-B14F-4D97-AF65-F5344CB8AC3E}">
+        <p14:creationId xmlns:p14="http://schemas.microsoft.com/office/powerpoint/2010/main" val="3404193546"/>
+      </p:ext>
+    </p:extLst>
   </p:cSld>
   <p:clrMapOvr>
     <a:masterClrMapping/>
@@ -8098,7 +10349,7 @@
   <p:cSld>
     <p:spTree>
       <p:nvGrpSpPr>
-        <p:cNvPr id="1" name="Shape 98"/>
+        <p:cNvPr id="1" name="Shape 83"/>
         <p:cNvGrpSpPr/>
         <p:nvPr/>
       </p:nvGrpSpPr>
@@ -8112,7 +10363,7 @@
       </p:grpSpPr>
       <p:sp>
         <p:nvSpPr>
-          <p:cNvPr id="99" name="Google Shape;99;p20"/>
+          <p:cNvPr id="84" name="Google Shape;84;p18"/>
           <p:cNvSpPr txBox="1">
             <a:spLocks noGrp="1"/>
           </p:cNvSpPr>
@@ -8135,26 +10386,24 @@
           </a:bodyPr>
           <a:lstStyle/>
           <a:p>
-            <a:pPr marL="0" lvl="0" indent="0" algn="l" rtl="0">
-              <a:spcBef>
-                <a:spcPts val="0"/>
-              </a:spcBef>
-              <a:spcAft>
-                <a:spcPts val="0"/>
-              </a:spcAft>
-              <a:buNone/>
-            </a:pPr>
-            <a:r>
-              <a:rPr lang="en-GB"/>
-              <a:t>Some references</a:t>
-            </a:r>
-            <a:endParaRPr/>
+            <a:r>
+              <a:rPr lang="en-GB" dirty="0"/>
+              <a:t>API usage </a:t>
+            </a:r>
+            <a:r>
+              <a:rPr lang="en-US" b="1" dirty="0" err="1"/>
+              <a:t>OpenAPIGenerator</a:t>
+            </a:r>
+            <a:br>
+              <a:rPr lang="en-US" b="1" dirty="0"/>
+            </a:br>
+            <a:endParaRPr dirty="0"/>
           </a:p>
         </p:txBody>
       </p:sp>
       <p:sp>
         <p:nvSpPr>
-          <p:cNvPr id="100" name="Google Shape;100;p20"/>
+          <p:cNvPr id="86" name="Google Shape;86;p18"/>
           <p:cNvSpPr txBox="1">
             <a:spLocks noGrp="1"/>
           </p:cNvSpPr>
@@ -8165,7 +10414,7 @@
         <p:spPr>
           <a:xfrm>
             <a:off x="311700" y="1152475"/>
-            <a:ext cx="8520600" cy="3416400"/>
+            <a:ext cx="3000300" cy="3416400"/>
           </a:xfrm>
           <a:prstGeom prst="rect">
             <a:avLst/>
@@ -8184,33 +10433,21 @@
               <a:spcAft>
                 <a:spcPts val="0"/>
               </a:spcAft>
-              <a:buClr>
-                <a:schemeClr val="dk1"/>
-              </a:buClr>
-              <a:buSzPts val="1100"/>
-              <a:buFont typeface="Arial"/>
               <a:buNone/>
             </a:pPr>
             <a:r>
-              <a:rPr lang="en-GB" u="sng">
-                <a:solidFill>
-                  <a:schemeClr val="accent5"/>
-                </a:solidFill>
-                <a:hlinkClick r:id="rId3">
-                  <a:extLst>
-                    <a:ext uri="{A12FA001-AC4F-418D-AE19-62706E023703}">
-                      <ahyp:hlinkClr xmlns:ahyp="http://schemas.microsoft.com/office/drawing/2018/hyperlinkcolor" val="tx"/>
-                    </a:ext>
-                  </a:extLst>
-                </a:hlinkClick>
-              </a:rPr>
-              <a:t>https://github.com/mfornos/awesome-microservices</a:t>
-            </a:r>
-            <a:r>
-              <a:rPr lang="en-GB"/>
-              <a:t> </a:t>
-            </a:r>
-            <a:endParaRPr/>
+              <a:rPr lang="en-GB" dirty="0">
+                <a:solidFill>
+                  <a:srgbClr val="FF0000"/>
+                </a:solidFill>
+              </a:rPr>
+              <a:t>Fragment of a scenario - step before, step when invoked, a step after</a:t>
+            </a:r>
+            <a:endParaRPr dirty="0">
+              <a:solidFill>
+                <a:srgbClr val="FF0000"/>
+              </a:solidFill>
+            </a:endParaRPr>
           </a:p>
           <a:p>
             <a:pPr marL="0" lvl="0" indent="0" algn="l" rtl="0">
@@ -8220,29 +10457,21 @@
               <a:spcAft>
                 <a:spcPts val="0"/>
               </a:spcAft>
-              <a:buClr>
-                <a:schemeClr val="dk1"/>
-              </a:buClr>
-              <a:buSzPts val="1100"/>
-              <a:buFont typeface="Arial"/>
               <a:buNone/>
             </a:pPr>
             <a:r>
-              <a:rPr lang="en-GB" u="sng">
-                <a:solidFill>
-                  <a:schemeClr val="accent5"/>
-                </a:solidFill>
-                <a:hlinkClick r:id="rId4">
-                  <a:extLst>
-                    <a:ext uri="{A12FA001-AC4F-418D-AE19-62706E023703}">
-                      <ahyp:hlinkClr xmlns:ahyp="http://schemas.microsoft.com/office/drawing/2018/hyperlinkcolor" val="tx"/>
-                    </a:ext>
-                  </a:extLst>
-                </a:hlinkClick>
-              </a:rPr>
-              <a:t>https://awesomeopensource.com/projects/microservices-architecture</a:t>
-            </a:r>
-            <a:endParaRPr/>
+              <a:rPr lang="en-GB" dirty="0">
+                <a:solidFill>
+                  <a:srgbClr val="FF0000"/>
+                </a:solidFill>
+              </a:rPr>
+              <a:t>Or user story</a:t>
+            </a:r>
+            <a:endParaRPr dirty="0">
+              <a:solidFill>
+                <a:srgbClr val="FF0000"/>
+              </a:solidFill>
+            </a:endParaRPr>
           </a:p>
           <a:p>
             <a:pPr marL="0" lvl="0" indent="0" algn="l" rtl="0">
@@ -8255,15 +10484,18 @@
               <a:buNone/>
             </a:pPr>
             <a:r>
-              <a:rPr lang="en-GB" u="sng">
-                <a:solidFill>
-                  <a:schemeClr val="hlink"/>
-                </a:solidFill>
-                <a:hlinkClick r:id="rId5"/>
-              </a:rPr>
-              <a:t>https://www.redhat.com/en/blog/comparing-openapi-grpc</a:t>
-            </a:r>
-            <a:endParaRPr/>
+              <a:rPr lang="en-GB" dirty="0">
+                <a:solidFill>
+                  <a:srgbClr val="FF0000"/>
+                </a:solidFill>
+              </a:rPr>
+              <a:t>Or event flow fragment</a:t>
+            </a:r>
+            <a:endParaRPr dirty="0">
+              <a:solidFill>
+                <a:srgbClr val="FF0000"/>
+              </a:solidFill>
+            </a:endParaRPr>
           </a:p>
           <a:p>
             <a:pPr marL="0" lvl="0" indent="0" algn="l" rtl="0">
@@ -8276,19 +10508,18 @@
               <a:buNone/>
             </a:pPr>
             <a:r>
-              <a:rPr lang="en-GB" u="sng">
-                <a:solidFill>
-                  <a:schemeClr val="hlink"/>
-                </a:solidFill>
-                <a:hlinkClick r:id="rId6"/>
-              </a:rPr>
-              <a:t>https://cloud.google.com/apis/design/resources</a:t>
-            </a:r>
-            <a:r>
-              <a:rPr lang="en-GB"/>
-              <a:t> </a:t>
-            </a:r>
-            <a:endParaRPr/>
+              <a:rPr lang="en-GB" dirty="0">
+                <a:solidFill>
+                  <a:srgbClr val="FF0000"/>
+                </a:solidFill>
+              </a:rPr>
+              <a:t>Show all (most) places where the service is used</a:t>
+            </a:r>
+            <a:endParaRPr dirty="0">
+              <a:solidFill>
+                <a:srgbClr val="FF0000"/>
+              </a:solidFill>
+            </a:endParaRPr>
           </a:p>
           <a:p>
             <a:pPr marL="0" lvl="0" indent="0" algn="l" rtl="0">
@@ -8300,11 +10531,278 @@
               </a:spcAft>
               <a:buNone/>
             </a:pPr>
-            <a:endParaRPr/>
+            <a:endParaRPr dirty="0"/>
           </a:p>
         </p:txBody>
       </p:sp>
+      <p:pic>
+        <p:nvPicPr>
+          <p:cNvPr id="5" name="Picture 4">
+            <a:extLst>
+              <a:ext uri="{FF2B5EF4-FFF2-40B4-BE49-F238E27FC236}">
+                <a16:creationId xmlns:a16="http://schemas.microsoft.com/office/drawing/2014/main" id="{F27EAB64-52E9-4F07-B4D9-407AD54431C9}"/>
+              </a:ext>
+            </a:extLst>
+          </p:cNvPr>
+          <p:cNvPicPr>
+            <a:picLocks noChangeAspect="1"/>
+          </p:cNvPicPr>
+          <p:nvPr/>
+        </p:nvPicPr>
+        <p:blipFill>
+          <a:blip r:embed="rId3"/>
+          <a:srcRect/>
+          <a:stretch/>
+        </p:blipFill>
+        <p:spPr>
+          <a:xfrm>
+            <a:off x="3626541" y="2203806"/>
+            <a:ext cx="5205759" cy="1078846"/>
+          </a:xfrm>
+          <a:prstGeom prst="rect">
+            <a:avLst/>
+          </a:prstGeom>
+        </p:spPr>
+      </p:pic>
     </p:spTree>
+    <p:extLst>
+      <p:ext uri="{BB962C8B-B14F-4D97-AF65-F5344CB8AC3E}">
+        <p14:creationId xmlns:p14="http://schemas.microsoft.com/office/powerpoint/2010/main" val="2388190616"/>
+      </p:ext>
+    </p:extLst>
+  </p:cSld>
+  <p:clrMapOvr>
+    <a:masterClrMapping/>
+  </p:clrMapOvr>
+</p:sld>
+</file>
+
+<file path=ppt/slides/slide9.xml><?xml version="1.0" encoding="utf-8"?>
+<p:sld xmlns:a="http://schemas.openxmlformats.org/drawingml/2006/main" xmlns:r="http://schemas.openxmlformats.org/officeDocument/2006/relationships" xmlns:p="http://schemas.openxmlformats.org/presentationml/2006/main">
+  <p:cSld>
+    <p:spTree>
+      <p:nvGrpSpPr>
+        <p:cNvPr id="1" name="Shape 83"/>
+        <p:cNvGrpSpPr/>
+        <p:nvPr/>
+      </p:nvGrpSpPr>
+      <p:grpSpPr>
+        <a:xfrm>
+          <a:off x="0" y="0"/>
+          <a:ext cx="0" cy="0"/>
+          <a:chOff x="0" y="0"/>
+          <a:chExt cx="0" cy="0"/>
+        </a:xfrm>
+      </p:grpSpPr>
+      <p:sp>
+        <p:nvSpPr>
+          <p:cNvPr id="84" name="Google Shape;84;p18"/>
+          <p:cNvSpPr txBox="1">
+            <a:spLocks noGrp="1"/>
+          </p:cNvSpPr>
+          <p:nvPr>
+            <p:ph type="title"/>
+          </p:nvPr>
+        </p:nvSpPr>
+        <p:spPr>
+          <a:xfrm>
+            <a:off x="311700" y="445025"/>
+            <a:ext cx="8520600" cy="572700"/>
+          </a:xfrm>
+          <a:prstGeom prst="rect">
+            <a:avLst/>
+          </a:prstGeom>
+        </p:spPr>
+        <p:txBody>
+          <a:bodyPr spcFirstLastPara="1" wrap="square" lIns="91425" tIns="91425" rIns="91425" bIns="91425" anchor="t" anchorCtr="0">
+            <a:noAutofit/>
+          </a:bodyPr>
+          <a:lstStyle/>
+          <a:p>
+            <a:r>
+              <a:rPr lang="en-GB" dirty="0"/>
+              <a:t>API usage </a:t>
+            </a:r>
+            <a:r>
+              <a:rPr lang="en-US" b="1" dirty="0"/>
+              <a:t>Logger</a:t>
+            </a:r>
+            <a:br>
+              <a:rPr lang="en-US" b="1" dirty="0"/>
+            </a:br>
+            <a:endParaRPr dirty="0"/>
+          </a:p>
+        </p:txBody>
+      </p:sp>
+      <p:sp>
+        <p:nvSpPr>
+          <p:cNvPr id="86" name="Google Shape;86;p18"/>
+          <p:cNvSpPr txBox="1">
+            <a:spLocks noGrp="1"/>
+          </p:cNvSpPr>
+          <p:nvPr>
+            <p:ph type="body" idx="1"/>
+          </p:nvPr>
+        </p:nvSpPr>
+        <p:spPr>
+          <a:xfrm>
+            <a:off x="311700" y="1152475"/>
+            <a:ext cx="3000300" cy="3416400"/>
+          </a:xfrm>
+          <a:prstGeom prst="rect">
+            <a:avLst/>
+          </a:prstGeom>
+        </p:spPr>
+        <p:txBody>
+          <a:bodyPr spcFirstLastPara="1" wrap="square" lIns="91425" tIns="91425" rIns="91425" bIns="91425" anchor="t" anchorCtr="0">
+            <a:noAutofit/>
+          </a:bodyPr>
+          <a:lstStyle/>
+          <a:p>
+            <a:pPr marL="0" lvl="0" indent="0" algn="l" rtl="0">
+              <a:spcBef>
+                <a:spcPts val="0"/>
+              </a:spcBef>
+              <a:spcAft>
+                <a:spcPts val="0"/>
+              </a:spcAft>
+              <a:buNone/>
+            </a:pPr>
+            <a:r>
+              <a:rPr lang="en-GB" dirty="0">
+                <a:solidFill>
+                  <a:srgbClr val="FF0000"/>
+                </a:solidFill>
+              </a:rPr>
+              <a:t>Fragment of a scenario - step before, step when invoked, a step after</a:t>
+            </a:r>
+            <a:endParaRPr dirty="0">
+              <a:solidFill>
+                <a:srgbClr val="FF0000"/>
+              </a:solidFill>
+            </a:endParaRPr>
+          </a:p>
+          <a:p>
+            <a:pPr marL="0" lvl="0" indent="0" algn="l" rtl="0">
+              <a:spcBef>
+                <a:spcPts val="1200"/>
+              </a:spcBef>
+              <a:spcAft>
+                <a:spcPts val="0"/>
+              </a:spcAft>
+              <a:buNone/>
+            </a:pPr>
+            <a:r>
+              <a:rPr lang="en-GB" dirty="0">
+                <a:solidFill>
+                  <a:srgbClr val="FF0000"/>
+                </a:solidFill>
+              </a:rPr>
+              <a:t>Or user story</a:t>
+            </a:r>
+            <a:endParaRPr dirty="0">
+              <a:solidFill>
+                <a:srgbClr val="FF0000"/>
+              </a:solidFill>
+            </a:endParaRPr>
+          </a:p>
+          <a:p>
+            <a:pPr marL="0" lvl="0" indent="0" algn="l" rtl="0">
+              <a:spcBef>
+                <a:spcPts val="1200"/>
+              </a:spcBef>
+              <a:spcAft>
+                <a:spcPts val="0"/>
+              </a:spcAft>
+              <a:buNone/>
+            </a:pPr>
+            <a:r>
+              <a:rPr lang="en-GB" dirty="0">
+                <a:solidFill>
+                  <a:srgbClr val="FF0000"/>
+                </a:solidFill>
+              </a:rPr>
+              <a:t>Or event flow fragment</a:t>
+            </a:r>
+            <a:endParaRPr dirty="0">
+              <a:solidFill>
+                <a:srgbClr val="FF0000"/>
+              </a:solidFill>
+            </a:endParaRPr>
+          </a:p>
+          <a:p>
+            <a:pPr marL="0" lvl="0" indent="0" algn="l" rtl="0">
+              <a:spcBef>
+                <a:spcPts val="1200"/>
+              </a:spcBef>
+              <a:spcAft>
+                <a:spcPts val="0"/>
+              </a:spcAft>
+              <a:buNone/>
+            </a:pPr>
+            <a:r>
+              <a:rPr lang="en-GB" dirty="0">
+                <a:solidFill>
+                  <a:srgbClr val="FF0000"/>
+                </a:solidFill>
+              </a:rPr>
+              <a:t>Show all (most) places where the service is used</a:t>
+            </a:r>
+            <a:endParaRPr dirty="0">
+              <a:solidFill>
+                <a:srgbClr val="FF0000"/>
+              </a:solidFill>
+            </a:endParaRPr>
+          </a:p>
+          <a:p>
+            <a:pPr marL="0" lvl="0" indent="0" algn="l" rtl="0">
+              <a:spcBef>
+                <a:spcPts val="1200"/>
+              </a:spcBef>
+              <a:spcAft>
+                <a:spcPts val="1200"/>
+              </a:spcAft>
+              <a:buNone/>
+            </a:pPr>
+            <a:endParaRPr dirty="0"/>
+          </a:p>
+        </p:txBody>
+      </p:sp>
+      <p:pic>
+        <p:nvPicPr>
+          <p:cNvPr id="5" name="Picture 4">
+            <a:extLst>
+              <a:ext uri="{FF2B5EF4-FFF2-40B4-BE49-F238E27FC236}">
+                <a16:creationId xmlns:a16="http://schemas.microsoft.com/office/drawing/2014/main" id="{F27EAB64-52E9-4F07-B4D9-407AD54431C9}"/>
+              </a:ext>
+            </a:extLst>
+          </p:cNvPr>
+          <p:cNvPicPr>
+            <a:picLocks noChangeAspect="1"/>
+          </p:cNvPicPr>
+          <p:nvPr/>
+        </p:nvPicPr>
+        <p:blipFill>
+          <a:blip r:embed="rId3"/>
+          <a:srcRect/>
+          <a:stretch/>
+        </p:blipFill>
+        <p:spPr>
+          <a:xfrm>
+            <a:off x="3626541" y="2207056"/>
+            <a:ext cx="5205759" cy="1072347"/>
+          </a:xfrm>
+          <a:prstGeom prst="rect">
+            <a:avLst/>
+          </a:prstGeom>
+        </p:spPr>
+      </p:pic>
+    </p:spTree>
+    <p:extLst>
+      <p:ext uri="{BB962C8B-B14F-4D97-AF65-F5344CB8AC3E}">
+        <p14:creationId xmlns:p14="http://schemas.microsoft.com/office/powerpoint/2010/main" val="1814674138"/>
+      </p:ext>
+    </p:extLst>
   </p:cSld>
   <p:clrMapOvr>
     <a:masterClrMapping/>

--- a/PracticeTasks/Module2/Task_10/Task_10.pptx
+++ b/PracticeTasks/Module2/Task_10/Task_10.pptx
@@ -6872,7 +6872,7 @@
         </p:nvSpPr>
         <p:spPr>
           <a:xfrm>
-            <a:off x="311700" y="445025"/>
+            <a:off x="311700" y="288275"/>
             <a:ext cx="8520600" cy="572700"/>
           </a:xfrm>
           <a:prstGeom prst="rect">
@@ -6886,17 +6886,38 @@
           <a:lstStyle/>
           <a:p>
             <a:r>
-              <a:rPr lang="en-GB" dirty="0"/>
+              <a:rPr lang="en-GB" dirty="0">
+                <a:effectLst>
+                  <a:outerShdw blurRad="38100" dist="38100" dir="2700000" algn="tl">
+                    <a:srgbClr val="000000">
+                      <a:alpha val="43137"/>
+                    </a:srgbClr>
+                  </a:outerShdw>
+                </a:effectLst>
+              </a:rPr>
               <a:t>API usage </a:t>
             </a:r>
             <a:r>
-              <a:rPr lang="en-US" b="1" dirty="0" err="1"/>
+              <a:rPr lang="en-US" b="1" dirty="0" err="1">
+                <a:effectLst>
+                  <a:outerShdw blurRad="38100" dist="38100" dir="2700000" algn="tl">
+                    <a:srgbClr val="000000">
+                      <a:alpha val="43137"/>
+                    </a:srgbClr>
+                  </a:outerShdw>
+                </a:effectLst>
+              </a:rPr>
               <a:t>RequestRouter</a:t>
             </a:r>
-            <a:br>
-              <a:rPr lang="en-US" b="1" dirty="0"/>
-            </a:br>
-            <a:endParaRPr dirty="0"/>
+            <a:endParaRPr dirty="0">
+              <a:effectLst>
+                <a:outerShdw blurRad="38100" dist="38100" dir="2700000" algn="tl">
+                  <a:srgbClr val="000000">
+                    <a:alpha val="43137"/>
+                  </a:srgbClr>
+                </a:outerShdw>
+              </a:effectLst>
+            </a:endParaRPr>
           </a:p>
         </p:txBody>
       </p:sp>
@@ -6935,102 +6956,110 @@
               <a:buNone/>
             </a:pPr>
             <a:r>
-              <a:rPr lang="en-GB" dirty="0">
-                <a:solidFill>
-                  <a:srgbClr val="FF0000"/>
-                </a:solidFill>
-              </a:rPr>
-              <a:t>Fragment of a scenario - step before, step when invoked, a step after</a:t>
+              <a:rPr lang="en-US" dirty="0">
+                <a:solidFill>
+                  <a:schemeClr val="tx1"/>
+                </a:solidFill>
+              </a:rPr>
+              <a:t>Use Case: Forward Request</a:t>
+            </a:r>
+          </a:p>
+          <a:p>
+            <a:pPr marL="0" lvl="0" indent="0" algn="l" rtl="0">
+              <a:spcBef>
+                <a:spcPts val="0"/>
+              </a:spcBef>
+              <a:spcAft>
+                <a:spcPts val="0"/>
+              </a:spcAft>
+              <a:buNone/>
+            </a:pPr>
+            <a:r>
+              <a:rPr lang="en-US" dirty="0">
+                <a:solidFill>
+                  <a:schemeClr val="tx1"/>
+                </a:solidFill>
+              </a:rPr>
+              <a:t>Scenario:</a:t>
+            </a:r>
+          </a:p>
+          <a:p>
+            <a:pPr marL="0" lvl="0" indent="0" algn="l" rtl="0">
+              <a:spcBef>
+                <a:spcPts val="0"/>
+              </a:spcBef>
+              <a:spcAft>
+                <a:spcPts val="0"/>
+              </a:spcAft>
+              <a:buNone/>
+            </a:pPr>
+            <a:r>
+              <a:rPr lang="en-US" dirty="0">
+                <a:solidFill>
+                  <a:schemeClr val="tx1"/>
+                </a:solidFill>
+              </a:rPr>
+              <a:t>User sends request to a service</a:t>
+            </a:r>
+          </a:p>
+          <a:p>
+            <a:pPr marL="0" lvl="0" indent="0" algn="l" rtl="0">
+              <a:spcBef>
+                <a:spcPts val="0"/>
+              </a:spcBef>
+              <a:spcAft>
+                <a:spcPts val="0"/>
+              </a:spcAft>
+              <a:buNone/>
+            </a:pPr>
+            <a:r>
+              <a:rPr lang="en-US" dirty="0">
+                <a:solidFill>
+                  <a:schemeClr val="tx1"/>
+                </a:solidFill>
+              </a:rPr>
+              <a:t>Request is being validated by </a:t>
+            </a:r>
+            <a:r>
+              <a:rPr lang="en-US" dirty="0" err="1">
+                <a:solidFill>
+                  <a:schemeClr val="tx1"/>
+                </a:solidFill>
+              </a:rPr>
+              <a:t>OpenAPI</a:t>
+            </a:r>
+            <a:r>
+              <a:rPr lang="en-US" dirty="0">
+                <a:solidFill>
+                  <a:schemeClr val="tx1"/>
+                </a:solidFill>
+              </a:rPr>
+              <a:t> schema</a:t>
+            </a:r>
+          </a:p>
+          <a:p>
+            <a:pPr marL="0" lvl="0" indent="0" algn="l" rtl="0">
+              <a:spcBef>
+                <a:spcPts val="0"/>
+              </a:spcBef>
+              <a:spcAft>
+                <a:spcPts val="0"/>
+              </a:spcAft>
+              <a:buNone/>
+            </a:pPr>
+            <a:r>
+              <a:rPr lang="en-US" dirty="0">
+                <a:solidFill>
+                  <a:schemeClr val="tx1"/>
+                </a:solidFill>
+              </a:rPr>
+              <a:t>Request is being forwarded to a specific K8s service</a:t>
             </a:r>
             <a:endParaRPr dirty="0">
               <a:solidFill>
-                <a:srgbClr val="FF0000"/>
+                <a:schemeClr val="tx1"/>
               </a:solidFill>
             </a:endParaRPr>
-          </a:p>
-          <a:p>
-            <a:pPr marL="0" lvl="0" indent="0" algn="l" rtl="0">
-              <a:spcBef>
-                <a:spcPts val="1200"/>
-              </a:spcBef>
-              <a:spcAft>
-                <a:spcPts val="0"/>
-              </a:spcAft>
-              <a:buNone/>
-            </a:pPr>
-            <a:r>
-              <a:rPr lang="en-GB" dirty="0">
-                <a:solidFill>
-                  <a:srgbClr val="FF0000"/>
-                </a:solidFill>
-              </a:rPr>
-              <a:t>Or user story</a:t>
-            </a:r>
-            <a:endParaRPr dirty="0">
-              <a:solidFill>
-                <a:srgbClr val="FF0000"/>
-              </a:solidFill>
-            </a:endParaRPr>
-          </a:p>
-          <a:p>
-            <a:pPr marL="0" lvl="0" indent="0" algn="l" rtl="0">
-              <a:spcBef>
-                <a:spcPts val="1200"/>
-              </a:spcBef>
-              <a:spcAft>
-                <a:spcPts val="0"/>
-              </a:spcAft>
-              <a:buNone/>
-            </a:pPr>
-            <a:r>
-              <a:rPr lang="en-GB" dirty="0">
-                <a:solidFill>
-                  <a:srgbClr val="FF0000"/>
-                </a:solidFill>
-              </a:rPr>
-              <a:t>Or event flow fragment</a:t>
-            </a:r>
-            <a:endParaRPr dirty="0">
-              <a:solidFill>
-                <a:srgbClr val="FF0000"/>
-              </a:solidFill>
-            </a:endParaRPr>
-          </a:p>
-          <a:p>
-            <a:pPr marL="0" lvl="0" indent="0" algn="l" rtl="0">
-              <a:spcBef>
-                <a:spcPts val="1200"/>
-              </a:spcBef>
-              <a:spcAft>
-                <a:spcPts val="0"/>
-              </a:spcAft>
-              <a:buNone/>
-            </a:pPr>
-            <a:r>
-              <a:rPr lang="en-GB" dirty="0">
-                <a:solidFill>
-                  <a:srgbClr val="FF0000"/>
-                </a:solidFill>
-              </a:rPr>
-              <a:t>Show all (most) places where the service is used</a:t>
-            </a:r>
-            <a:endParaRPr dirty="0">
-              <a:solidFill>
-                <a:srgbClr val="FF0000"/>
-              </a:solidFill>
-            </a:endParaRPr>
-          </a:p>
-          <a:p>
-            <a:pPr marL="0" lvl="0" indent="0" algn="l" rtl="0">
-              <a:spcBef>
-                <a:spcPts val="1200"/>
-              </a:spcBef>
-              <a:spcAft>
-                <a:spcPts val="1200"/>
-              </a:spcAft>
-              <a:buNone/>
-            </a:pPr>
-            <a:endParaRPr dirty="0"/>
           </a:p>
         </p:txBody>
       </p:sp>
@@ -7105,7 +7134,7 @@
         </p:nvSpPr>
         <p:spPr>
           <a:xfrm>
-            <a:off x="311700" y="445025"/>
+            <a:off x="170506" y="169361"/>
             <a:ext cx="8520600" cy="572700"/>
           </a:xfrm>
           <a:prstGeom prst="rect">
@@ -7128,77 +7157,32 @@
               <a:buNone/>
             </a:pPr>
             <a:r>
-              <a:rPr lang="en-GB" dirty="0">
-                <a:solidFill>
-                  <a:srgbClr val="FF0000"/>
-                </a:solidFill>
+              <a:rPr lang="en-GB" b="1" dirty="0">
+                <a:solidFill>
+                  <a:schemeClr val="tx1"/>
+                </a:solidFill>
+                <a:effectLst>
+                  <a:outerShdw blurRad="38100" dist="38100" dir="2700000" algn="tl">
+                    <a:srgbClr val="000000">
+                      <a:alpha val="43137"/>
+                    </a:srgbClr>
+                  </a:outerShdw>
+                </a:effectLst>
               </a:rPr>
               <a:t>Solution stack (prepare)</a:t>
             </a:r>
-            <a:endParaRPr dirty="0">
+            <a:endParaRPr b="1" dirty="0">
               <a:solidFill>
-                <a:srgbClr val="FF0000"/>
+                <a:schemeClr val="tx1"/>
               </a:solidFill>
+              <a:effectLst>
+                <a:outerShdw blurRad="38100" dist="38100" dir="2700000" algn="tl">
+                  <a:srgbClr val="000000">
+                    <a:alpha val="43137"/>
+                  </a:srgbClr>
+                </a:outerShdw>
+              </a:effectLst>
             </a:endParaRPr>
-          </a:p>
-        </p:txBody>
-      </p:sp>
-      <p:sp>
-        <p:nvSpPr>
-          <p:cNvPr id="92" name="Google Shape;92;p19"/>
-          <p:cNvSpPr txBox="1">
-            <a:spLocks noGrp="1"/>
-          </p:cNvSpPr>
-          <p:nvPr>
-            <p:ph type="body" idx="1"/>
-          </p:nvPr>
-        </p:nvSpPr>
-        <p:spPr>
-          <a:xfrm>
-            <a:off x="311700" y="1152475"/>
-            <a:ext cx="8520600" cy="626100"/>
-          </a:xfrm>
-          <a:prstGeom prst="rect">
-            <a:avLst/>
-          </a:prstGeom>
-        </p:spPr>
-        <p:txBody>
-          <a:bodyPr spcFirstLastPara="1" wrap="square" lIns="91425" tIns="91425" rIns="91425" bIns="91425" anchor="t" anchorCtr="0">
-            <a:noAutofit/>
-          </a:bodyPr>
-          <a:lstStyle/>
-          <a:p>
-            <a:pPr marL="0" lvl="0" indent="0" algn="l" rtl="0">
-              <a:spcBef>
-                <a:spcPts val="0"/>
-              </a:spcBef>
-              <a:spcAft>
-                <a:spcPts val="0"/>
-              </a:spcAft>
-              <a:buClr>
-                <a:schemeClr val="dk1"/>
-              </a:buClr>
-              <a:buSzPts val="1100"/>
-              <a:buFont typeface="Arial"/>
-              <a:buNone/>
-            </a:pPr>
-            <a:r>
-              <a:rPr lang="en-GB" sz="1400"/>
-              <a:t>Find an example implementation of a microservices application in the programming language chosen. Specify one value for each option below</a:t>
-            </a:r>
-            <a:endParaRPr sz="1400"/>
-          </a:p>
-          <a:p>
-            <a:pPr marL="0" lvl="0" indent="0" algn="l" rtl="0">
-              <a:spcBef>
-                <a:spcPts val="1200"/>
-              </a:spcBef>
-              <a:spcAft>
-                <a:spcPts val="1200"/>
-              </a:spcAft>
-              <a:buNone/>
-            </a:pPr>
-            <a:endParaRPr sz="1400"/>
           </a:p>
         </p:txBody>
       </p:sp>
@@ -7210,7 +7194,7 @@
         </p:nvSpPr>
         <p:spPr>
           <a:xfrm>
-            <a:off x="228600" y="1824025"/>
+            <a:off x="212800" y="1151672"/>
             <a:ext cx="5034000" cy="3319500"/>
           </a:xfrm>
           <a:prstGeom prst="rect">
@@ -7254,6 +7238,147 @@
             </a:endParaRPr>
           </a:p>
           <a:p>
+            <a:pPr marL="108000" lvl="0" algn="l" rtl="0">
+              <a:lnSpc>
+                <a:spcPct val="150000"/>
+              </a:lnSpc>
+              <a:spcAft>
+                <a:spcPts val="0"/>
+              </a:spcAft>
+              <a:buClr>
+                <a:schemeClr val="dk2"/>
+              </a:buClr>
+              <a:buSzPts val="1400"/>
+            </a:pPr>
+            <a:r>
+              <a:rPr lang="en-GB" dirty="0">
+                <a:solidFill>
+                  <a:schemeClr val="dk2"/>
+                </a:solidFill>
+              </a:rPr>
+              <a:t>- API definition: </a:t>
+            </a:r>
+            <a:r>
+              <a:rPr lang="en-GB" dirty="0" err="1">
+                <a:solidFill>
+                  <a:schemeClr val="dk2"/>
+                </a:solidFill>
+              </a:rPr>
+              <a:t>OpenAPI</a:t>
+            </a:r>
+            <a:endParaRPr lang="en-GB" dirty="0">
+              <a:solidFill>
+                <a:schemeClr val="dk2"/>
+              </a:solidFill>
+            </a:endParaRPr>
+          </a:p>
+          <a:p>
+            <a:pPr marL="108000" lvl="0" algn="l" rtl="0">
+              <a:lnSpc>
+                <a:spcPct val="150000"/>
+              </a:lnSpc>
+              <a:spcAft>
+                <a:spcPts val="0"/>
+              </a:spcAft>
+              <a:buClr>
+                <a:schemeClr val="dk2"/>
+              </a:buClr>
+              <a:buSzPts val="1400"/>
+            </a:pPr>
+            <a:r>
+              <a:rPr lang="en-GB" dirty="0">
+                <a:solidFill>
+                  <a:schemeClr val="dk2"/>
+                </a:solidFill>
+              </a:rPr>
+              <a:t>- Connection server for API: python </a:t>
+            </a:r>
+            <a:r>
+              <a:rPr lang="en-GB" dirty="0" err="1">
+                <a:solidFill>
+                  <a:schemeClr val="dk2"/>
+                </a:solidFill>
+              </a:rPr>
+              <a:t>gunicorn</a:t>
+            </a:r>
+            <a:endParaRPr lang="en-GB" dirty="0">
+              <a:solidFill>
+                <a:schemeClr val="dk2"/>
+              </a:solidFill>
+            </a:endParaRPr>
+          </a:p>
+          <a:p>
+            <a:pPr marL="108000" lvl="0" algn="l" rtl="0">
+              <a:lnSpc>
+                <a:spcPct val="150000"/>
+              </a:lnSpc>
+              <a:spcAft>
+                <a:spcPts val="0"/>
+              </a:spcAft>
+              <a:buClr>
+                <a:schemeClr val="dk2"/>
+              </a:buClr>
+              <a:buSzPts val="1400"/>
+            </a:pPr>
+            <a:r>
+              <a:rPr lang="en-GB" dirty="0">
+                <a:solidFill>
+                  <a:schemeClr val="dk2"/>
+                </a:solidFill>
+              </a:rPr>
+              <a:t>- App framework: python flask</a:t>
+            </a:r>
+          </a:p>
+          <a:p>
+            <a:pPr marL="108000" lvl="0" algn="l" rtl="0">
+              <a:lnSpc>
+                <a:spcPct val="150000"/>
+              </a:lnSpc>
+              <a:spcAft>
+                <a:spcPts val="0"/>
+              </a:spcAft>
+              <a:buClr>
+                <a:schemeClr val="dk2"/>
+              </a:buClr>
+              <a:buSzPts val="1400"/>
+            </a:pPr>
+            <a:r>
+              <a:rPr lang="en-GB" dirty="0">
+                <a:solidFill>
+                  <a:schemeClr val="dk2"/>
+                </a:solidFill>
+              </a:rPr>
+              <a:t>- Serialization/state format: json</a:t>
+            </a:r>
+            <a:endParaRPr lang="en-US" dirty="0">
+              <a:solidFill>
+                <a:schemeClr val="dk2"/>
+              </a:solidFill>
+            </a:endParaRPr>
+          </a:p>
+          <a:p>
+            <a:pPr marL="0" lvl="0" indent="0" algn="l" rtl="0">
+              <a:lnSpc>
+                <a:spcPct val="115000"/>
+              </a:lnSpc>
+              <a:spcBef>
+                <a:spcPts val="1200"/>
+              </a:spcBef>
+              <a:spcAft>
+                <a:spcPts val="0"/>
+              </a:spcAft>
+              <a:buNone/>
+            </a:pPr>
+            <a:r>
+              <a:rPr lang="en-US" b="1" dirty="0">
+                <a:solidFill>
+                  <a:schemeClr val="dk2"/>
+                </a:solidFill>
+              </a:rPr>
+              <a:t>Asynchronous interactions (optional)</a:t>
+            </a:r>
+          </a:p>
+          <a:p>
             <a:pPr marL="457200" lvl="0" indent="-317500" algn="l" rtl="0">
               <a:lnSpc>
                 <a:spcPct val="115000"/>
@@ -7276,7 +7401,7 @@
                   <a:schemeClr val="dk2"/>
                 </a:solidFill>
               </a:rPr>
-              <a:t>API definition (e.g. </a:t>
+              <a:t>Message queue: (e.g. </a:t>
             </a:r>
             <a:r>
               <a:rPr lang="en-GB" dirty="0" err="1">
@@ -7284,7 +7409,7 @@
                   <a:schemeClr val="dk2"/>
                 </a:solidFill>
               </a:rPr>
-              <a:t>OpenAPI</a:t>
+              <a:t>rabbitmq</a:t>
             </a:r>
             <a:r>
               <a:rPr lang="en-GB" dirty="0">
@@ -7300,7 +7425,7 @@
                   <a:schemeClr val="dk2"/>
                 </a:solidFill>
               </a:rPr>
-              <a:t>jax-rs</a:t>
+              <a:t>kafka</a:t>
             </a:r>
             <a:r>
               <a:rPr lang="en-GB" dirty="0">
@@ -7316,7 +7441,7 @@
                   <a:schemeClr val="dk2"/>
                 </a:solidFill>
               </a:rPr>
-              <a:t>gRPC</a:t>
+              <a:t>redis</a:t>
             </a:r>
             <a:r>
               <a:rPr lang="en-GB" dirty="0">
@@ -7324,7 +7449,7 @@
                   <a:schemeClr val="dk2"/>
                 </a:solidFill>
               </a:rPr>
-              <a:t>, pact?)</a:t>
+              <a:t> streams…)</a:t>
             </a:r>
             <a:endParaRPr dirty="0">
               <a:solidFill>
@@ -7355,270 +7480,7 @@
                   <a:schemeClr val="dk2"/>
                 </a:solidFill>
               </a:rPr>
-              <a:t>Connection server for API (e.g. python </a:t>
-            </a:r>
-            <a:r>
-              <a:rPr lang="en-GB" dirty="0" err="1">
-                <a:solidFill>
-                  <a:schemeClr val="dk2"/>
-                </a:solidFill>
-              </a:rPr>
-              <a:t>gunicorn</a:t>
-            </a:r>
-            <a:r>
-              <a:rPr lang="en-GB" dirty="0">
-                <a:solidFill>
-                  <a:schemeClr val="dk2"/>
-                </a:solidFill>
-              </a:rPr>
-              <a:t>, java servlets, spring boot/cloud, glassfish...)</a:t>
-            </a:r>
-            <a:endParaRPr dirty="0">
-              <a:solidFill>
-                <a:schemeClr val="dk2"/>
-              </a:solidFill>
-            </a:endParaRPr>
-          </a:p>
-          <a:p>
-            <a:pPr marL="457200" lvl="0" indent="-317500" algn="l" rtl="0">
-              <a:lnSpc>
-                <a:spcPct val="115000"/>
-              </a:lnSpc>
-              <a:spcBef>
-                <a:spcPts val="0"/>
-              </a:spcBef>
-              <a:spcAft>
-                <a:spcPts val="0"/>
-              </a:spcAft>
-              <a:buClr>
-                <a:schemeClr val="dk2"/>
-              </a:buClr>
-              <a:buSzPts val="1400"/>
-              <a:buChar char="-"/>
-            </a:pPr>
-            <a:r>
-              <a:rPr lang="en-GB" dirty="0">
-                <a:solidFill>
-                  <a:schemeClr val="dk2"/>
-                </a:solidFill>
-              </a:rPr>
-              <a:t>App framework (e.g. python flask/</a:t>
-            </a:r>
-            <a:r>
-              <a:rPr lang="en-GB" dirty="0" err="1">
-                <a:solidFill>
-                  <a:schemeClr val="dk2"/>
-                </a:solidFill>
-              </a:rPr>
-              <a:t>django</a:t>
-            </a:r>
-            <a:r>
-              <a:rPr lang="en-GB" dirty="0">
-                <a:solidFill>
-                  <a:schemeClr val="dk2"/>
-                </a:solidFill>
-              </a:rPr>
-              <a:t>, node.js, spring framework, </a:t>
-            </a:r>
-            <a:r>
-              <a:rPr lang="en-GB" dirty="0" err="1">
-                <a:solidFill>
-                  <a:schemeClr val="dk2"/>
-                </a:solidFill>
-              </a:rPr>
-              <a:t>jakarta</a:t>
-            </a:r>
-            <a:r>
-              <a:rPr lang="en-GB" dirty="0">
-                <a:solidFill>
-                  <a:schemeClr val="dk2"/>
-                </a:solidFill>
-              </a:rPr>
-              <a:t>?…)</a:t>
-            </a:r>
-            <a:endParaRPr dirty="0">
-              <a:solidFill>
-                <a:schemeClr val="dk2"/>
-              </a:solidFill>
-            </a:endParaRPr>
-          </a:p>
-          <a:p>
-            <a:pPr marL="457200" lvl="0" indent="-317500" algn="l" rtl="0">
-              <a:lnSpc>
-                <a:spcPct val="115000"/>
-              </a:lnSpc>
-              <a:spcBef>
-                <a:spcPts val="0"/>
-              </a:spcBef>
-              <a:spcAft>
-                <a:spcPts val="0"/>
-              </a:spcAft>
-              <a:buClr>
-                <a:schemeClr val="dk2"/>
-              </a:buClr>
-              <a:buSzPts val="1400"/>
-              <a:buChar char="-"/>
-            </a:pPr>
-            <a:r>
-              <a:rPr lang="en-GB" dirty="0">
-                <a:solidFill>
-                  <a:schemeClr val="dk2"/>
-                </a:solidFill>
-              </a:rPr>
-              <a:t>Serialization/state format (json, xml, </a:t>
-            </a:r>
-            <a:r>
-              <a:rPr lang="en-GB" dirty="0" err="1">
-                <a:solidFill>
-                  <a:schemeClr val="dk2"/>
-                </a:solidFill>
-              </a:rPr>
-              <a:t>protobuf</a:t>
-            </a:r>
-            <a:r>
-              <a:rPr lang="en-GB" dirty="0">
-                <a:solidFill>
-                  <a:schemeClr val="dk2"/>
-                </a:solidFill>
-              </a:rPr>
-              <a:t>…)</a:t>
-            </a:r>
-            <a:endParaRPr dirty="0">
-              <a:solidFill>
-                <a:schemeClr val="dk2"/>
-              </a:solidFill>
-            </a:endParaRPr>
-          </a:p>
-          <a:p>
-            <a:pPr marL="0" lvl="0" indent="0" algn="l" rtl="0">
-              <a:lnSpc>
-                <a:spcPct val="115000"/>
-              </a:lnSpc>
-              <a:spcBef>
-                <a:spcPts val="1200"/>
-              </a:spcBef>
-              <a:spcAft>
-                <a:spcPts val="0"/>
-              </a:spcAft>
-              <a:buNone/>
-            </a:pPr>
-            <a:r>
-              <a:rPr lang="en-GB" b="1" dirty="0">
-                <a:solidFill>
-                  <a:schemeClr val="dk2"/>
-                </a:solidFill>
-              </a:rPr>
-              <a:t>Asynchronous interactions (optional)</a:t>
-            </a:r>
-            <a:endParaRPr b="1" dirty="0">
-              <a:solidFill>
-                <a:schemeClr val="dk2"/>
-              </a:solidFill>
-            </a:endParaRPr>
-          </a:p>
-          <a:p>
-            <a:pPr marL="457200" lvl="0" indent="-317500" algn="l" rtl="0">
-              <a:lnSpc>
-                <a:spcPct val="115000"/>
-              </a:lnSpc>
-              <a:spcBef>
-                <a:spcPts val="1200"/>
-              </a:spcBef>
-              <a:spcAft>
-                <a:spcPts val="0"/>
-              </a:spcAft>
-              <a:buClr>
-                <a:schemeClr val="dk2"/>
-              </a:buClr>
-              <a:buSzPts val="1400"/>
-              <a:buChar char="-"/>
-            </a:pPr>
-            <a:r>
-              <a:rPr lang="en-GB" dirty="0">
-                <a:solidFill>
-                  <a:schemeClr val="dk2"/>
-                </a:solidFill>
-              </a:rPr>
-              <a:t>Message queue (e.g. </a:t>
-            </a:r>
-            <a:r>
-              <a:rPr lang="en-GB" dirty="0" err="1">
-                <a:solidFill>
-                  <a:schemeClr val="dk2"/>
-                </a:solidFill>
-              </a:rPr>
-              <a:t>rabbitmq</a:t>
-            </a:r>
-            <a:r>
-              <a:rPr lang="en-GB" dirty="0">
-                <a:solidFill>
-                  <a:schemeClr val="dk2"/>
-                </a:solidFill>
-              </a:rPr>
-              <a:t>, </a:t>
-            </a:r>
-            <a:r>
-              <a:rPr lang="en-GB" dirty="0" err="1">
-                <a:solidFill>
-                  <a:schemeClr val="dk2"/>
-                </a:solidFill>
-              </a:rPr>
-              <a:t>kafka</a:t>
-            </a:r>
-            <a:r>
-              <a:rPr lang="en-GB" dirty="0">
-                <a:solidFill>
-                  <a:schemeClr val="dk2"/>
-                </a:solidFill>
-              </a:rPr>
-              <a:t>, </a:t>
-            </a:r>
-            <a:r>
-              <a:rPr lang="en-GB" dirty="0" err="1">
-                <a:solidFill>
-                  <a:schemeClr val="dk2"/>
-                </a:solidFill>
-              </a:rPr>
-              <a:t>redis</a:t>
-            </a:r>
-            <a:r>
-              <a:rPr lang="en-GB" dirty="0">
-                <a:solidFill>
-                  <a:schemeClr val="dk2"/>
-                </a:solidFill>
-              </a:rPr>
-              <a:t> streams…)</a:t>
-            </a:r>
-            <a:endParaRPr dirty="0">
-              <a:solidFill>
-                <a:schemeClr val="dk2"/>
-              </a:solidFill>
-            </a:endParaRPr>
-          </a:p>
-          <a:p>
-            <a:pPr marL="457200" lvl="0" indent="-317500" algn="l" rtl="0">
-              <a:lnSpc>
-                <a:spcPct val="115000"/>
-              </a:lnSpc>
-              <a:spcBef>
-                <a:spcPts val="0"/>
-              </a:spcBef>
-              <a:spcAft>
-                <a:spcPts val="0"/>
-              </a:spcAft>
-              <a:buClr>
-                <a:schemeClr val="dk2"/>
-              </a:buClr>
-              <a:buSzPts val="1400"/>
-              <a:buChar char="-"/>
-            </a:pPr>
-            <a:r>
-              <a:rPr lang="en-GB" dirty="0">
-                <a:solidFill>
-                  <a:schemeClr val="dk2"/>
-                </a:solidFill>
-              </a:rPr>
-              <a:t>Messaging client library (e.g. celery, spring stream …)</a:t>
+              <a:t>Messaging client library: (e.g. celery, spring stream …)</a:t>
             </a:r>
             <a:endParaRPr dirty="0"/>
           </a:p>
@@ -7632,7 +7494,7 @@
         </p:nvSpPr>
         <p:spPr>
           <a:xfrm>
-            <a:off x="5256800" y="1824025"/>
+            <a:off x="5246800" y="1151672"/>
             <a:ext cx="3674400" cy="3000000"/>
           </a:xfrm>
           <a:prstGeom prst="rect">
@@ -7662,7 +7524,7 @@
               <a:buNone/>
             </a:pPr>
             <a:r>
-              <a:rPr lang="en-GB" b="1">
+              <a:rPr lang="en-GB" b="1" dirty="0">
                 <a:solidFill>
                   <a:schemeClr val="dk2"/>
                 </a:solidFill>
@@ -7670,14 +7532,22 @@
               <a:t>Testing tools</a:t>
             </a:r>
             <a:r>
-              <a:rPr lang="en-GB">
+              <a:rPr lang="en-GB" dirty="0">
                 <a:solidFill>
                   <a:schemeClr val="dk2"/>
                 </a:solidFill>
               </a:rPr>
-              <a:t> (e.g. pytest, junit, mockito, arquillian …)</a:t>
-            </a:r>
-            <a:endParaRPr>
+              <a:t> </a:t>
+            </a:r>
+            <a:r>
+              <a:rPr lang="en-GB" dirty="0" err="1">
+                <a:solidFill>
+                  <a:schemeClr val="dk2"/>
+                </a:solidFill>
+              </a:rPr>
+              <a:t>pytest</a:t>
+            </a:r>
+            <a:endParaRPr dirty="0">
               <a:solidFill>
                 <a:schemeClr val="dk2"/>
               </a:solidFill>
@@ -7697,14 +7567,14 @@
               <a:buNone/>
             </a:pPr>
             <a:r>
-              <a:rPr lang="en-GB" b="1">
+              <a:rPr lang="en-GB" b="1" dirty="0">
                 <a:solidFill>
                   <a:schemeClr val="dk2"/>
                 </a:solidFill>
               </a:rPr>
               <a:t>Operations</a:t>
             </a:r>
-            <a:endParaRPr b="1">
+            <a:endParaRPr b="1" dirty="0">
               <a:solidFill>
                 <a:schemeClr val="dk2"/>
               </a:solidFill>
@@ -7728,14 +7598,14 @@
               <a:buChar char="-"/>
             </a:pPr>
             <a:r>
-              <a:rPr lang="en-GB">
+              <a:rPr lang="en-GB" dirty="0">
                 <a:solidFill>
                   <a:schemeClr val="dk2"/>
                 </a:solidFill>
               </a:rPr>
-              <a:t>App initializer (e.g. Spring Initializr)</a:t>
-            </a:r>
-            <a:endParaRPr>
+              <a:t>App initializer: Spring Initializer</a:t>
+            </a:r>
+            <a:endParaRPr dirty="0">
               <a:solidFill>
                 <a:schemeClr val="dk2"/>
               </a:solidFill>
@@ -7759,14 +7629,22 @@
               <a:buChar char="-"/>
             </a:pPr>
             <a:r>
-              <a:rPr lang="en-GB">
+              <a:rPr lang="en-GB" dirty="0">
                 <a:solidFill>
                   <a:schemeClr val="dk2"/>
                 </a:solidFill>
               </a:rPr>
-              <a:t>Code build (e.g. maven, makefile)</a:t>
-            </a:r>
-            <a:endParaRPr>
+              <a:t>Code build: </a:t>
+            </a:r>
+            <a:r>
+              <a:rPr lang="en-GB" dirty="0" err="1">
+                <a:solidFill>
+                  <a:schemeClr val="dk2"/>
+                </a:solidFill>
+              </a:rPr>
+              <a:t>makefile</a:t>
+            </a:r>
+            <a:endParaRPr dirty="0">
               <a:solidFill>
                 <a:schemeClr val="dk2"/>
               </a:solidFill>
@@ -7790,14 +7668,22 @@
               <a:buChar char="-"/>
             </a:pPr>
             <a:r>
-              <a:rPr lang="en-GB">
+              <a:rPr lang="en-GB" dirty="0">
                 <a:solidFill>
                   <a:schemeClr val="dk2"/>
                 </a:solidFill>
               </a:rPr>
-              <a:t>CI/CD pipeline (e.g. jenkins, gitlab..)</a:t>
-            </a:r>
-            <a:endParaRPr>
+              <a:t>CI/CD pipeline: </a:t>
+            </a:r>
+            <a:r>
+              <a:rPr lang="en-GB" dirty="0" err="1">
+                <a:solidFill>
+                  <a:schemeClr val="dk2"/>
+                </a:solidFill>
+              </a:rPr>
+              <a:t>github</a:t>
+            </a:r>
+            <a:endParaRPr dirty="0">
               <a:solidFill>
                 <a:schemeClr val="dk2"/>
               </a:solidFill>
@@ -7821,14 +7707,14 @@
               <a:buChar char="-"/>
             </a:pPr>
             <a:r>
-              <a:rPr lang="en-GB">
+              <a:rPr lang="en-GB" dirty="0">
                 <a:solidFill>
                   <a:schemeClr val="dk2"/>
                 </a:solidFill>
               </a:rPr>
-              <a:t>Delivery method (e.g. docker, war/ear, helm)</a:t>
-            </a:r>
-            <a:endParaRPr>
+              <a:t>Delivery method: docker</a:t>
+            </a:r>
+            <a:endParaRPr dirty="0">
               <a:solidFill>
                 <a:schemeClr val="dk2"/>
               </a:solidFill>
@@ -7852,14 +7738,62 @@
               <a:buChar char="-"/>
             </a:pPr>
             <a:r>
-              <a:rPr lang="en-GB">
+              <a:rPr lang="en-GB" dirty="0">
                 <a:solidFill>
                   <a:schemeClr val="dk2"/>
                 </a:solidFill>
               </a:rPr>
-              <a:t>Logging &amp; monitoring (logrotate, prometheus, ELK, grafana, …) (optional)</a:t>
-            </a:r>
-            <a:endParaRPr>
+              <a:t>Logging &amp; monitoring (</a:t>
+            </a:r>
+            <a:r>
+              <a:rPr lang="en-GB" dirty="0" err="1">
+                <a:solidFill>
+                  <a:schemeClr val="dk2"/>
+                </a:solidFill>
+              </a:rPr>
+              <a:t>logrotate</a:t>
+            </a:r>
+            <a:r>
+              <a:rPr lang="en-GB" dirty="0">
+                <a:solidFill>
+                  <a:schemeClr val="dk2"/>
+                </a:solidFill>
+              </a:rPr>
+              <a:t>, </a:t>
+            </a:r>
+            <a:r>
+              <a:rPr lang="en-GB" dirty="0" err="1">
+                <a:solidFill>
+                  <a:schemeClr val="dk2"/>
+                </a:solidFill>
+              </a:rPr>
+              <a:t>prometheus</a:t>
+            </a:r>
+            <a:r>
+              <a:rPr lang="en-GB" dirty="0">
+                <a:solidFill>
+                  <a:schemeClr val="dk2"/>
+                </a:solidFill>
+              </a:rPr>
+              <a:t>, ELK, </a:t>
+            </a:r>
+            <a:r>
+              <a:rPr lang="en-GB" dirty="0" err="1">
+                <a:solidFill>
+                  <a:schemeClr val="dk2"/>
+                </a:solidFill>
+              </a:rPr>
+              <a:t>grafana</a:t>
+            </a:r>
+            <a:r>
+              <a:rPr lang="en-GB" dirty="0">
+                <a:solidFill>
+                  <a:schemeClr val="dk2"/>
+                </a:solidFill>
+              </a:rPr>
+              <a:t>, …) (optional)</a:t>
+            </a:r>
+            <a:endParaRPr dirty="0">
               <a:solidFill>
                 <a:schemeClr val="dk2"/>
               </a:solidFill>
@@ -8457,15 +8391,7 @@
                   <a:schemeClr val="dk1"/>
                 </a:solidFill>
               </a:rPr>
-              <a:t>Task_10/Task_10</a:t>
-            </a:r>
-            <a:r>
-              <a:rPr lang="en-GB" sz="1400" u="sng">
-                <a:solidFill>
-                  <a:schemeClr val="dk1"/>
-                </a:solidFill>
-              </a:rPr>
-              <a:t>.pdf</a:t>
+              <a:t>Task_10/Task_10.pdf</a:t>
             </a:r>
             <a:endParaRPr sz="1400" u="sng" dirty="0">
               <a:solidFill>
@@ -8603,10 +8529,10 @@
       </p:sp>
       <p:pic>
         <p:nvPicPr>
-          <p:cNvPr id="5" name="Graphic 4">
+          <p:cNvPr id="3" name="Рисунок 2">
             <a:extLst>
               <a:ext uri="{FF2B5EF4-FFF2-40B4-BE49-F238E27FC236}">
-                <a16:creationId xmlns:a16="http://schemas.microsoft.com/office/drawing/2014/main" id="{95A1A0D0-480B-47FE-BFAC-72B6FD0E7F1C}"/>
+                <a16:creationId xmlns:a16="http://schemas.microsoft.com/office/drawing/2014/main" id="{C5B7194B-CF5C-403F-BB19-6F03AD931CCA}"/>
               </a:ext>
             </a:extLst>
           </p:cNvPr>
@@ -8616,21 +8542,15 @@
           <p:nvPr/>
         </p:nvPicPr>
         <p:blipFill>
-          <a:blip r:embed="rId3">
-            <a:extLst>
-              <a:ext uri="{96DAC541-7B7A-43D3-8B79-37D633B846F1}">
-                <asvg:svgBlip xmlns:asvg="http://schemas.microsoft.com/office/drawing/2016/SVG/main" r:embed="rId4"/>
-              </a:ext>
-            </a:extLst>
-          </a:blip>
+          <a:blip r:embed="rId3"/>
           <a:stretch>
             <a:fillRect/>
           </a:stretch>
         </p:blipFill>
         <p:spPr>
           <a:xfrm>
-            <a:off x="249929" y="1335932"/>
-            <a:ext cx="8894071" cy="3010181"/>
+            <a:off x="161364" y="1241523"/>
+            <a:ext cx="8716741" cy="2946342"/>
           </a:xfrm>
           <a:prstGeom prst="rect">
             <a:avLst/>
@@ -8787,7 +8707,7 @@
         </p:nvSpPr>
         <p:spPr>
           <a:xfrm>
-            <a:off x="311700" y="445025"/>
+            <a:off x="160485" y="113989"/>
             <a:ext cx="8520600" cy="572700"/>
           </a:xfrm>
           <a:prstGeom prst="rect">
@@ -8810,10 +8730,26 @@
               <a:buNone/>
             </a:pPr>
             <a:r>
-              <a:rPr lang="en-GB" dirty="0"/>
+              <a:rPr lang="en-GB" b="1" dirty="0">
+                <a:effectLst>
+                  <a:outerShdw blurRad="38100" dist="38100" dir="2700000" algn="tl">
+                    <a:srgbClr val="000000">
+                      <a:alpha val="43137"/>
+                    </a:srgbClr>
+                  </a:outerShdw>
+                </a:effectLst>
+              </a:rPr>
               <a:t>Open API</a:t>
             </a:r>
-            <a:endParaRPr dirty="0"/>
+            <a:endParaRPr b="1" dirty="0">
+              <a:effectLst>
+                <a:outerShdw blurRad="38100" dist="38100" dir="2700000" algn="tl">
+                  <a:srgbClr val="000000">
+                    <a:alpha val="43137"/>
+                  </a:srgbClr>
+                </a:outerShdw>
+              </a:effectLst>
+            </a:endParaRPr>
           </a:p>
         </p:txBody>
       </p:sp>
@@ -8829,8 +8765,8 @@
         </p:nvSpPr>
         <p:spPr>
           <a:xfrm>
-            <a:off x="3701875" y="1506162"/>
-            <a:ext cx="5752672" cy="3416400"/>
+            <a:off x="3692487" y="1324627"/>
+            <a:ext cx="5300416" cy="3416400"/>
           </a:xfrm>
           <a:prstGeom prst="rect">
             <a:avLst/>
@@ -9103,8 +9039,8 @@
         </p:nvSpPr>
         <p:spPr>
           <a:xfrm>
-            <a:off x="3795623" y="1136830"/>
-            <a:ext cx="4572000" cy="369332"/>
+            <a:off x="3786235" y="955295"/>
+            <a:ext cx="2376577" cy="369332"/>
           </a:xfrm>
           <a:prstGeom prst="rect">
             <a:avLst/>
@@ -9151,8 +9087,8 @@
         </p:nvSpPr>
         <p:spPr>
           <a:xfrm>
-            <a:off x="-60385" y="4880812"/>
-            <a:ext cx="9851366" cy="307777"/>
+            <a:off x="0" y="4825812"/>
+            <a:ext cx="9851366" cy="276999"/>
           </a:xfrm>
           <a:prstGeom prst="rect">
             <a:avLst/>
@@ -9166,7 +9102,7 @@
           <a:lstStyle/>
           <a:p>
             <a:r>
-              <a:rPr lang="ru-RU" dirty="0">
+              <a:rPr lang="ru-RU" sz="1200" dirty="0">
                 <a:solidFill>
                   <a:srgbClr val="595959"/>
                 </a:solidFill>
@@ -9190,8 +9126,8 @@
         </p:nvSpPr>
         <p:spPr>
           <a:xfrm>
-            <a:off x="0" y="1136830"/>
-            <a:ext cx="4572000" cy="369332"/>
+            <a:off x="151097" y="949125"/>
+            <a:ext cx="3305056" cy="369332"/>
           </a:xfrm>
           <a:prstGeom prst="rect">
             <a:avLst/>
@@ -9240,7 +9176,7 @@
         </p:nvSpPr>
         <p:spPr>
           <a:xfrm>
-            <a:off x="52908" y="1506162"/>
+            <a:off x="151097" y="1282877"/>
             <a:ext cx="3742715" cy="3416400"/>
           </a:xfrm>
           <a:prstGeom prst="rect">
@@ -9776,7 +9712,7 @@
         </p:nvSpPr>
         <p:spPr>
           <a:xfrm>
-            <a:off x="311700" y="445025"/>
+            <a:off x="311700" y="209702"/>
             <a:ext cx="8520600" cy="572700"/>
           </a:xfrm>
           <a:prstGeom prst="rect">
@@ -9790,17 +9726,38 @@
           <a:lstStyle/>
           <a:p>
             <a:r>
-              <a:rPr lang="en-GB" dirty="0"/>
+              <a:rPr lang="en-GB" dirty="0">
+                <a:effectLst>
+                  <a:outerShdw blurRad="38100" dist="38100" dir="2700000" algn="tl">
+                    <a:srgbClr val="000000">
+                      <a:alpha val="43137"/>
+                    </a:srgbClr>
+                  </a:outerShdw>
+                </a:effectLst>
+              </a:rPr>
               <a:t>API usage </a:t>
             </a:r>
             <a:r>
-              <a:rPr lang="en-US" b="1" dirty="0" err="1"/>
+              <a:rPr lang="en-US" b="1" dirty="0" err="1">
+                <a:effectLst>
+                  <a:outerShdw blurRad="38100" dist="38100" dir="2700000" algn="tl">
+                    <a:srgbClr val="000000">
+                      <a:alpha val="43137"/>
+                    </a:srgbClr>
+                  </a:outerShdw>
+                </a:effectLst>
+              </a:rPr>
               <a:t>ServiceDeployer</a:t>
             </a:r>
-            <a:br>
-              <a:rPr lang="en-US" b="1" dirty="0"/>
-            </a:br>
-            <a:endParaRPr dirty="0"/>
+            <a:endParaRPr dirty="0">
+              <a:effectLst>
+                <a:outerShdw blurRad="38100" dist="38100" dir="2700000" algn="tl">
+                  <a:srgbClr val="000000">
+                    <a:alpha val="43137"/>
+                  </a:srgbClr>
+                </a:outerShdw>
+              </a:effectLst>
+            </a:endParaRPr>
           </a:p>
         </p:txBody>
       </p:sp>
@@ -9839,23 +9796,39 @@
               <a:buNone/>
             </a:pPr>
             <a:r>
-              <a:rPr lang="en-GB" dirty="0">
-                <a:solidFill>
-                  <a:srgbClr val="FF0000"/>
-                </a:solidFill>
-              </a:rPr>
-              <a:t>Fragment of a scenario - step before, step when invoked, a step after</a:t>
-            </a:r>
-            <a:endParaRPr dirty="0">
+              <a:rPr lang="en-US" b="1" dirty="0">
+                <a:solidFill>
+                  <a:schemeClr val="tx1"/>
+                </a:solidFill>
+              </a:rPr>
+              <a:t>Use Case</a:t>
+            </a:r>
+            <a:r>
+              <a:rPr lang="en-US" dirty="0">
+                <a:solidFill>
+                  <a:schemeClr val="tx1"/>
+                </a:solidFill>
+              </a:rPr>
+              <a:t>: </a:t>
+            </a:r>
+            <a:r>
+              <a:rPr lang="en-US" dirty="0" err="1">
+                <a:solidFill>
+                  <a:schemeClr val="tx1"/>
+                </a:solidFill>
+              </a:rPr>
+              <a:t>DeployService</a:t>
+            </a:r>
+            <a:endParaRPr lang="en-US" dirty="0">
               <a:solidFill>
-                <a:srgbClr val="FF0000"/>
+                <a:schemeClr val="tx1"/>
               </a:solidFill>
             </a:endParaRPr>
           </a:p>
           <a:p>
             <a:pPr marL="0" lvl="0" indent="0" algn="l" rtl="0">
               <a:spcBef>
-                <a:spcPts val="1200"/>
+                <a:spcPts val="0"/>
               </a:spcBef>
               <a:spcAft>
                 <a:spcPts val="0"/>
@@ -9863,23 +9836,26 @@
               <a:buNone/>
             </a:pPr>
             <a:r>
-              <a:rPr lang="en-GB" dirty="0">
-                <a:solidFill>
-                  <a:srgbClr val="FF0000"/>
-                </a:solidFill>
-              </a:rPr>
-              <a:t>Or user story</a:t>
-            </a:r>
-            <a:endParaRPr dirty="0">
-              <a:solidFill>
-                <a:srgbClr val="FF0000"/>
-              </a:solidFill>
-            </a:endParaRPr>
+              <a:rPr lang="en-US" b="1" dirty="0">
+                <a:solidFill>
+                  <a:schemeClr val="tx1"/>
+                </a:solidFill>
+              </a:rPr>
+              <a:t>Scenario</a:t>
+            </a:r>
+            <a:r>
+              <a:rPr lang="en-US" dirty="0">
+                <a:solidFill>
+                  <a:schemeClr val="tx1"/>
+                </a:solidFill>
+              </a:rPr>
+              <a:t>:</a:t>
+            </a:r>
           </a:p>
           <a:p>
             <a:pPr marL="0" lvl="0" indent="0" algn="l" rtl="0">
               <a:spcBef>
-                <a:spcPts val="1200"/>
+                <a:spcPts val="0"/>
               </a:spcBef>
               <a:spcAft>
                 <a:spcPts val="0"/>
@@ -9887,23 +9863,18 @@
               <a:buNone/>
             </a:pPr>
             <a:r>
-              <a:rPr lang="en-GB" dirty="0">
-                <a:solidFill>
-                  <a:srgbClr val="FF0000"/>
-                </a:solidFill>
-              </a:rPr>
-              <a:t>Or event flow fragment</a:t>
-            </a:r>
-            <a:endParaRPr dirty="0">
-              <a:solidFill>
-                <a:srgbClr val="FF0000"/>
-              </a:solidFill>
-            </a:endParaRPr>
+              <a:rPr lang="en-US" dirty="0">
+                <a:solidFill>
+                  <a:schemeClr val="tx1"/>
+                </a:solidFill>
+              </a:rPr>
+              <a:t>User sends request to deploy ML Model</a:t>
+            </a:r>
           </a:p>
           <a:p>
             <a:pPr marL="0" lvl="0" indent="0" algn="l" rtl="0">
               <a:spcBef>
-                <a:spcPts val="1200"/>
+                <a:spcPts val="0"/>
               </a:spcBef>
               <a:spcAft>
                 <a:spcPts val="0"/>
@@ -9911,30 +9882,32 @@
               <a:buNone/>
             </a:pPr>
             <a:r>
-              <a:rPr lang="en-GB" dirty="0">
-                <a:solidFill>
-                  <a:srgbClr val="FF0000"/>
-                </a:solidFill>
-              </a:rPr>
-              <a:t>Show all (most) places where the service is used</a:t>
-            </a:r>
-            <a:endParaRPr dirty="0">
-              <a:solidFill>
-                <a:srgbClr val="FF0000"/>
-              </a:solidFill>
-            </a:endParaRPr>
+              <a:rPr lang="en-US" dirty="0">
+                <a:solidFill>
+                  <a:schemeClr val="tx1"/>
+                </a:solidFill>
+              </a:rPr>
+              <a:t>ML Wrappers creates docker container</a:t>
+            </a:r>
           </a:p>
           <a:p>
             <a:pPr marL="0" lvl="0" indent="0" algn="l" rtl="0">
               <a:spcBef>
-                <a:spcPts val="1200"/>
-              </a:spcBef>
-              <a:spcAft>
-                <a:spcPts val="1200"/>
+                <a:spcPts val="0"/>
+              </a:spcBef>
+              <a:spcAft>
+                <a:spcPts val="0"/>
               </a:spcAft>
               <a:buNone/>
             </a:pPr>
-            <a:endParaRPr dirty="0"/>
+            <a:r>
+              <a:rPr lang="en-US" dirty="0">
+                <a:solidFill>
+                  <a:schemeClr val="tx1"/>
+                </a:solidFill>
+              </a:rPr>
+              <a:t>Docker container is deployed via service into K8s</a:t>
+            </a:r>
           </a:p>
         </p:txBody>
       </p:sp>
@@ -10005,7 +9978,7 @@
         </p:nvSpPr>
         <p:spPr>
           <a:xfrm>
-            <a:off x="311700" y="445025"/>
+            <a:off x="311700" y="182807"/>
             <a:ext cx="8520600" cy="572700"/>
           </a:xfrm>
           <a:prstGeom prst="rect">
@@ -10019,17 +9992,38 @@
           <a:lstStyle/>
           <a:p>
             <a:r>
-              <a:rPr lang="en-GB" dirty="0"/>
+              <a:rPr lang="en-GB" dirty="0">
+                <a:effectLst>
+                  <a:outerShdw blurRad="38100" dist="38100" dir="2700000" algn="tl">
+                    <a:srgbClr val="000000">
+                      <a:alpha val="43137"/>
+                    </a:srgbClr>
+                  </a:outerShdw>
+                </a:effectLst>
+              </a:rPr>
               <a:t>API usage </a:t>
             </a:r>
             <a:r>
-              <a:rPr lang="en-US" b="1" dirty="0"/>
+              <a:rPr lang="en-US" b="1" dirty="0">
+                <a:effectLst>
+                  <a:outerShdw blurRad="38100" dist="38100" dir="2700000" algn="tl">
+                    <a:srgbClr val="000000">
+                      <a:alpha val="43137"/>
+                    </a:srgbClr>
+                  </a:outerShdw>
+                </a:effectLst>
+              </a:rPr>
               <a:t>Authenticator</a:t>
             </a:r>
-            <a:br>
-              <a:rPr lang="en-US" b="1" dirty="0"/>
-            </a:br>
-            <a:endParaRPr dirty="0"/>
+            <a:endParaRPr dirty="0">
+              <a:effectLst>
+                <a:outerShdw blurRad="38100" dist="38100" dir="2700000" algn="tl">
+                  <a:srgbClr val="000000">
+                    <a:alpha val="43137"/>
+                  </a:srgbClr>
+                </a:outerShdw>
+              </a:effectLst>
+            </a:endParaRPr>
           </a:p>
         </p:txBody>
       </p:sp>
@@ -10068,102 +10062,110 @@
               <a:buNone/>
             </a:pPr>
             <a:r>
-              <a:rPr lang="en-GB" dirty="0">
-                <a:solidFill>
-                  <a:srgbClr val="FF0000"/>
-                </a:solidFill>
-              </a:rPr>
-              <a:t>Fragment of a scenario - step before, step when invoked, a step after</a:t>
+              <a:rPr lang="en-US" b="1" dirty="0">
+                <a:solidFill>
+                  <a:schemeClr val="tx1"/>
+                </a:solidFill>
+              </a:rPr>
+              <a:t>Use Case</a:t>
+            </a:r>
+            <a:r>
+              <a:rPr lang="en-US" dirty="0">
+                <a:solidFill>
+                  <a:schemeClr val="tx1"/>
+                </a:solidFill>
+              </a:rPr>
+              <a:t>: Authenticate</a:t>
+            </a:r>
+          </a:p>
+          <a:p>
+            <a:pPr marL="0" lvl="0" indent="0" algn="l" rtl="0">
+              <a:spcBef>
+                <a:spcPts val="0"/>
+              </a:spcBef>
+              <a:spcAft>
+                <a:spcPts val="0"/>
+              </a:spcAft>
+              <a:buNone/>
+            </a:pPr>
+            <a:r>
+              <a:rPr lang="en-US" b="1" dirty="0">
+                <a:solidFill>
+                  <a:schemeClr val="tx1"/>
+                </a:solidFill>
+              </a:rPr>
+              <a:t>Scenario</a:t>
+            </a:r>
+            <a:r>
+              <a:rPr lang="en-US" dirty="0">
+                <a:solidFill>
+                  <a:schemeClr val="tx1"/>
+                </a:solidFill>
+              </a:rPr>
+              <a:t>:</a:t>
+            </a:r>
+          </a:p>
+          <a:p>
+            <a:pPr marL="0" lvl="0" indent="0" algn="l" rtl="0">
+              <a:spcBef>
+                <a:spcPts val="0"/>
+              </a:spcBef>
+              <a:spcAft>
+                <a:spcPts val="0"/>
+              </a:spcAft>
+              <a:buNone/>
+            </a:pPr>
+            <a:r>
+              <a:rPr lang="en-US" dirty="0">
+                <a:solidFill>
+                  <a:schemeClr val="tx1"/>
+                </a:solidFill>
+              </a:rPr>
+              <a:t>User sends request</a:t>
+            </a:r>
+          </a:p>
+          <a:p>
+            <a:pPr marL="0" lvl="0" indent="0" algn="l" rtl="0">
+              <a:spcBef>
+                <a:spcPts val="0"/>
+              </a:spcBef>
+              <a:spcAft>
+                <a:spcPts val="0"/>
+              </a:spcAft>
+              <a:buNone/>
+            </a:pPr>
+            <a:r>
+              <a:rPr lang="en-US" dirty="0">
+                <a:solidFill>
+                  <a:schemeClr val="tx1"/>
+                </a:solidFill>
+              </a:rPr>
+              <a:t>Request is sent to authentication</a:t>
+            </a:r>
+          </a:p>
+          <a:p>
+            <a:pPr marL="0" lvl="0" indent="0" algn="l" rtl="0">
+              <a:spcBef>
+                <a:spcPts val="0"/>
+              </a:spcBef>
+              <a:spcAft>
+                <a:spcPts val="0"/>
+              </a:spcAft>
+              <a:buNone/>
+            </a:pPr>
+            <a:r>
+              <a:rPr lang="en-US" dirty="0">
+                <a:solidFill>
+                  <a:schemeClr val="tx1"/>
+                </a:solidFill>
+              </a:rPr>
+              <a:t>Request is checked for SSO authentication possibility</a:t>
             </a:r>
             <a:endParaRPr dirty="0">
               <a:solidFill>
-                <a:srgbClr val="FF0000"/>
+                <a:schemeClr val="tx1"/>
               </a:solidFill>
             </a:endParaRPr>
-          </a:p>
-          <a:p>
-            <a:pPr marL="0" lvl="0" indent="0" algn="l" rtl="0">
-              <a:spcBef>
-                <a:spcPts val="1200"/>
-              </a:spcBef>
-              <a:spcAft>
-                <a:spcPts val="0"/>
-              </a:spcAft>
-              <a:buNone/>
-            </a:pPr>
-            <a:r>
-              <a:rPr lang="en-GB" dirty="0">
-                <a:solidFill>
-                  <a:srgbClr val="FF0000"/>
-                </a:solidFill>
-              </a:rPr>
-              <a:t>Or user story</a:t>
-            </a:r>
-            <a:endParaRPr dirty="0">
-              <a:solidFill>
-                <a:srgbClr val="FF0000"/>
-              </a:solidFill>
-            </a:endParaRPr>
-          </a:p>
-          <a:p>
-            <a:pPr marL="0" lvl="0" indent="0" algn="l" rtl="0">
-              <a:spcBef>
-                <a:spcPts val="1200"/>
-              </a:spcBef>
-              <a:spcAft>
-                <a:spcPts val="0"/>
-              </a:spcAft>
-              <a:buNone/>
-            </a:pPr>
-            <a:r>
-              <a:rPr lang="en-GB" dirty="0">
-                <a:solidFill>
-                  <a:srgbClr val="FF0000"/>
-                </a:solidFill>
-              </a:rPr>
-              <a:t>Or event flow fragment</a:t>
-            </a:r>
-            <a:endParaRPr dirty="0">
-              <a:solidFill>
-                <a:srgbClr val="FF0000"/>
-              </a:solidFill>
-            </a:endParaRPr>
-          </a:p>
-          <a:p>
-            <a:pPr marL="0" lvl="0" indent="0" algn="l" rtl="0">
-              <a:spcBef>
-                <a:spcPts val="1200"/>
-              </a:spcBef>
-              <a:spcAft>
-                <a:spcPts val="0"/>
-              </a:spcAft>
-              <a:buNone/>
-            </a:pPr>
-            <a:r>
-              <a:rPr lang="en-GB" dirty="0">
-                <a:solidFill>
-                  <a:srgbClr val="FF0000"/>
-                </a:solidFill>
-              </a:rPr>
-              <a:t>Show all (most) places where the service is used</a:t>
-            </a:r>
-            <a:endParaRPr dirty="0">
-              <a:solidFill>
-                <a:srgbClr val="FF0000"/>
-              </a:solidFill>
-            </a:endParaRPr>
-          </a:p>
-          <a:p>
-            <a:pPr marL="0" lvl="0" indent="0" algn="l" rtl="0">
-              <a:spcBef>
-                <a:spcPts val="1200"/>
-              </a:spcBef>
-              <a:spcAft>
-                <a:spcPts val="1200"/>
-              </a:spcAft>
-              <a:buNone/>
-            </a:pPr>
-            <a:endParaRPr dirty="0"/>
           </a:p>
         </p:txBody>
       </p:sp>
@@ -10373,7 +10375,7 @@
         </p:nvSpPr>
         <p:spPr>
           <a:xfrm>
-            <a:off x="311700" y="445025"/>
+            <a:off x="251188" y="288275"/>
             <a:ext cx="8520600" cy="572700"/>
           </a:xfrm>
           <a:prstGeom prst="rect">
@@ -10387,17 +10389,38 @@
           <a:lstStyle/>
           <a:p>
             <a:r>
-              <a:rPr lang="en-GB" dirty="0"/>
+              <a:rPr lang="en-GB" dirty="0">
+                <a:effectLst>
+                  <a:outerShdw blurRad="38100" dist="38100" dir="2700000" algn="tl">
+                    <a:srgbClr val="000000">
+                      <a:alpha val="43137"/>
+                    </a:srgbClr>
+                  </a:outerShdw>
+                </a:effectLst>
+              </a:rPr>
               <a:t>API usage </a:t>
             </a:r>
             <a:r>
-              <a:rPr lang="en-US" b="1" dirty="0" err="1"/>
+              <a:rPr lang="en-US" b="1" dirty="0" err="1">
+                <a:effectLst>
+                  <a:outerShdw blurRad="38100" dist="38100" dir="2700000" algn="tl">
+                    <a:srgbClr val="000000">
+                      <a:alpha val="43137"/>
+                    </a:srgbClr>
+                  </a:outerShdw>
+                </a:effectLst>
+              </a:rPr>
               <a:t>OpenAPIGenerator</a:t>
             </a:r>
-            <a:br>
-              <a:rPr lang="en-US" b="1" dirty="0"/>
-            </a:br>
-            <a:endParaRPr dirty="0"/>
+            <a:endParaRPr dirty="0">
+              <a:effectLst>
+                <a:outerShdw blurRad="38100" dist="38100" dir="2700000" algn="tl">
+                  <a:srgbClr val="000000">
+                    <a:alpha val="43137"/>
+                  </a:srgbClr>
+                </a:outerShdw>
+              </a:effectLst>
+            </a:endParaRPr>
           </a:p>
         </p:txBody>
       </p:sp>
@@ -10436,102 +10459,115 @@
               <a:buNone/>
             </a:pPr>
             <a:r>
-              <a:rPr lang="en-GB" dirty="0">
-                <a:solidFill>
-                  <a:srgbClr val="FF0000"/>
-                </a:solidFill>
-              </a:rPr>
-              <a:t>Fragment of a scenario - step before, step when invoked, a step after</a:t>
+              <a:rPr lang="en-US" b="1" dirty="0">
+                <a:solidFill>
+                  <a:schemeClr val="tx1"/>
+                </a:solidFill>
+              </a:rPr>
+              <a:t>Use Case</a:t>
+            </a:r>
+            <a:r>
+              <a:rPr lang="en-US" dirty="0">
+                <a:solidFill>
+                  <a:schemeClr val="tx1"/>
+                </a:solidFill>
+              </a:rPr>
+              <a:t>: Generate </a:t>
+            </a:r>
+            <a:r>
+              <a:rPr lang="en-US" dirty="0" err="1">
+                <a:solidFill>
+                  <a:schemeClr val="tx1"/>
+                </a:solidFill>
+              </a:rPr>
+              <a:t>OpenAPI</a:t>
+            </a:r>
+            <a:r>
+              <a:rPr lang="en-US" dirty="0">
+                <a:solidFill>
+                  <a:schemeClr val="tx1"/>
+                </a:solidFill>
+              </a:rPr>
+              <a:t> Schema</a:t>
+            </a:r>
+          </a:p>
+          <a:p>
+            <a:pPr marL="0" lvl="0" indent="0" algn="l" rtl="0">
+              <a:spcBef>
+                <a:spcPts val="0"/>
+              </a:spcBef>
+              <a:spcAft>
+                <a:spcPts val="0"/>
+              </a:spcAft>
+              <a:buNone/>
+            </a:pPr>
+            <a:r>
+              <a:rPr lang="en-US" b="1" dirty="0">
+                <a:solidFill>
+                  <a:schemeClr val="tx1"/>
+                </a:solidFill>
+              </a:rPr>
+              <a:t>Scenario</a:t>
+            </a:r>
+            <a:r>
+              <a:rPr lang="en-US" dirty="0">
+                <a:solidFill>
+                  <a:schemeClr val="tx1"/>
+                </a:solidFill>
+              </a:rPr>
+              <a:t>: </a:t>
+            </a:r>
+          </a:p>
+          <a:p>
+            <a:pPr marL="0" lvl="0" indent="0" algn="l" rtl="0">
+              <a:spcBef>
+                <a:spcPts val="0"/>
+              </a:spcBef>
+              <a:spcAft>
+                <a:spcPts val="0"/>
+              </a:spcAft>
+              <a:buNone/>
+            </a:pPr>
+            <a:r>
+              <a:rPr lang="en-US" dirty="0">
+                <a:solidFill>
+                  <a:schemeClr val="tx1"/>
+                </a:solidFill>
+              </a:rPr>
+              <a:t>User sends request to get schema</a:t>
+            </a:r>
+          </a:p>
+          <a:p>
+            <a:pPr marL="0" lvl="0" indent="0" algn="l" rtl="0">
+              <a:spcBef>
+                <a:spcPts val="0"/>
+              </a:spcBef>
+              <a:spcAft>
+                <a:spcPts val="0"/>
+              </a:spcAft>
+              <a:buNone/>
+            </a:pPr>
+            <a:r>
+              <a:rPr lang="en-US" dirty="0" err="1">
+                <a:solidFill>
+                  <a:schemeClr val="tx1"/>
+                </a:solidFill>
+              </a:rPr>
+              <a:t>OpenApi</a:t>
+            </a:r>
+            <a:r>
+              <a:rPr lang="en-US" dirty="0">
+                <a:solidFill>
+                  <a:schemeClr val="tx1"/>
+                </a:solidFill>
+              </a:rPr>
+              <a:t> Generator checks if schema is present, if not – creates it, returns actual schema</a:t>
             </a:r>
             <a:endParaRPr dirty="0">
               <a:solidFill>
-                <a:srgbClr val="FF0000"/>
+                <a:schemeClr val="tx1"/>
               </a:solidFill>
             </a:endParaRPr>
-          </a:p>
-          <a:p>
-            <a:pPr marL="0" lvl="0" indent="0" algn="l" rtl="0">
-              <a:spcBef>
-                <a:spcPts val="1200"/>
-              </a:spcBef>
-              <a:spcAft>
-                <a:spcPts val="0"/>
-              </a:spcAft>
-              <a:buNone/>
-            </a:pPr>
-            <a:r>
-              <a:rPr lang="en-GB" dirty="0">
-                <a:solidFill>
-                  <a:srgbClr val="FF0000"/>
-                </a:solidFill>
-              </a:rPr>
-              <a:t>Or user story</a:t>
-            </a:r>
-            <a:endParaRPr dirty="0">
-              <a:solidFill>
-                <a:srgbClr val="FF0000"/>
-              </a:solidFill>
-            </a:endParaRPr>
-          </a:p>
-          <a:p>
-            <a:pPr marL="0" lvl="0" indent="0" algn="l" rtl="0">
-              <a:spcBef>
-                <a:spcPts val="1200"/>
-              </a:spcBef>
-              <a:spcAft>
-                <a:spcPts val="0"/>
-              </a:spcAft>
-              <a:buNone/>
-            </a:pPr>
-            <a:r>
-              <a:rPr lang="en-GB" dirty="0">
-                <a:solidFill>
-                  <a:srgbClr val="FF0000"/>
-                </a:solidFill>
-              </a:rPr>
-              <a:t>Or event flow fragment</a:t>
-            </a:r>
-            <a:endParaRPr dirty="0">
-              <a:solidFill>
-                <a:srgbClr val="FF0000"/>
-              </a:solidFill>
-            </a:endParaRPr>
-          </a:p>
-          <a:p>
-            <a:pPr marL="0" lvl="0" indent="0" algn="l" rtl="0">
-              <a:spcBef>
-                <a:spcPts val="1200"/>
-              </a:spcBef>
-              <a:spcAft>
-                <a:spcPts val="0"/>
-              </a:spcAft>
-              <a:buNone/>
-            </a:pPr>
-            <a:r>
-              <a:rPr lang="en-GB" dirty="0">
-                <a:solidFill>
-                  <a:srgbClr val="FF0000"/>
-                </a:solidFill>
-              </a:rPr>
-              <a:t>Show all (most) places where the service is used</a:t>
-            </a:r>
-            <a:endParaRPr dirty="0">
-              <a:solidFill>
-                <a:srgbClr val="FF0000"/>
-              </a:solidFill>
-            </a:endParaRPr>
-          </a:p>
-          <a:p>
-            <a:pPr marL="0" lvl="0" indent="0" algn="l" rtl="0">
-              <a:spcBef>
-                <a:spcPts val="1200"/>
-              </a:spcBef>
-              <a:spcAft>
-                <a:spcPts val="1200"/>
-              </a:spcAft>
-              <a:buNone/>
-            </a:pPr>
-            <a:endParaRPr dirty="0"/>
           </a:p>
         </p:txBody>
       </p:sp>
@@ -10606,7 +10642,7 @@
         </p:nvSpPr>
         <p:spPr>
           <a:xfrm>
-            <a:off x="311700" y="445025"/>
+            <a:off x="311700" y="288275"/>
             <a:ext cx="8520600" cy="572700"/>
           </a:xfrm>
           <a:prstGeom prst="rect">
@@ -10620,17 +10656,38 @@
           <a:lstStyle/>
           <a:p>
             <a:r>
-              <a:rPr lang="en-GB" dirty="0"/>
+              <a:rPr lang="en-GB" dirty="0">
+                <a:effectLst>
+                  <a:outerShdw blurRad="38100" dist="38100" dir="2700000" algn="tl">
+                    <a:srgbClr val="000000">
+                      <a:alpha val="43137"/>
+                    </a:srgbClr>
+                  </a:outerShdw>
+                </a:effectLst>
+              </a:rPr>
               <a:t>API usage </a:t>
             </a:r>
             <a:r>
-              <a:rPr lang="en-US" b="1" dirty="0"/>
+              <a:rPr lang="en-US" b="1" dirty="0">
+                <a:effectLst>
+                  <a:outerShdw blurRad="38100" dist="38100" dir="2700000" algn="tl">
+                    <a:srgbClr val="000000">
+                      <a:alpha val="43137"/>
+                    </a:srgbClr>
+                  </a:outerShdw>
+                </a:effectLst>
+              </a:rPr>
               <a:t>Logger</a:t>
             </a:r>
-            <a:br>
-              <a:rPr lang="en-US" b="1" dirty="0"/>
-            </a:br>
-            <a:endParaRPr dirty="0"/>
+            <a:endParaRPr dirty="0">
+              <a:effectLst>
+                <a:outerShdw blurRad="38100" dist="38100" dir="2700000" algn="tl">
+                  <a:srgbClr val="000000">
+                    <a:alpha val="43137"/>
+                  </a:srgbClr>
+                </a:outerShdw>
+              </a:effectLst>
+            </a:endParaRPr>
           </a:p>
         </p:txBody>
       </p:sp>
@@ -10669,23 +10726,18 @@
               <a:buNone/>
             </a:pPr>
             <a:r>
-              <a:rPr lang="en-GB" dirty="0">
-                <a:solidFill>
-                  <a:srgbClr val="FF0000"/>
-                </a:solidFill>
-              </a:rPr>
-              <a:t>Fragment of a scenario - step before, step when invoked, a step after</a:t>
-            </a:r>
-            <a:endParaRPr dirty="0">
-              <a:solidFill>
-                <a:srgbClr val="FF0000"/>
-              </a:solidFill>
-            </a:endParaRPr>
+              <a:rPr lang="en-US" dirty="0">
+                <a:solidFill>
+                  <a:schemeClr val="tx1"/>
+                </a:solidFill>
+              </a:rPr>
+              <a:t>Use Case: Logging</a:t>
+            </a:r>
           </a:p>
           <a:p>
             <a:pPr marL="0" lvl="0" indent="0" algn="l" rtl="0">
               <a:spcBef>
-                <a:spcPts val="1200"/>
+                <a:spcPts val="0"/>
               </a:spcBef>
               <a:spcAft>
                 <a:spcPts val="0"/>
@@ -10693,23 +10745,18 @@
               <a:buNone/>
             </a:pPr>
             <a:r>
-              <a:rPr lang="en-GB" dirty="0">
-                <a:solidFill>
-                  <a:srgbClr val="FF0000"/>
-                </a:solidFill>
-              </a:rPr>
-              <a:t>Or user story</a:t>
-            </a:r>
-            <a:endParaRPr dirty="0">
-              <a:solidFill>
-                <a:srgbClr val="FF0000"/>
-              </a:solidFill>
-            </a:endParaRPr>
+              <a:rPr lang="en-US" dirty="0">
+                <a:solidFill>
+                  <a:schemeClr val="tx1"/>
+                </a:solidFill>
+              </a:rPr>
+              <a:t>Scenario:</a:t>
+            </a:r>
           </a:p>
           <a:p>
             <a:pPr marL="0" lvl="0" indent="0" algn="l" rtl="0">
               <a:spcBef>
-                <a:spcPts val="1200"/>
+                <a:spcPts val="0"/>
               </a:spcBef>
               <a:spcAft>
                 <a:spcPts val="0"/>
@@ -10717,23 +10764,18 @@
               <a:buNone/>
             </a:pPr>
             <a:r>
-              <a:rPr lang="en-GB" dirty="0">
-                <a:solidFill>
-                  <a:srgbClr val="FF0000"/>
-                </a:solidFill>
-              </a:rPr>
-              <a:t>Or event flow fragment</a:t>
-            </a:r>
-            <a:endParaRPr dirty="0">
-              <a:solidFill>
-                <a:srgbClr val="FF0000"/>
-              </a:solidFill>
-            </a:endParaRPr>
+              <a:rPr lang="en-US" dirty="0">
+                <a:solidFill>
+                  <a:schemeClr val="tx1"/>
+                </a:solidFill>
+              </a:rPr>
+              <a:t>User send request to fetch logs</a:t>
+            </a:r>
           </a:p>
           <a:p>
             <a:pPr marL="0" lvl="0" indent="0" algn="l" rtl="0">
               <a:spcBef>
-                <a:spcPts val="1200"/>
+                <a:spcPts val="0"/>
               </a:spcBef>
               <a:spcAft>
                 <a:spcPts val="0"/>
@@ -10741,30 +10783,13 @@
               <a:buNone/>
             </a:pPr>
             <a:r>
-              <a:rPr lang="en-GB" dirty="0">
-                <a:solidFill>
-                  <a:srgbClr val="FF0000"/>
-                </a:solidFill>
-              </a:rPr>
-              <a:t>Show all (most) places where the service is used</a:t>
-            </a:r>
-            <a:endParaRPr dirty="0">
-              <a:solidFill>
-                <a:srgbClr val="FF0000"/>
-              </a:solidFill>
-            </a:endParaRPr>
-          </a:p>
-          <a:p>
-            <a:pPr marL="0" lvl="0" indent="0" algn="l" rtl="0">
-              <a:spcBef>
-                <a:spcPts val="1200"/>
-              </a:spcBef>
-              <a:spcAft>
-                <a:spcPts val="1200"/>
-              </a:spcAft>
-              <a:buNone/>
-            </a:pPr>
-            <a:endParaRPr dirty="0"/>
+              <a:rPr lang="en-US" dirty="0">
+                <a:solidFill>
+                  <a:schemeClr val="tx1"/>
+                </a:solidFill>
+              </a:rPr>
+              <a:t>Logger retrieves logs for a service</a:t>
+            </a:r>
           </a:p>
         </p:txBody>
       </p:sp>

--- a/PracticeTasks/Module2/Task_10/Task_10.pptx
+++ b/PracticeTasks/Module2/Task_10/Task_10.pptx
@@ -1,6 +1,6 @@
 
 <file path=ppt/presentation.xml><?xml version="1.0" encoding="utf-8"?>
-<p:presentation xmlns:a="http://schemas.openxmlformats.org/drawingml/2006/main" xmlns:r="http://schemas.openxmlformats.org/officeDocument/2006/relationships" xmlns:p="http://schemas.openxmlformats.org/presentationml/2006/main" strictFirstAndLastChars="0" saveSubsetFonts="1" autoCompressPictures="0">
+<p:presentation xmlns:a="http://schemas.openxmlformats.org/drawingml/2006/main" xmlns:r="http://schemas.openxmlformats.org/officeDocument/2006/relationships" xmlns:p="http://schemas.openxmlformats.org/presentationml/2006/main" showSpecialPlsOnTitleSld="0" strictFirstAndLastChars="0" saveSubsetFonts="1" autoCompressPictures="0">
   <p:sldMasterIdLst>
     <p:sldMasterId id="2147483659" r:id="rId1"/>
   </p:sldMasterIdLst>
@@ -6041,7 +6041,7 @@
     <p:sldLayoutId id="2147483657" r:id="rId10"/>
     <p:sldLayoutId id="2147483658" r:id="rId11"/>
   </p:sldLayoutIdLst>
-  <p:hf sldNum="0" hdr="0" ftr="0" dt="0"/>
+  <p:hf hdr="0" dt="0"/>
   <p:txStyles>
     <p:titleStyle>
       <a:defPPr marR="0" lvl="0" algn="l" rtl="0">
@@ -6933,8 +6933,8 @@
         </p:nvSpPr>
         <p:spPr>
           <a:xfrm>
-            <a:off x="311700" y="1152475"/>
-            <a:ext cx="3000300" cy="3416400"/>
+            <a:off x="311699" y="1152475"/>
+            <a:ext cx="3130747" cy="3416400"/>
           </a:xfrm>
           <a:prstGeom prst="rect">
             <a:avLst/>
@@ -6956,12 +6956,20 @@
               <a:buNone/>
             </a:pPr>
             <a:r>
+              <a:rPr lang="en-US" b="1" dirty="0">
+                <a:solidFill>
+                  <a:schemeClr val="tx1"/>
+                </a:solidFill>
+              </a:rPr>
+              <a:t>Use Case</a:t>
+            </a:r>
+            <a:r>
               <a:rPr lang="en-US" dirty="0">
                 <a:solidFill>
                   <a:schemeClr val="tx1"/>
                 </a:solidFill>
               </a:rPr>
-              <a:t>Use Case: Forward Request</a:t>
+              <a:t>: Forward Request</a:t>
             </a:r>
           </a:p>
           <a:p>
@@ -6975,12 +6983,20 @@
               <a:buNone/>
             </a:pPr>
             <a:r>
+              <a:rPr lang="en-US" b="1" dirty="0">
+                <a:solidFill>
+                  <a:schemeClr val="tx1"/>
+                </a:solidFill>
+              </a:rPr>
+              <a:t>Scenario</a:t>
+            </a:r>
+            <a:r>
               <a:rPr lang="en-US" dirty="0">
                 <a:solidFill>
                   <a:schemeClr val="tx1"/>
                 </a:solidFill>
               </a:rPr>
-              <a:t>Scenario:</a:t>
+              <a:t>:</a:t>
             </a:r>
           </a:p>
           <a:p>
@@ -7092,6 +7108,44 @@
           </a:prstGeom>
         </p:spPr>
       </p:pic>
+      <p:sp>
+        <p:nvSpPr>
+          <p:cNvPr id="3" name="Номер слайда 2">
+            <a:extLst>
+              <a:ext uri="{FF2B5EF4-FFF2-40B4-BE49-F238E27FC236}">
+                <a16:creationId xmlns:a16="http://schemas.microsoft.com/office/drawing/2014/main" id="{44D00E36-7C80-4724-BC89-DAF8BBC2E470}"/>
+              </a:ext>
+            </a:extLst>
+          </p:cNvPr>
+          <p:cNvSpPr>
+            <a:spLocks noGrp="1"/>
+          </p:cNvSpPr>
+          <p:nvPr>
+            <p:ph type="sldNum" idx="12"/>
+          </p:nvPr>
+        </p:nvSpPr>
+        <p:spPr/>
+        <p:txBody>
+          <a:bodyPr/>
+          <a:lstStyle/>
+          <a:p>
+            <a:pPr marL="0" lvl="0" indent="0" algn="r" rtl="0">
+              <a:spcBef>
+                <a:spcPts val="0"/>
+              </a:spcBef>
+              <a:spcAft>
+                <a:spcPts val="0"/>
+              </a:spcAft>
+              <a:buNone/>
+            </a:pPr>
+            <a:fld id="{00000000-1234-1234-1234-123412341234}" type="slidenum">
+              <a:rPr lang="en-GB" smtClean="0"/>
+              <a:t>10</a:t>
+            </a:fld>
+            <a:endParaRPr lang="en-GB"/>
+          </a:p>
+        </p:txBody>
+      </p:sp>
     </p:spTree>
     <p:extLst>
       <p:ext uri="{BB962C8B-B14F-4D97-AF65-F5344CB8AC3E}">
@@ -7194,8 +7248,8 @@
         </p:nvSpPr>
         <p:spPr>
           <a:xfrm>
-            <a:off x="212800" y="1151672"/>
-            <a:ext cx="5034000" cy="3319500"/>
+            <a:off x="212800" y="1471170"/>
+            <a:ext cx="5034000" cy="3000001"/>
           </a:xfrm>
           <a:prstGeom prst="rect">
             <a:avLst/>
@@ -7326,8 +7380,21 @@
                   <a:schemeClr val="dk2"/>
                 </a:solidFill>
               </a:rPr>
-              <a:t>- App framework: python flask</a:t>
-            </a:r>
+              <a:t>- App framework: python </a:t>
+            </a:r>
+            <a:r>
+              <a:rPr lang="en-GB" dirty="0" err="1">
+                <a:solidFill>
+                  <a:schemeClr val="dk2"/>
+                </a:solidFill>
+              </a:rPr>
+              <a:t>FastAPI</a:t>
+            </a:r>
+            <a:endParaRPr lang="en-GB" dirty="0">
+              <a:solidFill>
+                <a:schemeClr val="dk2"/>
+              </a:solidFill>
+            </a:endParaRPr>
           </a:p>
           <a:p>
             <a:pPr marL="108000" lvl="0" algn="l" rtl="0">
@@ -7355,134 +7422,6 @@
                 <a:schemeClr val="dk2"/>
               </a:solidFill>
             </a:endParaRPr>
-          </a:p>
-          <a:p>
-            <a:pPr marL="0" lvl="0" indent="0" algn="l" rtl="0">
-              <a:lnSpc>
-                <a:spcPct val="115000"/>
-              </a:lnSpc>
-              <a:spcBef>
-                <a:spcPts val="1200"/>
-              </a:spcBef>
-              <a:spcAft>
-                <a:spcPts val="0"/>
-              </a:spcAft>
-              <a:buNone/>
-            </a:pPr>
-            <a:r>
-              <a:rPr lang="en-US" b="1" dirty="0">
-                <a:solidFill>
-                  <a:schemeClr val="dk2"/>
-                </a:solidFill>
-              </a:rPr>
-              <a:t>Asynchronous interactions (optional)</a:t>
-            </a:r>
-          </a:p>
-          <a:p>
-            <a:pPr marL="457200" lvl="0" indent="-317500" algn="l" rtl="0">
-              <a:lnSpc>
-                <a:spcPct val="115000"/>
-              </a:lnSpc>
-              <a:spcBef>
-                <a:spcPts val="1200"/>
-              </a:spcBef>
-              <a:spcAft>
-                <a:spcPts val="0"/>
-              </a:spcAft>
-              <a:buClr>
-                <a:schemeClr val="dk2"/>
-              </a:buClr>
-              <a:buSzPts val="1400"/>
-              <a:buChar char="-"/>
-            </a:pPr>
-            <a:r>
-              <a:rPr lang="en-GB" dirty="0">
-                <a:solidFill>
-                  <a:schemeClr val="dk2"/>
-                </a:solidFill>
-              </a:rPr>
-              <a:t>Message queue: (e.g. </a:t>
-            </a:r>
-            <a:r>
-              <a:rPr lang="en-GB" dirty="0" err="1">
-                <a:solidFill>
-                  <a:schemeClr val="dk2"/>
-                </a:solidFill>
-              </a:rPr>
-              <a:t>rabbitmq</a:t>
-            </a:r>
-            <a:r>
-              <a:rPr lang="en-GB" dirty="0">
-                <a:solidFill>
-                  <a:schemeClr val="dk2"/>
-                </a:solidFill>
-              </a:rPr>
-              <a:t>, </a:t>
-            </a:r>
-            <a:r>
-              <a:rPr lang="en-GB" dirty="0" err="1">
-                <a:solidFill>
-                  <a:schemeClr val="dk2"/>
-                </a:solidFill>
-              </a:rPr>
-              <a:t>kafka</a:t>
-            </a:r>
-            <a:r>
-              <a:rPr lang="en-GB" dirty="0">
-                <a:solidFill>
-                  <a:schemeClr val="dk2"/>
-                </a:solidFill>
-              </a:rPr>
-              <a:t>, </a:t>
-            </a:r>
-            <a:r>
-              <a:rPr lang="en-GB" dirty="0" err="1">
-                <a:solidFill>
-                  <a:schemeClr val="dk2"/>
-                </a:solidFill>
-              </a:rPr>
-              <a:t>redis</a:t>
-            </a:r>
-            <a:r>
-              <a:rPr lang="en-GB" dirty="0">
-                <a:solidFill>
-                  <a:schemeClr val="dk2"/>
-                </a:solidFill>
-              </a:rPr>
-              <a:t> streams…)</a:t>
-            </a:r>
-            <a:endParaRPr dirty="0">
-              <a:solidFill>
-                <a:schemeClr val="dk2"/>
-              </a:solidFill>
-            </a:endParaRPr>
-          </a:p>
-          <a:p>
-            <a:pPr marL="457200" lvl="0" indent="-317500" algn="l" rtl="0">
-              <a:lnSpc>
-                <a:spcPct val="115000"/>
-              </a:lnSpc>
-              <a:spcBef>
-                <a:spcPts val="0"/>
-              </a:spcBef>
-              <a:spcAft>
-                <a:spcPts val="0"/>
-              </a:spcAft>
-              <a:buClr>
-                <a:schemeClr val="dk2"/>
-              </a:buClr>
-              <a:buSzPts val="1400"/>
-              <a:buChar char="-"/>
-            </a:pPr>
-            <a:r>
-              <a:rPr lang="en-GB" dirty="0">
-                <a:solidFill>
-                  <a:schemeClr val="dk2"/>
-                </a:solidFill>
-              </a:rPr>
-              <a:t>Messaging client library: (e.g. celery, spring stream …)</a:t>
-            </a:r>
-            <a:endParaRPr dirty="0"/>
           </a:p>
         </p:txBody>
       </p:sp>
@@ -7494,7 +7433,7 @@
         </p:nvSpPr>
         <p:spPr>
           <a:xfrm>
-            <a:off x="5246800" y="1151672"/>
+            <a:off x="5246800" y="1471170"/>
             <a:ext cx="3674400" cy="3000000"/>
           </a:xfrm>
           <a:prstGeom prst="rect">
@@ -7603,7 +7542,15 @@
                   <a:schemeClr val="dk2"/>
                 </a:solidFill>
               </a:rPr>
-              <a:t>App initializer: Spring Initializer</a:t>
+              <a:t>App initializer: </a:t>
+            </a:r>
+            <a:r>
+              <a:rPr lang="en-GB" dirty="0" err="1">
+                <a:solidFill>
+                  <a:schemeClr val="dk2"/>
+                </a:solidFill>
+              </a:rPr>
+              <a:t>cookiecutter</a:t>
             </a:r>
             <a:endParaRPr dirty="0">
               <a:solidFill>
@@ -7683,6 +7630,14 @@
               </a:rPr>
               <a:t>github</a:t>
             </a:r>
+            <a:r>
+              <a:rPr lang="en-GB" dirty="0">
+                <a:solidFill>
+                  <a:schemeClr val="dk2"/>
+                </a:solidFill>
+              </a:rPr>
+              <a:t> ci/cd</a:t>
+            </a:r>
             <a:endParaRPr dirty="0">
               <a:solidFill>
                 <a:schemeClr val="dk2"/>
@@ -7743,61 +7698,51 @@
                   <a:schemeClr val="dk2"/>
                 </a:solidFill>
               </a:rPr>
-              <a:t>Logging &amp; monitoring (</a:t>
-            </a:r>
-            <a:r>
-              <a:rPr lang="en-GB" dirty="0" err="1">
-                <a:solidFill>
-                  <a:schemeClr val="dk2"/>
-                </a:solidFill>
-              </a:rPr>
-              <a:t>logrotate</a:t>
-            </a:r>
-            <a:r>
-              <a:rPr lang="en-GB" dirty="0">
-                <a:solidFill>
-                  <a:schemeClr val="dk2"/>
-                </a:solidFill>
-              </a:rPr>
-              <a:t>, </a:t>
-            </a:r>
-            <a:r>
-              <a:rPr lang="en-GB" dirty="0" err="1">
-                <a:solidFill>
-                  <a:schemeClr val="dk2"/>
-                </a:solidFill>
-              </a:rPr>
-              <a:t>prometheus</a:t>
-            </a:r>
-            <a:r>
-              <a:rPr lang="en-GB" dirty="0">
-                <a:solidFill>
-                  <a:schemeClr val="dk2"/>
-                </a:solidFill>
-              </a:rPr>
-              <a:t>, ELK, </a:t>
-            </a:r>
-            <a:r>
-              <a:rPr lang="en-GB" dirty="0" err="1">
-                <a:solidFill>
-                  <a:schemeClr val="dk2"/>
-                </a:solidFill>
-              </a:rPr>
-              <a:t>grafana</a:t>
-            </a:r>
-            <a:r>
-              <a:rPr lang="en-GB" dirty="0">
-                <a:solidFill>
-                  <a:schemeClr val="dk2"/>
-                </a:solidFill>
-              </a:rPr>
-              <a:t>, …) (optional)</a:t>
+              <a:t>Logging &amp; monitoring: ELK</a:t>
             </a:r>
             <a:endParaRPr dirty="0">
               <a:solidFill>
                 <a:schemeClr val="dk2"/>
               </a:solidFill>
             </a:endParaRPr>
+          </a:p>
+        </p:txBody>
+      </p:sp>
+      <p:sp>
+        <p:nvSpPr>
+          <p:cNvPr id="3" name="Номер слайда 2">
+            <a:extLst>
+              <a:ext uri="{FF2B5EF4-FFF2-40B4-BE49-F238E27FC236}">
+                <a16:creationId xmlns:a16="http://schemas.microsoft.com/office/drawing/2014/main" id="{D1C0A3E3-E1BB-4752-9880-3DA2319565D1}"/>
+              </a:ext>
+            </a:extLst>
+          </p:cNvPr>
+          <p:cNvSpPr>
+            <a:spLocks noGrp="1"/>
+          </p:cNvSpPr>
+          <p:nvPr>
+            <p:ph type="sldNum" idx="12"/>
+          </p:nvPr>
+        </p:nvSpPr>
+        <p:spPr/>
+        <p:txBody>
+          <a:bodyPr/>
+          <a:lstStyle/>
+          <a:p>
+            <a:pPr marL="0" lvl="0" indent="0" algn="r" rtl="0">
+              <a:spcBef>
+                <a:spcPts val="0"/>
+              </a:spcBef>
+              <a:spcAft>
+                <a:spcPts val="0"/>
+              </a:spcAft>
+              <a:buNone/>
+            </a:pPr>
+            <a:fld id="{00000000-1234-1234-1234-123412341234}" type="slidenum">
+              <a:rPr lang="en-GB" smtClean="0"/>
+              <a:t>11</a:t>
+            </a:fld>
+            <a:endParaRPr lang="en-GB"/>
           </a:p>
         </p:txBody>
       </p:sp>
@@ -7810,7 +7755,7 @@
 </file>
 
 <file path=ppt/slides/slide12.xml><?xml version="1.0" encoding="utf-8"?>
-<p:sld xmlns:a="http://schemas.openxmlformats.org/drawingml/2006/main" xmlns:r="http://schemas.openxmlformats.org/officeDocument/2006/relationships" xmlns:p="http://schemas.openxmlformats.org/presentationml/2006/main">
+<p:sld xmlns:a="http://schemas.openxmlformats.org/drawingml/2006/main" xmlns:r="http://schemas.openxmlformats.org/officeDocument/2006/relationships" xmlns:p="http://schemas.openxmlformats.org/presentationml/2006/main" show="0">
   <p:cSld>
     <p:spTree>
       <p:nvGrpSpPr>
@@ -7908,7 +7853,7 @@
               <a:buNone/>
             </a:pPr>
             <a:r>
-              <a:rPr lang="en-GB" u="sng">
+              <a:rPr lang="en-GB" u="sng" dirty="0">
                 <a:solidFill>
                   <a:schemeClr val="accent5"/>
                 </a:solidFill>
@@ -7923,10 +7868,10 @@
               <a:t>https://github.com/mfornos/awesome-microservices</a:t>
             </a:r>
             <a:r>
-              <a:rPr lang="en-GB"/>
+              <a:rPr lang="en-GB" dirty="0"/>
               <a:t> </a:t>
             </a:r>
-            <a:endParaRPr/>
+            <a:endParaRPr dirty="0"/>
           </a:p>
           <a:p>
             <a:pPr marL="0" lvl="0" indent="0" algn="l" rtl="0">
@@ -7944,7 +7889,7 @@
               <a:buNone/>
             </a:pPr>
             <a:r>
-              <a:rPr lang="en-GB" u="sng">
+              <a:rPr lang="en-GB" u="sng" dirty="0">
                 <a:solidFill>
                   <a:schemeClr val="accent5"/>
                 </a:solidFill>
@@ -7958,7 +7903,7 @@
               </a:rPr>
               <a:t>https://awesomeopensource.com/projects/microservices-architecture</a:t>
             </a:r>
-            <a:endParaRPr/>
+            <a:endParaRPr dirty="0"/>
           </a:p>
           <a:p>
             <a:pPr marL="0" lvl="0" indent="0" algn="l" rtl="0">
@@ -7971,7 +7916,7 @@
               <a:buNone/>
             </a:pPr>
             <a:r>
-              <a:rPr lang="en-GB" u="sng">
+              <a:rPr lang="en-GB" u="sng" dirty="0">
                 <a:solidFill>
                   <a:schemeClr val="hlink"/>
                 </a:solidFill>
@@ -7979,7 +7924,7 @@
               </a:rPr>
               <a:t>https://www.redhat.com/en/blog/comparing-openapi-grpc</a:t>
             </a:r>
-            <a:endParaRPr/>
+            <a:endParaRPr dirty="0"/>
           </a:p>
           <a:p>
             <a:pPr marL="0" lvl="0" indent="0" algn="l" rtl="0">
@@ -7992,7 +7937,7 @@
               <a:buNone/>
             </a:pPr>
             <a:r>
-              <a:rPr lang="en-GB" u="sng">
+              <a:rPr lang="en-GB" u="sng" dirty="0">
                 <a:solidFill>
                   <a:schemeClr val="hlink"/>
                 </a:solidFill>
@@ -8001,10 +7946,10 @@
               <a:t>https://cloud.google.com/apis/design/resources</a:t>
             </a:r>
             <a:r>
-              <a:rPr lang="en-GB"/>
+              <a:rPr lang="en-GB" dirty="0"/>
               <a:t> </a:t>
             </a:r>
-            <a:endParaRPr/>
+            <a:endParaRPr dirty="0"/>
           </a:p>
           <a:p>
             <a:pPr marL="0" lvl="0" indent="0" algn="l" rtl="0">
@@ -8016,7 +7961,45 @@
               </a:spcAft>
               <a:buNone/>
             </a:pPr>
-            <a:endParaRPr/>
+            <a:endParaRPr dirty="0"/>
+          </a:p>
+        </p:txBody>
+      </p:sp>
+      <p:sp>
+        <p:nvSpPr>
+          <p:cNvPr id="3" name="Номер слайда 2">
+            <a:extLst>
+              <a:ext uri="{FF2B5EF4-FFF2-40B4-BE49-F238E27FC236}">
+                <a16:creationId xmlns:a16="http://schemas.microsoft.com/office/drawing/2014/main" id="{EA7519E6-9899-4533-B96A-624B6020A593}"/>
+              </a:ext>
+            </a:extLst>
+          </p:cNvPr>
+          <p:cNvSpPr>
+            <a:spLocks noGrp="1"/>
+          </p:cNvSpPr>
+          <p:nvPr>
+            <p:ph type="sldNum" idx="12"/>
+          </p:nvPr>
+        </p:nvSpPr>
+        <p:spPr/>
+        <p:txBody>
+          <a:bodyPr/>
+          <a:lstStyle/>
+          <a:p>
+            <a:pPr marL="0" lvl="0" indent="0" algn="r" rtl="0">
+              <a:spcBef>
+                <a:spcPts val="0"/>
+              </a:spcBef>
+              <a:spcAft>
+                <a:spcPts val="0"/>
+              </a:spcAft>
+              <a:buNone/>
+            </a:pPr>
+            <a:fld id="{00000000-1234-1234-1234-123412341234}" type="slidenum">
+              <a:rPr lang="en-GB" smtClean="0"/>
+              <a:t>12</a:t>
+            </a:fld>
+            <a:endParaRPr lang="en-GB"/>
           </a:p>
         </p:txBody>
       </p:sp>
@@ -8403,10 +8386,10 @@
       </p:sp>
       <p:sp>
         <p:nvSpPr>
-          <p:cNvPr id="2" name="Slide Number Placeholder 1">
+          <p:cNvPr id="3" name="Номер слайда 2">
             <a:extLst>
               <a:ext uri="{FF2B5EF4-FFF2-40B4-BE49-F238E27FC236}">
-                <a16:creationId xmlns:a16="http://schemas.microsoft.com/office/drawing/2014/main" id="{73F10E7C-2BDF-4387-B5C5-552F63A04249}"/>
+                <a16:creationId xmlns:a16="http://schemas.microsoft.com/office/drawing/2014/main" id="{B6CFC8D8-E303-4004-B65E-C84C05B7029F}"/>
               </a:ext>
             </a:extLst>
           </p:cNvPr>
@@ -8432,10 +8415,10 @@
               <a:buNone/>
             </a:pPr>
             <a:fld id="{00000000-1234-1234-1234-123412341234}" type="slidenum">
-              <a:rPr lang="en-GB" sz="2000" smtClean="0"/>
+              <a:rPr lang="en-GB" smtClean="0"/>
               <a:t>2</a:t>
             </a:fld>
-            <a:endParaRPr lang="en-GB" sz="2000" dirty="0"/>
+            <a:endParaRPr lang="en-GB"/>
           </a:p>
         </p:txBody>
       </p:sp>
@@ -8557,6 +8540,44 @@
           </a:prstGeom>
         </p:spPr>
       </p:pic>
+      <p:sp>
+        <p:nvSpPr>
+          <p:cNvPr id="4" name="Номер слайда 3">
+            <a:extLst>
+              <a:ext uri="{FF2B5EF4-FFF2-40B4-BE49-F238E27FC236}">
+                <a16:creationId xmlns:a16="http://schemas.microsoft.com/office/drawing/2014/main" id="{FE86CA3D-FE51-42A4-8A66-83EB1F2C6FC3}"/>
+              </a:ext>
+            </a:extLst>
+          </p:cNvPr>
+          <p:cNvSpPr>
+            <a:spLocks noGrp="1"/>
+          </p:cNvSpPr>
+          <p:nvPr>
+            <p:ph type="sldNum" idx="12"/>
+          </p:nvPr>
+        </p:nvSpPr>
+        <p:spPr/>
+        <p:txBody>
+          <a:bodyPr/>
+          <a:lstStyle/>
+          <a:p>
+            <a:pPr marL="0" lvl="0" indent="0" algn="r" rtl="0">
+              <a:spcBef>
+                <a:spcPts val="0"/>
+              </a:spcBef>
+              <a:spcAft>
+                <a:spcPts val="0"/>
+              </a:spcAft>
+              <a:buNone/>
+            </a:pPr>
+            <a:fld id="{00000000-1234-1234-1234-123412341234}" type="slidenum">
+              <a:rPr lang="en-GB" smtClean="0"/>
+              <a:t>3</a:t>
+            </a:fld>
+            <a:endParaRPr lang="en-GB"/>
+          </a:p>
+        </p:txBody>
+      </p:sp>
     </p:spTree>
   </p:cSld>
   <p:clrMapOvr>
@@ -8670,6 +8691,44 @@
           </a:prstGeom>
         </p:spPr>
       </p:pic>
+      <p:sp>
+        <p:nvSpPr>
+          <p:cNvPr id="3" name="Номер слайда 2">
+            <a:extLst>
+              <a:ext uri="{FF2B5EF4-FFF2-40B4-BE49-F238E27FC236}">
+                <a16:creationId xmlns:a16="http://schemas.microsoft.com/office/drawing/2014/main" id="{FD5D37A7-8856-44FB-A363-7C59AD363784}"/>
+              </a:ext>
+            </a:extLst>
+          </p:cNvPr>
+          <p:cNvSpPr>
+            <a:spLocks noGrp="1"/>
+          </p:cNvSpPr>
+          <p:nvPr>
+            <p:ph type="sldNum" idx="12"/>
+          </p:nvPr>
+        </p:nvSpPr>
+        <p:spPr/>
+        <p:txBody>
+          <a:bodyPr/>
+          <a:lstStyle/>
+          <a:p>
+            <a:pPr marL="0" lvl="0" indent="0" algn="r" rtl="0">
+              <a:spcBef>
+                <a:spcPts val="0"/>
+              </a:spcBef>
+              <a:spcAft>
+                <a:spcPts val="0"/>
+              </a:spcAft>
+              <a:buNone/>
+            </a:pPr>
+            <a:fld id="{00000000-1234-1234-1234-123412341234}" type="slidenum">
+              <a:rPr lang="en-GB" smtClean="0"/>
+              <a:t>4</a:t>
+            </a:fld>
+            <a:endParaRPr lang="en-GB"/>
+          </a:p>
+        </p:txBody>
+      </p:sp>
     </p:spTree>
   </p:cSld>
   <p:clrMapOvr>
@@ -9672,6 +9731,44 @@
               </a:rPr>
               <a:t>/router/cache</a:t>
             </a:r>
+          </a:p>
+        </p:txBody>
+      </p:sp>
+      <p:sp>
+        <p:nvSpPr>
+          <p:cNvPr id="3" name="Номер слайда 2">
+            <a:extLst>
+              <a:ext uri="{FF2B5EF4-FFF2-40B4-BE49-F238E27FC236}">
+                <a16:creationId xmlns:a16="http://schemas.microsoft.com/office/drawing/2014/main" id="{E7F5919C-2FD7-43DC-9236-802CD807C1BF}"/>
+              </a:ext>
+            </a:extLst>
+          </p:cNvPr>
+          <p:cNvSpPr>
+            <a:spLocks noGrp="1"/>
+          </p:cNvSpPr>
+          <p:nvPr>
+            <p:ph type="sldNum" idx="12"/>
+          </p:nvPr>
+        </p:nvSpPr>
+        <p:spPr/>
+        <p:txBody>
+          <a:bodyPr/>
+          <a:lstStyle/>
+          <a:p>
+            <a:pPr marL="0" lvl="0" indent="0" algn="r" rtl="0">
+              <a:spcBef>
+                <a:spcPts val="0"/>
+              </a:spcBef>
+              <a:spcAft>
+                <a:spcPts val="0"/>
+              </a:spcAft>
+              <a:buNone/>
+            </a:pPr>
+            <a:fld id="{00000000-1234-1234-1234-123412341234}" type="slidenum">
+              <a:rPr lang="en-GB" smtClean="0"/>
+              <a:t>5</a:t>
+            </a:fld>
+            <a:endParaRPr lang="en-GB"/>
           </a:p>
         </p:txBody>
       </p:sp>
@@ -9809,21 +9906,8 @@
                   <a:schemeClr val="tx1"/>
                 </a:solidFill>
               </a:rPr>
-              <a:t>: </a:t>
-            </a:r>
-            <a:r>
-              <a:rPr lang="en-US" dirty="0" err="1">
-                <a:solidFill>
-                  <a:schemeClr val="tx1"/>
-                </a:solidFill>
-              </a:rPr>
-              <a:t>DeployService</a:t>
-            </a:r>
-            <a:endParaRPr lang="en-US" dirty="0">
-              <a:solidFill>
-                <a:schemeClr val="tx1"/>
-              </a:solidFill>
-            </a:endParaRPr>
+              <a:t>: Deploy Service</a:t>
+            </a:r>
           </a:p>
           <a:p>
             <a:pPr marL="0" lvl="0" indent="0" algn="l" rtl="0">
@@ -9941,6 +10025,44 @@
           </a:prstGeom>
         </p:spPr>
       </p:pic>
+      <p:sp>
+        <p:nvSpPr>
+          <p:cNvPr id="3" name="Номер слайда 2">
+            <a:extLst>
+              <a:ext uri="{FF2B5EF4-FFF2-40B4-BE49-F238E27FC236}">
+                <a16:creationId xmlns:a16="http://schemas.microsoft.com/office/drawing/2014/main" id="{3863259A-7CEE-49BB-9562-F93C8BD5800E}"/>
+              </a:ext>
+            </a:extLst>
+          </p:cNvPr>
+          <p:cNvSpPr>
+            <a:spLocks noGrp="1"/>
+          </p:cNvSpPr>
+          <p:nvPr>
+            <p:ph type="sldNum" idx="12"/>
+          </p:nvPr>
+        </p:nvSpPr>
+        <p:spPr/>
+        <p:txBody>
+          <a:bodyPr/>
+          <a:lstStyle/>
+          <a:p>
+            <a:pPr marL="0" lvl="0" indent="0" algn="r" rtl="0">
+              <a:spcBef>
+                <a:spcPts val="0"/>
+              </a:spcBef>
+              <a:spcAft>
+                <a:spcPts val="0"/>
+              </a:spcAft>
+              <a:buNone/>
+            </a:pPr>
+            <a:fld id="{00000000-1234-1234-1234-123412341234}" type="slidenum">
+              <a:rPr lang="en-GB" smtClean="0"/>
+              <a:t>6</a:t>
+            </a:fld>
+            <a:endParaRPr lang="en-GB"/>
+          </a:p>
+        </p:txBody>
+      </p:sp>
     </p:spTree>
   </p:cSld>
   <p:clrMapOvr>
@@ -10333,6 +10455,44 @@
           </a:p>
         </p:txBody>
       </p:sp>
+      <p:sp>
+        <p:nvSpPr>
+          <p:cNvPr id="4" name="Номер слайда 3">
+            <a:extLst>
+              <a:ext uri="{FF2B5EF4-FFF2-40B4-BE49-F238E27FC236}">
+                <a16:creationId xmlns:a16="http://schemas.microsoft.com/office/drawing/2014/main" id="{B6084F2C-D079-4A3E-B51D-2E8680415742}"/>
+              </a:ext>
+            </a:extLst>
+          </p:cNvPr>
+          <p:cNvSpPr>
+            <a:spLocks noGrp="1"/>
+          </p:cNvSpPr>
+          <p:nvPr>
+            <p:ph type="sldNum" idx="12"/>
+          </p:nvPr>
+        </p:nvSpPr>
+        <p:spPr/>
+        <p:txBody>
+          <a:bodyPr/>
+          <a:lstStyle/>
+          <a:p>
+            <a:pPr marL="0" lvl="0" indent="0" algn="r" rtl="0">
+              <a:spcBef>
+                <a:spcPts val="0"/>
+              </a:spcBef>
+              <a:spcAft>
+                <a:spcPts val="0"/>
+              </a:spcAft>
+              <a:buNone/>
+            </a:pPr>
+            <a:fld id="{00000000-1234-1234-1234-123412341234}" type="slidenum">
+              <a:rPr lang="en-GB" smtClean="0"/>
+              <a:t>7</a:t>
+            </a:fld>
+            <a:endParaRPr lang="en-GB"/>
+          </a:p>
+        </p:txBody>
+      </p:sp>
     </p:spTree>
     <p:extLst>
       <p:ext uri="{BB962C8B-B14F-4D97-AF65-F5344CB8AC3E}">
@@ -10600,6 +10760,44 @@
           </a:prstGeom>
         </p:spPr>
       </p:pic>
+      <p:sp>
+        <p:nvSpPr>
+          <p:cNvPr id="3" name="Номер слайда 2">
+            <a:extLst>
+              <a:ext uri="{FF2B5EF4-FFF2-40B4-BE49-F238E27FC236}">
+                <a16:creationId xmlns:a16="http://schemas.microsoft.com/office/drawing/2014/main" id="{E92DA808-A119-4BC5-BB0C-E1F78E2DD16E}"/>
+              </a:ext>
+            </a:extLst>
+          </p:cNvPr>
+          <p:cNvSpPr>
+            <a:spLocks noGrp="1"/>
+          </p:cNvSpPr>
+          <p:nvPr>
+            <p:ph type="sldNum" idx="12"/>
+          </p:nvPr>
+        </p:nvSpPr>
+        <p:spPr/>
+        <p:txBody>
+          <a:bodyPr/>
+          <a:lstStyle/>
+          <a:p>
+            <a:pPr marL="0" lvl="0" indent="0" algn="r" rtl="0">
+              <a:spcBef>
+                <a:spcPts val="0"/>
+              </a:spcBef>
+              <a:spcAft>
+                <a:spcPts val="0"/>
+              </a:spcAft>
+              <a:buNone/>
+            </a:pPr>
+            <a:fld id="{00000000-1234-1234-1234-123412341234}" type="slidenum">
+              <a:rPr lang="en-GB" smtClean="0"/>
+              <a:t>8</a:t>
+            </a:fld>
+            <a:endParaRPr lang="en-GB"/>
+          </a:p>
+        </p:txBody>
+      </p:sp>
     </p:spTree>
     <p:extLst>
       <p:ext uri="{BB962C8B-B14F-4D97-AF65-F5344CB8AC3E}">
@@ -10726,12 +10924,20 @@
               <a:buNone/>
             </a:pPr>
             <a:r>
+              <a:rPr lang="en-US" b="1" dirty="0">
+                <a:solidFill>
+                  <a:schemeClr val="tx1"/>
+                </a:solidFill>
+              </a:rPr>
+              <a:t>Use Case</a:t>
+            </a:r>
+            <a:r>
               <a:rPr lang="en-US" dirty="0">
                 <a:solidFill>
                   <a:schemeClr val="tx1"/>
                 </a:solidFill>
               </a:rPr>
-              <a:t>Use Case: Logging</a:t>
+              <a:t>: Logging</a:t>
             </a:r>
           </a:p>
           <a:p>
@@ -10745,12 +10951,20 @@
               <a:buNone/>
             </a:pPr>
             <a:r>
+              <a:rPr lang="en-US" b="1" dirty="0">
+                <a:solidFill>
+                  <a:schemeClr val="tx1"/>
+                </a:solidFill>
+              </a:rPr>
+              <a:t>Scenario</a:t>
+            </a:r>
+            <a:r>
               <a:rPr lang="en-US" dirty="0">
                 <a:solidFill>
                   <a:schemeClr val="tx1"/>
                 </a:solidFill>
               </a:rPr>
-              <a:t>Scenario:</a:t>
+              <a:t>:</a:t>
             </a:r>
           </a:p>
           <a:p>
@@ -10822,6 +11036,44 @@
           </a:prstGeom>
         </p:spPr>
       </p:pic>
+      <p:sp>
+        <p:nvSpPr>
+          <p:cNvPr id="3" name="Номер слайда 2">
+            <a:extLst>
+              <a:ext uri="{FF2B5EF4-FFF2-40B4-BE49-F238E27FC236}">
+                <a16:creationId xmlns:a16="http://schemas.microsoft.com/office/drawing/2014/main" id="{88F2D8E6-354C-4815-BF52-80A5F45D1377}"/>
+              </a:ext>
+            </a:extLst>
+          </p:cNvPr>
+          <p:cNvSpPr>
+            <a:spLocks noGrp="1"/>
+          </p:cNvSpPr>
+          <p:nvPr>
+            <p:ph type="sldNum" idx="12"/>
+          </p:nvPr>
+        </p:nvSpPr>
+        <p:spPr/>
+        <p:txBody>
+          <a:bodyPr/>
+          <a:lstStyle/>
+          <a:p>
+            <a:pPr marL="0" lvl="0" indent="0" algn="r" rtl="0">
+              <a:spcBef>
+                <a:spcPts val="0"/>
+              </a:spcBef>
+              <a:spcAft>
+                <a:spcPts val="0"/>
+              </a:spcAft>
+              <a:buNone/>
+            </a:pPr>
+            <a:fld id="{00000000-1234-1234-1234-123412341234}" type="slidenum">
+              <a:rPr lang="en-GB" smtClean="0"/>
+              <a:t>9</a:t>
+            </a:fld>
+            <a:endParaRPr lang="en-GB"/>
+          </a:p>
+        </p:txBody>
+      </p:sp>
     </p:spTree>
     <p:extLst>
       <p:ext uri="{BB962C8B-B14F-4D97-AF65-F5344CB8AC3E}">
